--- a/IPA.pptx
+++ b/IPA.pptx
@@ -9,12 +9,14 @@
   </p:notesMasterIdLst>
   <p:sldIdLst>
     <p:sldId id="263" r:id="rId3"/>
-    <p:sldId id="257" r:id="rId5"/>
-    <p:sldId id="258" r:id="rId6"/>
-    <p:sldId id="268" r:id="rId7"/>
-    <p:sldId id="266" r:id="rId8"/>
-    <p:sldId id="269" r:id="rId9"/>
-    <p:sldId id="260" r:id="rId10"/>
+    <p:sldId id="266" r:id="rId5"/>
+    <p:sldId id="274" r:id="rId6"/>
+    <p:sldId id="275" r:id="rId7"/>
+    <p:sldId id="279" r:id="rId8"/>
+    <p:sldId id="280" r:id="rId9"/>
+    <p:sldId id="273" r:id="rId10"/>
+    <p:sldId id="269" r:id="rId11"/>
+    <p:sldId id="260" r:id="rId12"/>
   </p:sldIdLst>
   <p:sldSz cx="24384000" cy="13716000"/>
   <p:notesSz cx="6858000" cy="9144000"/>
@@ -1731,246 +1733,727 @@
       </p:grpSpPr>
       <p:sp>
         <p:nvSpPr>
-          <p:cNvPr id="25" name="Shape 25"/>
-          <p:cNvSpPr/>
+          <p:cNvPr id="2" name="标题 1"/>
+          <p:cNvSpPr>
+            <a:spLocks noGrp="1"/>
+          </p:cNvSpPr>
+          <p:nvPr>
+            <p:ph type="title"/>
+          </p:nvPr>
+        </p:nvSpPr>
+        <p:spPr/>
+        <p:txBody>
+          <a:bodyPr/>
+          <a:lstStyle/>
+          <a:p>
+            <a:r>
+              <a:rPr kumimoji="1" lang="en-US" altLang="zh-CN" dirty="0" smtClean="0"/>
+              <a:t>ipa</a:t>
+            </a:r>
+            <a:r>
+              <a:rPr kumimoji="1" dirty="0" smtClean="0"/>
+              <a:t>结构</a:t>
+            </a:r>
+            <a:endParaRPr kumimoji="1" dirty="0" smtClean="0"/>
+          </a:p>
+        </p:txBody>
+      </p:sp>
+      <p:sp>
+        <p:nvSpPr>
+          <p:cNvPr id="3" name="文本占位符 2"/>
+          <p:cNvSpPr>
+            <a:spLocks noGrp="1"/>
+          </p:cNvSpPr>
+          <p:nvPr>
+            <p:ph type="body" sz="quarter" idx="10"/>
+          </p:nvPr>
+        </p:nvSpPr>
+        <p:spPr/>
+        <p:txBody>
+          <a:bodyPr/>
+          <a:lstStyle/>
+          <a:p>
+            <a:r>
+              <a:rPr kumimoji="1" lang="en-US" altLang="zh-CN" dirty="0"/>
+              <a:t>01</a:t>
+            </a:r>
+            <a:endParaRPr kumimoji="1" lang="en-US" altLang="zh-CN" dirty="0"/>
+          </a:p>
+        </p:txBody>
+      </p:sp>
+      <p:sp>
+        <p:nvSpPr>
+          <p:cNvPr id="4" name="文本占位符 3"/>
+          <p:cNvSpPr>
+            <a:spLocks noGrp="1"/>
+          </p:cNvSpPr>
+          <p:nvPr>
+            <p:ph type="body" sz="quarter" idx="11"/>
+          </p:nvPr>
+        </p:nvSpPr>
+        <p:spPr/>
+        <p:txBody>
+          <a:bodyPr/>
+          <a:lstStyle/>
+          <a:p>
+            <a:endParaRPr kumimoji="1" lang="zh-CN" altLang="en-US"/>
+          </a:p>
+        </p:txBody>
+      </p:sp>
+      <p:sp>
+        <p:nvSpPr>
+          <p:cNvPr id="9" name="Text Box 8"/>
+          <p:cNvSpPr txBox="1"/>
           <p:nvPr/>
         </p:nvSpPr>
         <p:spPr>
           <a:xfrm>
-            <a:off x="7260960" y="4567766"/>
-            <a:ext cx="4138614" cy="4038601"/>
+            <a:off x="2756535" y="2608580"/>
+            <a:ext cx="19599275" cy="9335135"/>
           </a:xfrm>
           <a:prstGeom prst="rect">
             <a:avLst/>
           </a:prstGeom>
-          <a:ln w="12700">
+          <a:noFill/>
+          <a:ln w="12700" cap="flat">
+            <a:noFill/>
             <a:miter lim="400000"/>
           </a:ln>
         </p:spPr>
+        <p:style>
+          <a:lnRef idx="0">
+            <a:scrgbClr r="0" g="0" b="0"/>
+          </a:lnRef>
+          <a:fillRef idx="0">
+            <a:scrgbClr r="0" g="0" b="0"/>
+          </a:fillRef>
+          <a:effectRef idx="0">
+            <a:scrgbClr r="0" g="0" b="0"/>
+          </a:effectRef>
+          <a:fontRef idx="none"/>
+        </p:style>
         <p:txBody>
-          <a:bodyPr wrap="none" lIns="0" tIns="0" rIns="0" bIns="0" anchor="ctr">
+          <a:bodyPr rot="0" vertOverflow="overflow" horzOverflow="overflow" vert="horz" wrap="square" lIns="50800" tIns="50800" rIns="50800" bIns="50800" numCol="1" spcCol="38100" rtlCol="0" anchor="t" anchorCtr="0" forceAA="0">
             <a:spAutoFit/>
           </a:bodyPr>
-          <a:lstStyle>
-            <a:lvl1pPr>
-              <a:defRPr sz="26000">
-                <a:solidFill>
-                  <a:srgbClr val="0099CB"/>
-                </a:solidFill>
-                <a:latin typeface="FZLanTingHeiS-DB1-GB"/>
-                <a:ea typeface="FZLanTingHeiS-DB1-GB"/>
-                <a:cs typeface="FZLanTingHeiS-DB1-GB"/>
-                <a:sym typeface="FZLanTingHeiS-DB1-GB"/>
-              </a:defRPr>
-            </a:lvl1pPr>
-          </a:lstStyle>
-          <a:p>
-            <a:pPr lvl="0">
-              <a:defRPr sz="1800">
-                <a:solidFill>
-                  <a:srgbClr val="000000"/>
-                </a:solidFill>
-              </a:defRPr>
+          <a:p>
+            <a:pPr marL="0" marR="0" indent="0" algn="l" defTabSz="825500" rtl="0" fontAlgn="auto" latinLnBrk="1" hangingPunct="0">
+              <a:lnSpc>
+                <a:spcPct val="100000"/>
+              </a:lnSpc>
+              <a:spcBef>
+                <a:spcPts val="0"/>
+              </a:spcBef>
+              <a:spcAft>
+                <a:spcPts val="0"/>
+              </a:spcAft>
+              <a:buClrTx/>
+              <a:buSzTx/>
+              <a:buFontTx/>
+              <a:buNone/>
             </a:pPr>
             <a:r>
-              <a:rPr sz="26000" dirty="0">
-                <a:solidFill>
-                  <a:srgbClr val="0099CB"/>
-                </a:solidFill>
-              </a:rPr>
-              <a:t>01</a:t>
-            </a:r>
-            <a:endParaRPr sz="26000" dirty="0">
+              <a:rPr lang="en-US" altLang="zh-CN">
+                <a:ln>
+                  <a:noFill/>
+                </a:ln>
+                <a:solidFill>
+                  <a:srgbClr val="000000"/>
+                </a:solidFill>
+                <a:effectLst/>
+                <a:uFillTx/>
+                <a:sym typeface="Helvetica Light"/>
+              </a:rPr>
+              <a:t>1.</a:t>
+            </a:r>
+            <a:r>
+              <a:rPr lang="zh-CN" altLang="en-US">
+                <a:ln>
+                  <a:noFill/>
+                </a:ln>
+                <a:solidFill>
+                  <a:srgbClr val="000000"/>
+                </a:solidFill>
+                <a:effectLst/>
+                <a:uFillTx/>
+                <a:sym typeface="Helvetica Light"/>
+              </a:rPr>
+              <a:t>资源文件</a:t>
+            </a:r>
+            <a:endParaRPr kumimoji="0" lang="zh-CN" altLang="en-US" b="0" i="0" u="none" strike="noStrike" cap="none" spc="0" normalizeH="0" baseline="0">
+              <a:ln>
+                <a:noFill/>
+              </a:ln>
               <a:solidFill>
-                <a:srgbClr val="0099CB"/>
+                <a:srgbClr val="000000"/>
               </a:solidFill>
+              <a:effectLst/>
+              <a:uFillTx/>
+              <a:latin typeface="+mn-lt"/>
+              <a:ea typeface="+mn-ea"/>
+              <a:cs typeface="+mn-cs"/>
+              <a:sym typeface="Helvetica Light"/>
             </a:endParaRPr>
           </a:p>
-        </p:txBody>
-      </p:sp>
-      <p:sp>
-        <p:nvSpPr>
-          <p:cNvPr id="26" name="Shape 26"/>
-          <p:cNvSpPr/>
-          <p:nvPr/>
-        </p:nvSpPr>
-        <p:spPr>
-          <a:xfrm>
-            <a:off x="11667066" y="5618035"/>
-            <a:ext cx="6155531" cy="2462213"/>
-          </a:xfrm>
-          <a:prstGeom prst="rect">
-            <a:avLst/>
-          </a:prstGeom>
-          <a:ln w="12700">
-            <a:miter lim="400000"/>
-          </a:ln>
-        </p:spPr>
-        <p:txBody>
-          <a:bodyPr wrap="none" lIns="0" tIns="0" rIns="0" bIns="0" anchor="ctr">
-            <a:spAutoFit/>
-          </a:bodyPr>
-          <a:lstStyle>
-            <a:lvl1pPr algn="l">
-              <a:defRPr sz="8600">
-                <a:solidFill>
-                  <a:srgbClr val="3E3A3A"/>
-                </a:solidFill>
-                <a:latin typeface="FZLanTingHeiS-R-GB"/>
-                <a:ea typeface="FZLanTingHeiS-R-GB"/>
-                <a:cs typeface="FZLanTingHeiS-R-GB"/>
-                <a:sym typeface="FZLanTingHeiS-R-GB"/>
-              </a:defRPr>
-            </a:lvl1pPr>
-          </a:lstStyle>
-          <a:p>
-            <a:pPr lvl="0">
-              <a:defRPr sz="1800">
-                <a:solidFill>
-                  <a:srgbClr val="000000"/>
-                </a:solidFill>
-              </a:defRPr>
+          <a:p>
+            <a:pPr marL="0" marR="0" indent="0" algn="l" defTabSz="825500" rtl="0" fontAlgn="auto" latinLnBrk="1" hangingPunct="0">
+              <a:lnSpc>
+                <a:spcPct val="100000"/>
+              </a:lnSpc>
+              <a:spcBef>
+                <a:spcPts val="0"/>
+              </a:spcBef>
+              <a:spcAft>
+                <a:spcPts val="0"/>
+              </a:spcAft>
+              <a:buClrTx/>
+              <a:buSzTx/>
+              <a:buFontTx/>
+              <a:buNone/>
             </a:pPr>
             <a:r>
-              <a:rPr sz="12000" dirty="0" err="1" smtClean="0">
-                <a:solidFill>
-                  <a:srgbClr val="3E3A3A"/>
-                </a:solidFill>
-                <a:latin typeface="微软雅黑" panose="020B0503020204020204" pitchFamily="34" charset="-122"/>
-                <a:ea typeface="微软雅黑" panose="020B0503020204020204" pitchFamily="34" charset="-122"/>
-              </a:rPr>
-              <a:t>绿漫现状</a:t>
-            </a:r>
-            <a:endParaRPr lang="en-US" sz="12000" dirty="0" smtClean="0">
+              <a:rPr lang="en-US" altLang="zh-CN">
+                <a:ln>
+                  <a:noFill/>
+                </a:ln>
+                <a:solidFill>
+                  <a:srgbClr val="000000"/>
+                </a:solidFill>
+                <a:effectLst/>
+                <a:uFillTx/>
+                <a:sym typeface="Helvetica Light"/>
+              </a:rPr>
+              <a:t>	Asset.car, .nib, .bundle., .png, .storyboard, .plist, InfoPlist.string, .frameworks, .wav等等</a:t>
+            </a:r>
+            <a:endParaRPr lang="en-US" altLang="zh-CN">
+              <a:ln>
+                <a:noFill/>
+              </a:ln>
               <a:solidFill>
-                <a:srgbClr val="3E3A3A"/>
+                <a:srgbClr val="000000"/>
               </a:solidFill>
-              <a:latin typeface="微软雅黑" panose="020B0503020204020204" pitchFamily="34" charset="-122"/>
-              <a:ea typeface="微软雅黑" panose="020B0503020204020204" pitchFamily="34" charset="-122"/>
+              <a:effectLst/>
+              <a:uFillTx/>
+              <a:sym typeface="Helvetica Light"/>
             </a:endParaRPr>
           </a:p>
           <a:p>
-            <a:pPr lvl="0">
-              <a:defRPr sz="1800">
-                <a:solidFill>
-                  <a:srgbClr val="000000"/>
-                </a:solidFill>
-              </a:defRPr>
+            <a:pPr marL="0" marR="0" indent="0" algn="l" defTabSz="825500" rtl="0" fontAlgn="auto" latinLnBrk="1" hangingPunct="0">
+              <a:lnSpc>
+                <a:spcPct val="100000"/>
+              </a:lnSpc>
+              <a:spcBef>
+                <a:spcPts val="0"/>
+              </a:spcBef>
+              <a:spcAft>
+                <a:spcPts val="0"/>
+              </a:spcAft>
+              <a:buClrTx/>
+              <a:buSzTx/>
+              <a:buFontTx/>
+              <a:buNone/>
             </a:pPr>
-            <a:r>
-              <a:rPr lang="zh-CN" altLang="en-US" sz="4000" dirty="0" smtClean="0">
-                <a:solidFill>
-                  <a:srgbClr val="3E3A3A"/>
-                </a:solidFill>
-                <a:latin typeface="微软雅黑" panose="020B0503020204020204" pitchFamily="34" charset="-122"/>
-                <a:ea typeface="微软雅黑" panose="020B0503020204020204" pitchFamily="34" charset="-122"/>
-              </a:rPr>
-              <a:t>（微软雅黑、</a:t>
-            </a:r>
-            <a:r>
-              <a:rPr lang="en-US" altLang="zh-CN" sz="4000" dirty="0" smtClean="0">
-                <a:solidFill>
-                  <a:srgbClr val="3E3A3A"/>
-                </a:solidFill>
-                <a:latin typeface="微软雅黑" panose="020B0503020204020204" pitchFamily="34" charset="-122"/>
-                <a:ea typeface="微软雅黑" panose="020B0503020204020204" pitchFamily="34" charset="-122"/>
-              </a:rPr>
-              <a:t>120</a:t>
-            </a:r>
-            <a:r>
-              <a:rPr lang="zh-CN" altLang="en-US" sz="4000" dirty="0" smtClean="0">
-                <a:solidFill>
-                  <a:srgbClr val="3E3A3A"/>
-                </a:solidFill>
-                <a:latin typeface="微软雅黑" panose="020B0503020204020204" pitchFamily="34" charset="-122"/>
-                <a:ea typeface="微软雅黑" panose="020B0503020204020204" pitchFamily="34" charset="-122"/>
-              </a:rPr>
-              <a:t>号）</a:t>
-            </a:r>
-            <a:endParaRPr sz="4000" dirty="0">
+            <a:endParaRPr lang="en-US" altLang="zh-CN">
+              <a:ln>
+                <a:noFill/>
+              </a:ln>
               <a:solidFill>
-                <a:srgbClr val="3E3A3A"/>
+                <a:srgbClr val="000000"/>
               </a:solidFill>
-              <a:latin typeface="微软雅黑" panose="020B0503020204020204" pitchFamily="34" charset="-122"/>
-              <a:ea typeface="微软雅黑" panose="020B0503020204020204" pitchFamily="34" charset="-122"/>
+              <a:effectLst/>
+              <a:uFillTx/>
+              <a:sym typeface="Helvetica Light"/>
             </a:endParaRPr>
           </a:p>
-        </p:txBody>
-      </p:sp>
-      <p:sp>
-        <p:nvSpPr>
-          <p:cNvPr id="28" name="Shape 28"/>
-          <p:cNvSpPr/>
-          <p:nvPr/>
-        </p:nvSpPr>
-        <p:spPr>
-          <a:xfrm>
-            <a:off x="7107705" y="6537416"/>
-            <a:ext cx="4447836" cy="646331"/>
-          </a:xfrm>
-          <a:prstGeom prst="rect">
-            <a:avLst/>
-          </a:prstGeom>
-          <a:solidFill>
-            <a:schemeClr val="bg1"/>
-          </a:solidFill>
-          <a:ln w="12700">
-            <a:miter lim="400000"/>
-          </a:ln>
-        </p:spPr>
-        <p:txBody>
-          <a:bodyPr wrap="square" lIns="0" tIns="0" rIns="0" bIns="0" anchor="ctr">
-            <a:spAutoFit/>
-          </a:bodyPr>
-          <a:lstStyle>
-            <a:lvl1pPr>
-              <a:defRPr sz="4200">
-                <a:solidFill>
-                  <a:srgbClr val="0099CB"/>
-                </a:solidFill>
-                <a:latin typeface="FZLanTingHeiS-DB1-GB"/>
-                <a:ea typeface="FZLanTingHeiS-DB1-GB"/>
-                <a:cs typeface="FZLanTingHeiS-DB1-GB"/>
-                <a:sym typeface="FZLanTingHeiS-DB1-GB"/>
-              </a:defRPr>
-            </a:lvl1pPr>
-          </a:lstStyle>
-          <a:p>
-            <a:pPr lvl="0">
-              <a:defRPr sz="1800">
-                <a:solidFill>
-                  <a:srgbClr val="000000"/>
-                </a:solidFill>
-              </a:defRPr>
+          <a:p>
+            <a:pPr marL="0" marR="0" indent="0" algn="l" defTabSz="825500" rtl="0" fontAlgn="auto" latinLnBrk="1" hangingPunct="0">
+              <a:lnSpc>
+                <a:spcPct val="100000"/>
+              </a:lnSpc>
+              <a:spcBef>
+                <a:spcPts val="0"/>
+              </a:spcBef>
+              <a:spcAft>
+                <a:spcPts val="0"/>
+              </a:spcAft>
+              <a:buClrTx/>
+              <a:buSzTx/>
+              <a:buFontTx/>
+              <a:buNone/>
             </a:pPr>
             <a:r>
-              <a:rPr sz="4200" dirty="0">
-                <a:solidFill>
-                  <a:srgbClr val="0099CB"/>
-                </a:solidFill>
-              </a:rPr>
-              <a:t>章节  </a:t>
-            </a:r>
-            <a:r>
-              <a:rPr sz="4200" dirty="0" smtClean="0">
-                <a:solidFill>
-                  <a:srgbClr val="0099CB"/>
-                </a:solidFill>
-              </a:rPr>
-              <a:t> </a:t>
-            </a:r>
-            <a:r>
-              <a:rPr sz="4200" dirty="0">
-                <a:solidFill>
-                  <a:srgbClr val="0099CB"/>
-                </a:solidFill>
-              </a:rPr>
-              <a:t>PART</a:t>
-            </a:r>
-            <a:endParaRPr sz="4200" dirty="0">
+              <a:rPr lang="en-US" altLang="zh-CN">
+                <a:ln>
+                  <a:noFill/>
+                </a:ln>
+                <a:solidFill>
+                  <a:srgbClr val="000000"/>
+                </a:solidFill>
+                <a:effectLst/>
+                <a:uFillTx/>
+                <a:sym typeface="Helvetica Light"/>
+              </a:rPr>
+              <a:t>2.</a:t>
+            </a:r>
+            <a:r>
+              <a:rPr lang="zh-CN" altLang="en-US">
+                <a:ln>
+                  <a:noFill/>
+                </a:ln>
+                <a:solidFill>
+                  <a:srgbClr val="000000"/>
+                </a:solidFill>
+                <a:effectLst/>
+                <a:uFillTx/>
+                <a:sym typeface="Helvetica Light"/>
+              </a:rPr>
+              <a:t>签名信息</a:t>
+            </a:r>
+            <a:endParaRPr kumimoji="0" lang="zh-CN" altLang="en-US" b="0" i="0" u="none" strike="noStrike" cap="none" spc="0" normalizeH="0" baseline="0">
+              <a:ln>
+                <a:noFill/>
+              </a:ln>
               <a:solidFill>
-                <a:srgbClr val="0099CB"/>
+                <a:srgbClr val="000000"/>
               </a:solidFill>
+              <a:effectLst/>
+              <a:uFillTx/>
+              <a:latin typeface="+mn-lt"/>
+              <a:ea typeface="+mn-ea"/>
+              <a:cs typeface="+mn-cs"/>
+              <a:sym typeface="Helvetica Light"/>
+            </a:endParaRPr>
+          </a:p>
+          <a:p>
+            <a:pPr marL="0" marR="0" indent="0" algn="l" defTabSz="825500" rtl="0" fontAlgn="auto" latinLnBrk="1" hangingPunct="0">
+              <a:lnSpc>
+                <a:spcPct val="100000"/>
+              </a:lnSpc>
+              <a:spcBef>
+                <a:spcPts val="0"/>
+              </a:spcBef>
+              <a:spcAft>
+                <a:spcPts val="0"/>
+              </a:spcAft>
+              <a:buClrTx/>
+              <a:buSzTx/>
+              <a:buFontTx/>
+              <a:buNone/>
+            </a:pPr>
+            <a:r>
+              <a:rPr lang="en-US" altLang="zh-CN">
+                <a:ln>
+                  <a:noFill/>
+                </a:ln>
+                <a:solidFill>
+                  <a:srgbClr val="000000"/>
+                </a:solidFill>
+                <a:effectLst/>
+                <a:uFillTx/>
+                <a:sym typeface="Helvetica Light"/>
+              </a:rPr>
+              <a:t>	_CodeSignature</a:t>
+            </a:r>
+            <a:r>
+              <a:rPr lang="zh-CN" altLang="en-US">
+                <a:ln>
+                  <a:noFill/>
+                </a:ln>
+                <a:solidFill>
+                  <a:srgbClr val="000000"/>
+                </a:solidFill>
+                <a:effectLst/>
+                <a:uFillTx/>
+                <a:sym typeface="Helvetica Light"/>
+              </a:rPr>
+              <a:t>文件夹</a:t>
+            </a:r>
+            <a:endParaRPr lang="zh-CN" altLang="en-US">
+              <a:ln>
+                <a:noFill/>
+              </a:ln>
+              <a:solidFill>
+                <a:srgbClr val="000000"/>
+              </a:solidFill>
+              <a:effectLst/>
+              <a:uFillTx/>
+              <a:sym typeface="Helvetica Light"/>
+            </a:endParaRPr>
+          </a:p>
+          <a:p>
+            <a:pPr marL="0" marR="0" indent="0" algn="l" defTabSz="825500" rtl="0" fontAlgn="auto" latinLnBrk="1" hangingPunct="0">
+              <a:lnSpc>
+                <a:spcPct val="100000"/>
+              </a:lnSpc>
+              <a:spcBef>
+                <a:spcPts val="0"/>
+              </a:spcBef>
+              <a:spcAft>
+                <a:spcPts val="0"/>
+              </a:spcAft>
+              <a:buClrTx/>
+              <a:buSzTx/>
+              <a:buFontTx/>
+              <a:buNone/>
+            </a:pPr>
+            <a:endParaRPr kumimoji="0" lang="zh-CN" altLang="en-US" b="0" i="0" u="none" strike="noStrike" cap="none" spc="0" normalizeH="0" baseline="0">
+              <a:ln>
+                <a:noFill/>
+              </a:ln>
+              <a:solidFill>
+                <a:srgbClr val="000000"/>
+              </a:solidFill>
+              <a:effectLst/>
+              <a:uFillTx/>
+              <a:latin typeface="+mn-lt"/>
+              <a:ea typeface="+mn-ea"/>
+              <a:cs typeface="+mn-cs"/>
+              <a:sym typeface="Helvetica Light"/>
+            </a:endParaRPr>
+          </a:p>
+          <a:p>
+            <a:pPr marL="0" marR="0" indent="0" algn="l" defTabSz="825500" rtl="0" fontAlgn="auto" latinLnBrk="1" hangingPunct="0">
+              <a:lnSpc>
+                <a:spcPct val="100000"/>
+              </a:lnSpc>
+              <a:spcBef>
+                <a:spcPts val="0"/>
+              </a:spcBef>
+              <a:spcAft>
+                <a:spcPts val="0"/>
+              </a:spcAft>
+              <a:buClrTx/>
+              <a:buSzTx/>
+              <a:buFontTx/>
+              <a:buNone/>
+            </a:pPr>
+            <a:r>
+              <a:rPr kumimoji="0" lang="en-US" sz="5000" b="0" i="0" u="none" strike="noStrike" cap="none" spc="0" normalizeH="0" baseline="0">
+                <a:ln>
+                  <a:noFill/>
+                </a:ln>
+                <a:solidFill>
+                  <a:srgbClr val="000000"/>
+                </a:solidFill>
+                <a:effectLst/>
+                <a:uFillTx/>
+                <a:latin typeface="+mn-lt"/>
+                <a:ea typeface="+mn-ea"/>
+                <a:cs typeface="+mn-cs"/>
+                <a:sym typeface="Helvetica Light"/>
+              </a:rPr>
+              <a:t>3.</a:t>
+            </a:r>
+            <a:r>
+              <a:rPr kumimoji="0" lang="zh-CN" altLang="en-US" sz="5000" b="0" i="0" u="none" strike="noStrike" cap="none" spc="0" normalizeH="0" baseline="0">
+                <a:ln>
+                  <a:noFill/>
+                </a:ln>
+                <a:solidFill>
+                  <a:srgbClr val="000000"/>
+                </a:solidFill>
+                <a:effectLst/>
+                <a:uFillTx/>
+                <a:latin typeface="+mn-lt"/>
+                <a:ea typeface="+mn-ea"/>
+                <a:cs typeface="+mn-cs"/>
+                <a:sym typeface="Helvetica Light"/>
+              </a:rPr>
+              <a:t>可执行文件</a:t>
+            </a:r>
+            <a:endParaRPr kumimoji="0" lang="zh-CN" altLang="en-US" sz="5000" b="0" i="0" u="none" strike="noStrike" cap="none" spc="0" normalizeH="0" baseline="0">
+              <a:ln>
+                <a:noFill/>
+              </a:ln>
+              <a:solidFill>
+                <a:srgbClr val="000000"/>
+              </a:solidFill>
+              <a:effectLst/>
+              <a:uFillTx/>
+              <a:latin typeface="+mn-lt"/>
+              <a:ea typeface="+mn-ea"/>
+              <a:cs typeface="+mn-cs"/>
+              <a:sym typeface="Helvetica Light"/>
+            </a:endParaRPr>
+          </a:p>
+          <a:p>
+            <a:pPr marL="0" marR="0" indent="0" algn="l" defTabSz="825500" rtl="0" fontAlgn="auto" latinLnBrk="1" hangingPunct="0">
+              <a:lnSpc>
+                <a:spcPct val="100000"/>
+              </a:lnSpc>
+              <a:spcBef>
+                <a:spcPts val="0"/>
+              </a:spcBef>
+              <a:spcAft>
+                <a:spcPts val="0"/>
+              </a:spcAft>
+              <a:buClrTx/>
+              <a:buSzTx/>
+              <a:buFontTx/>
+              <a:buNone/>
+            </a:pPr>
+            <a:r>
+              <a:rPr kumimoji="0" lang="en-US" altLang="zh-CN" sz="5000" b="0" i="0" u="none" strike="noStrike" cap="none" spc="0" normalizeH="0" baseline="0">
+                <a:ln>
+                  <a:noFill/>
+                </a:ln>
+                <a:solidFill>
+                  <a:srgbClr val="000000"/>
+                </a:solidFill>
+                <a:effectLst/>
+                <a:uFillTx/>
+                <a:latin typeface="+mn-lt"/>
+                <a:ea typeface="+mn-ea"/>
+                <a:cs typeface="+mn-cs"/>
+                <a:sym typeface="Helvetica Light"/>
+              </a:rPr>
+              <a:t>	</a:t>
+            </a:r>
+            <a:r>
+              <a:rPr kumimoji="0" lang="zh-CN" altLang="en-US" sz="5000" b="0" i="0" u="none" strike="noStrike" cap="none" spc="0" normalizeH="0" baseline="0">
+                <a:ln>
+                  <a:noFill/>
+                </a:ln>
+                <a:solidFill>
+                  <a:srgbClr val="000000"/>
+                </a:solidFill>
+                <a:effectLst/>
+                <a:uFillTx/>
+                <a:latin typeface="+mn-lt"/>
+                <a:ea typeface="+mn-ea"/>
+                <a:cs typeface="+mn-cs"/>
+                <a:sym typeface="Helvetica Light"/>
+              </a:rPr>
+              <a:t>同名可执行文件，如SmartCommunityForShushu</a:t>
+            </a:r>
+            <a:endParaRPr kumimoji="0" lang="zh-CN" altLang="en-US" sz="5000" b="0" i="0" u="none" strike="noStrike" cap="none" spc="0" normalizeH="0" baseline="0">
+              <a:ln>
+                <a:noFill/>
+              </a:ln>
+              <a:solidFill>
+                <a:srgbClr val="000000"/>
+              </a:solidFill>
+              <a:effectLst/>
+              <a:uFillTx/>
+              <a:latin typeface="+mn-lt"/>
+              <a:ea typeface="+mn-ea"/>
+              <a:cs typeface="+mn-cs"/>
+              <a:sym typeface="Helvetica Light"/>
+            </a:endParaRPr>
+          </a:p>
+          <a:p>
+            <a:pPr marL="0" marR="0" indent="0" algn="l" defTabSz="825500" rtl="0" fontAlgn="auto" latinLnBrk="1" hangingPunct="0">
+              <a:lnSpc>
+                <a:spcPct val="100000"/>
+              </a:lnSpc>
+              <a:spcBef>
+                <a:spcPts val="0"/>
+              </a:spcBef>
+              <a:spcAft>
+                <a:spcPts val="0"/>
+              </a:spcAft>
+              <a:buClrTx/>
+              <a:buSzTx/>
+              <a:buFontTx/>
+              <a:buNone/>
+            </a:pPr>
+            <a:endParaRPr kumimoji="0" lang="zh-CN" altLang="en-US" sz="5000" b="0" i="0" u="none" strike="noStrike" cap="none" spc="0" normalizeH="0" baseline="0">
+              <a:ln>
+                <a:noFill/>
+              </a:ln>
+              <a:solidFill>
+                <a:srgbClr val="000000"/>
+              </a:solidFill>
+              <a:effectLst/>
+              <a:uFillTx/>
+              <a:latin typeface="+mn-lt"/>
+              <a:ea typeface="+mn-ea"/>
+              <a:cs typeface="+mn-cs"/>
+              <a:sym typeface="Helvetica Light"/>
+            </a:endParaRPr>
+          </a:p>
+          <a:p>
+            <a:pPr marL="0" marR="0" indent="0" algn="l" defTabSz="825500" rtl="0" fontAlgn="auto" latinLnBrk="1" hangingPunct="0">
+              <a:lnSpc>
+                <a:spcPct val="100000"/>
+              </a:lnSpc>
+              <a:spcBef>
+                <a:spcPts val="0"/>
+              </a:spcBef>
+              <a:spcAft>
+                <a:spcPts val="0"/>
+              </a:spcAft>
+              <a:buClrTx/>
+              <a:buSzTx/>
+              <a:buFontTx/>
+              <a:buNone/>
+            </a:pPr>
+            <a:r>
+              <a:rPr kumimoji="0" lang="en-US" altLang="zh-CN" sz="5000" b="0" i="0" u="none" strike="noStrike" cap="none" spc="0" normalizeH="0" baseline="0">
+                <a:ln>
+                  <a:noFill/>
+                </a:ln>
+                <a:solidFill>
+                  <a:srgbClr val="000000"/>
+                </a:solidFill>
+                <a:effectLst/>
+                <a:uFillTx/>
+                <a:latin typeface="+mn-lt"/>
+                <a:ea typeface="+mn-ea"/>
+                <a:cs typeface="+mn-cs"/>
+                <a:sym typeface="Helvetica Light"/>
+              </a:rPr>
+              <a:t>4.swift</a:t>
+            </a:r>
+            <a:r>
+              <a:rPr kumimoji="0" lang="zh-CN" altLang="en-US" sz="5000" b="0" i="0" u="none" strike="noStrike" cap="none" spc="0" normalizeH="0" baseline="0">
+                <a:ln>
+                  <a:noFill/>
+                </a:ln>
+                <a:solidFill>
+                  <a:srgbClr val="000000"/>
+                </a:solidFill>
+                <a:effectLst/>
+                <a:uFillTx/>
+                <a:latin typeface="+mn-lt"/>
+                <a:ea typeface="+mn-ea"/>
+                <a:cs typeface="+mn-cs"/>
+                <a:sym typeface="Helvetica Light"/>
+              </a:rPr>
+              <a:t>相关</a:t>
+            </a:r>
+            <a:r>
+              <a:rPr kumimoji="0" lang="zh-CN" altLang="en-US" sz="5000" b="0" i="0" u="none" strike="noStrike" cap="none" spc="0" normalizeH="0" baseline="0">
+                <a:ln>
+                  <a:noFill/>
+                </a:ln>
+                <a:solidFill>
+                  <a:srgbClr val="000000"/>
+                </a:solidFill>
+                <a:effectLst/>
+                <a:uFillTx/>
+                <a:latin typeface="+mn-lt"/>
+                <a:ea typeface="+mn-ea"/>
+                <a:cs typeface="+mn-cs"/>
+                <a:sym typeface="Helvetica Light"/>
+              </a:rPr>
+              <a:t>库</a:t>
+            </a:r>
+            <a:endParaRPr kumimoji="0" lang="zh-CN" altLang="en-US" sz="5000" b="0" i="0" u="none" strike="noStrike" cap="none" spc="0" normalizeH="0" baseline="0">
+              <a:ln>
+                <a:noFill/>
+              </a:ln>
+              <a:solidFill>
+                <a:srgbClr val="000000"/>
+              </a:solidFill>
+              <a:effectLst/>
+              <a:uFillTx/>
+              <a:latin typeface="+mn-lt"/>
+              <a:ea typeface="+mn-ea"/>
+              <a:cs typeface="+mn-cs"/>
+              <a:sym typeface="Helvetica Light"/>
+            </a:endParaRPr>
+          </a:p>
+          <a:p>
+            <a:pPr marL="0" marR="0" indent="0" algn="l" defTabSz="825500" rtl="0" fontAlgn="auto" latinLnBrk="1" hangingPunct="0">
+              <a:lnSpc>
+                <a:spcPct val="100000"/>
+              </a:lnSpc>
+              <a:spcBef>
+                <a:spcPts val="0"/>
+              </a:spcBef>
+              <a:spcAft>
+                <a:spcPts val="0"/>
+              </a:spcAft>
+              <a:buClrTx/>
+              <a:buSzTx/>
+              <a:buFontTx/>
+              <a:buNone/>
+            </a:pPr>
+            <a:r>
+              <a:rPr kumimoji="0" lang="en-US" altLang="zh-CN" sz="5000" b="0" i="0" u="none" strike="noStrike" cap="none" spc="0" normalizeH="0" baseline="0">
+                <a:ln>
+                  <a:noFill/>
+                </a:ln>
+                <a:solidFill>
+                  <a:srgbClr val="000000"/>
+                </a:solidFill>
+                <a:effectLst/>
+                <a:uFillTx/>
+                <a:latin typeface="+mn-lt"/>
+                <a:ea typeface="+mn-ea"/>
+                <a:cs typeface="+mn-cs"/>
+                <a:sym typeface="Helvetica Light"/>
+              </a:rPr>
+              <a:t>	</a:t>
+            </a:r>
+            <a:r>
+              <a:rPr kumimoji="0" lang="zh-CN" altLang="en-US" sz="5000" b="0" i="0" u="none" strike="noStrike" cap="none" spc="0" normalizeH="0" baseline="0">
+                <a:ln>
+                  <a:noFill/>
+                </a:ln>
+                <a:solidFill>
+                  <a:srgbClr val="000000"/>
+                </a:solidFill>
+                <a:effectLst/>
+                <a:uFillTx/>
+                <a:latin typeface="+mn-lt"/>
+                <a:ea typeface="+mn-ea"/>
+                <a:cs typeface="+mn-cs"/>
+                <a:sym typeface="Helvetica Light"/>
+                <a:hlinkClick r:id="rId1" tooltip="" action="ppaction://hlinkfile"/>
+              </a:rPr>
+              <a:t>工程中有</a:t>
+            </a:r>
+            <a:r>
+              <a:rPr kumimoji="0" lang="en-US" altLang="zh-CN" sz="5000" b="0" i="0" u="none" strike="noStrike" cap="none" spc="0" normalizeH="0" baseline="0">
+                <a:ln>
+                  <a:noFill/>
+                </a:ln>
+                <a:solidFill>
+                  <a:srgbClr val="000000"/>
+                </a:solidFill>
+                <a:effectLst/>
+                <a:uFillTx/>
+                <a:latin typeface="+mn-lt"/>
+                <a:ea typeface="+mn-ea"/>
+                <a:cs typeface="+mn-cs"/>
+                <a:sym typeface="Helvetica Light"/>
+                <a:hlinkClick r:id="rId1" tooltip="" action="ppaction://hlinkfile"/>
+              </a:rPr>
+              <a:t>swift</a:t>
+            </a:r>
+            <a:r>
+              <a:rPr kumimoji="0" lang="zh-CN" altLang="en-US" sz="5000" b="0" i="0" u="none" strike="noStrike" cap="none" spc="0" normalizeH="0" baseline="0">
+                <a:ln>
+                  <a:noFill/>
+                </a:ln>
+                <a:solidFill>
+                  <a:srgbClr val="000000"/>
+                </a:solidFill>
+                <a:effectLst/>
+                <a:uFillTx/>
+                <a:latin typeface="+mn-lt"/>
+                <a:ea typeface="+mn-ea"/>
+                <a:cs typeface="+mn-cs"/>
+                <a:sym typeface="Helvetica Light"/>
+                <a:hlinkClick r:id="rId1" tooltip="" action="ppaction://hlinkfile"/>
+              </a:rPr>
+              <a:t>代码，会打包进去</a:t>
+            </a:r>
+            <a:endParaRPr kumimoji="0" lang="zh-CN" altLang="en-US" sz="5000" b="0" i="0" u="none" strike="noStrike" cap="none" spc="0" normalizeH="0" baseline="0">
+              <a:ln>
+                <a:noFill/>
+              </a:ln>
+              <a:solidFill>
+                <a:srgbClr val="000000"/>
+              </a:solidFill>
+              <a:effectLst/>
+              <a:uFillTx/>
+              <a:latin typeface="+mn-lt"/>
+              <a:ea typeface="+mn-ea"/>
+              <a:cs typeface="+mn-cs"/>
+              <a:sym typeface="Helvetica Light"/>
             </a:endParaRPr>
           </a:p>
         </p:txBody>
@@ -2010,219 +2493,838 @@
       </p:grpSpPr>
       <p:sp>
         <p:nvSpPr>
-          <p:cNvPr id="30" name="Shape 30"/>
-          <p:cNvSpPr/>
+          <p:cNvPr id="2" name="标题 1"/>
+          <p:cNvSpPr>
+            <a:spLocks noGrp="1"/>
+          </p:cNvSpPr>
+          <p:nvPr>
+            <p:ph type="title"/>
+          </p:nvPr>
+        </p:nvSpPr>
+        <p:spPr/>
+        <p:txBody>
+          <a:bodyPr/>
+          <a:lstStyle/>
+          <a:p>
+            <a:r>
+              <a:rPr kumimoji="1" dirty="0" smtClean="0"/>
+              <a:t>资源文件</a:t>
+            </a:r>
+            <a:endParaRPr kumimoji="1" dirty="0" smtClean="0"/>
+          </a:p>
+        </p:txBody>
+      </p:sp>
+      <p:sp>
+        <p:nvSpPr>
+          <p:cNvPr id="3" name="文本占位符 2"/>
+          <p:cNvSpPr>
+            <a:spLocks noGrp="1"/>
+          </p:cNvSpPr>
+          <p:nvPr>
+            <p:ph type="body" sz="quarter" idx="10"/>
+          </p:nvPr>
+        </p:nvSpPr>
+        <p:spPr/>
+        <p:txBody>
+          <a:bodyPr/>
+          <a:lstStyle/>
+          <a:p>
+            <a:r>
+              <a:rPr kumimoji="1" lang="en-US" altLang="zh-CN" dirty="0"/>
+              <a:t> </a:t>
+            </a:r>
+            <a:endParaRPr kumimoji="1" lang="en-US" altLang="zh-CN" dirty="0"/>
+          </a:p>
+        </p:txBody>
+      </p:sp>
+      <p:sp>
+        <p:nvSpPr>
+          <p:cNvPr id="4" name="文本占位符 3"/>
+          <p:cNvSpPr>
+            <a:spLocks noGrp="1"/>
+          </p:cNvSpPr>
+          <p:nvPr>
+            <p:ph type="body" sz="quarter" idx="11"/>
+          </p:nvPr>
+        </p:nvSpPr>
+        <p:spPr/>
+        <p:txBody>
+          <a:bodyPr/>
+          <a:lstStyle/>
+          <a:p>
+            <a:endParaRPr kumimoji="1" lang="zh-CN" altLang="en-US"/>
+          </a:p>
+        </p:txBody>
+      </p:sp>
+      <p:sp>
+        <p:nvSpPr>
+          <p:cNvPr id="9" name="Text Box 8"/>
+          <p:cNvSpPr txBox="1"/>
           <p:nvPr/>
         </p:nvSpPr>
         <p:spPr>
           <a:xfrm>
-            <a:off x="7009424" y="2651722"/>
-            <a:ext cx="6876883" cy="8412559"/>
+            <a:off x="1277620" y="2959735"/>
+            <a:ext cx="21977350" cy="7795895"/>
           </a:xfrm>
           <a:prstGeom prst="rect">
             <a:avLst/>
           </a:prstGeom>
-          <a:ln w="12700">
+          <a:noFill/>
+          <a:ln w="12700" cap="flat">
+            <a:noFill/>
             <a:miter lim="400000"/>
           </a:ln>
         </p:spPr>
+        <p:style>
+          <a:lnRef idx="0">
+            <a:scrgbClr r="0" g="0" b="0"/>
+          </a:lnRef>
+          <a:fillRef idx="0">
+            <a:scrgbClr r="0" g="0" b="0"/>
+          </a:fillRef>
+          <a:effectRef idx="0">
+            <a:scrgbClr r="0" g="0" b="0"/>
+          </a:effectRef>
+          <a:fontRef idx="none"/>
+        </p:style>
         <p:txBody>
-          <a:bodyPr wrap="none" lIns="50800" tIns="50800" rIns="50800" bIns="50800" anchor="ctr">
+          <a:bodyPr rot="0" vertOverflow="overflow" horzOverflow="overflow" vert="horz" wrap="square" lIns="50800" tIns="50800" rIns="50800" bIns="50800" numCol="1" spcCol="38100" rtlCol="0" anchor="t" anchorCtr="0" forceAA="0">
             <a:spAutoFit/>
           </a:bodyPr>
-          <a:lstStyle/>
-          <a:p>
-            <a:pPr marL="1790700" lvl="0" indent="-1790700">
+          <a:p>
+            <a:pPr marL="0" marR="0" indent="0" algn="l" defTabSz="825500" rtl="0" fontAlgn="auto" latinLnBrk="1" hangingPunct="0">
               <a:lnSpc>
-                <a:spcPct val="200000"/>
+                <a:spcPct val="100000"/>
               </a:lnSpc>
-              <a:buClr>
-                <a:srgbClr val="0099CB"/>
-              </a:buClr>
-              <a:buSzPct val="130000"/>
-              <a:buAutoNum type="arabicPeriod"/>
-              <a:defRPr sz="1800"/>
+              <a:spcBef>
+                <a:spcPts val="0"/>
+              </a:spcBef>
+              <a:spcAft>
+                <a:spcPts val="0"/>
+              </a:spcAft>
+              <a:buClrTx/>
+              <a:buSzTx/>
+              <a:buFontTx/>
+              <a:buNone/>
             </a:pPr>
             <a:r>
-              <a:rPr sz="5400" dirty="0" err="1" smtClean="0">
-                <a:solidFill>
-                  <a:srgbClr val="3F3A3A"/>
-                </a:solidFill>
-                <a:latin typeface="微软雅黑" panose="020B0503020204020204" pitchFamily="34" charset="-122"/>
-                <a:ea typeface="微软雅黑" panose="020B0503020204020204" pitchFamily="34" charset="-122"/>
-                <a:cs typeface="FZLanTingHeiS-DB1-GB"/>
-                <a:sym typeface="FZLanTingHeiS-DB1-GB"/>
-              </a:rPr>
-              <a:t>绿漫现状</a:t>
-            </a:r>
-            <a:endParaRPr sz="5400" dirty="0">
+              <a:rPr lang="en-US">
+                <a:ln>
+                  <a:noFill/>
+                </a:ln>
+                <a:solidFill>
+                  <a:srgbClr val="000000"/>
+                </a:solidFill>
+                <a:effectLst/>
+                <a:uFillTx/>
+                <a:sym typeface="Helvetica Light"/>
+              </a:rPr>
+              <a:t>1.</a:t>
+            </a:r>
+            <a:r>
+              <a:rPr>
+                <a:ln>
+                  <a:noFill/>
+                </a:ln>
+                <a:solidFill>
+                  <a:srgbClr val="000000"/>
+                </a:solidFill>
+                <a:effectLst/>
+                <a:uFillTx/>
+                <a:sym typeface="Helvetica Light"/>
+              </a:rPr>
+              <a:t>Assets.car</a:t>
+            </a:r>
+            <a:r>
+              <a:rPr lang="zh-CN">
+                <a:ln>
+                  <a:noFill/>
+                </a:ln>
+                <a:solidFill>
+                  <a:srgbClr val="000000"/>
+                </a:solidFill>
+                <a:effectLst/>
+                <a:uFillTx/>
+                <a:ea typeface="SimSun" charset="0"/>
+                <a:sym typeface="Helvetica Light"/>
+              </a:rPr>
+              <a:t>（图片、颜色、数据、纹理、</a:t>
+            </a:r>
+            <a:r>
+              <a:rPr lang="en-US" altLang="zh-CN">
+                <a:ln>
+                  <a:noFill/>
+                </a:ln>
+                <a:solidFill>
+                  <a:srgbClr val="000000"/>
+                </a:solidFill>
+                <a:effectLst/>
+                <a:uFillTx/>
+                <a:ea typeface="SimSun" charset="0"/>
+                <a:sym typeface="Helvetica Light"/>
+              </a:rPr>
+              <a:t>AR</a:t>
+            </a:r>
+            <a:r>
+              <a:rPr lang="zh-CN" altLang="en-US">
+                <a:ln>
+                  <a:noFill/>
+                </a:ln>
+                <a:solidFill>
+                  <a:srgbClr val="000000"/>
+                </a:solidFill>
+                <a:effectLst/>
+                <a:uFillTx/>
+                <a:ea typeface="SimSun" charset="0"/>
+                <a:sym typeface="Helvetica Light"/>
+              </a:rPr>
+              <a:t>资源等等</a:t>
+            </a:r>
+            <a:r>
+              <a:rPr lang="zh-CN">
+                <a:ln>
+                  <a:noFill/>
+                </a:ln>
+                <a:solidFill>
+                  <a:srgbClr val="000000"/>
+                </a:solidFill>
+                <a:effectLst/>
+                <a:uFillTx/>
+                <a:ea typeface="SimSun" charset="0"/>
+                <a:sym typeface="Helvetica Light"/>
+              </a:rPr>
+              <a:t>）</a:t>
+            </a:r>
+            <a:endParaRPr>
+              <a:ln>
+                <a:noFill/>
+              </a:ln>
               <a:solidFill>
-                <a:srgbClr val="3F3A3A"/>
+                <a:srgbClr val="000000"/>
               </a:solidFill>
-              <a:latin typeface="微软雅黑" panose="020B0503020204020204" pitchFamily="34" charset="-122"/>
-              <a:ea typeface="微软雅黑" panose="020B0503020204020204" pitchFamily="34" charset="-122"/>
-              <a:cs typeface="FZLanTingHeiS-DB1-GB"/>
-              <a:sym typeface="FZLanTingHeiS-DB1-GB"/>
+              <a:effectLst/>
+              <a:uFillTx/>
+              <a:sym typeface="Helvetica Light"/>
             </a:endParaRPr>
           </a:p>
           <a:p>
-            <a:pPr marL="1790700" lvl="0" indent="-1790700">
+            <a:pPr marL="0" marR="0" indent="0" algn="l" defTabSz="825500" rtl="0" fontAlgn="auto" latinLnBrk="1" hangingPunct="0">
               <a:lnSpc>
-                <a:spcPct val="200000"/>
+                <a:spcPct val="100000"/>
               </a:lnSpc>
-              <a:buClr>
-                <a:srgbClr val="0099CB"/>
-              </a:buClr>
-              <a:buSzPct val="130000"/>
-              <a:buAutoNum type="arabicPeriod"/>
-              <a:defRPr sz="1800"/>
+              <a:spcBef>
+                <a:spcPts val="0"/>
+              </a:spcBef>
+              <a:spcAft>
+                <a:spcPts val="0"/>
+              </a:spcAft>
+              <a:buClrTx/>
+              <a:buSzTx/>
+              <a:buFontTx/>
+              <a:buNone/>
             </a:pPr>
             <a:r>
-              <a:rPr sz="5400" dirty="0">
-                <a:solidFill>
-                  <a:srgbClr val="3F3A3A"/>
-                </a:solidFill>
-                <a:latin typeface="微软雅黑" panose="020B0503020204020204" pitchFamily="34" charset="-122"/>
-                <a:ea typeface="微软雅黑" panose="020B0503020204020204" pitchFamily="34" charset="-122"/>
-                <a:cs typeface="FZLanTingHeiS-DB1-GB"/>
-                <a:sym typeface="FZLanTingHeiS-DB1-GB"/>
-              </a:rPr>
-              <a:t>发展战略</a:t>
-            </a:r>
-            <a:endParaRPr sz="5400" dirty="0">
+              <a:rPr lang="en-US">
+                <a:ln>
+                  <a:noFill/>
+                </a:ln>
+                <a:solidFill>
+                  <a:srgbClr val="000000"/>
+                </a:solidFill>
+                <a:effectLst/>
+                <a:uFillTx/>
+                <a:sym typeface="Helvetica Light"/>
+              </a:rPr>
+              <a:t>	</a:t>
+            </a:r>
+            <a:r>
+              <a:rPr lang="zh-CN" altLang="en-US">
+                <a:ln>
+                  <a:noFill/>
+                </a:ln>
+                <a:solidFill>
+                  <a:srgbClr val="000000"/>
+                </a:solidFill>
+                <a:effectLst/>
+                <a:uFillTx/>
+                <a:sym typeface="Helvetica Light"/>
+              </a:rPr>
+              <a:t>查看描述信息</a:t>
+            </a:r>
+            <a:r>
+              <a:rPr lang="en-US" altLang="zh-CN">
+                <a:ln>
+                  <a:noFill/>
+                </a:ln>
+                <a:solidFill>
+                  <a:srgbClr val="000000"/>
+                </a:solidFill>
+                <a:effectLst/>
+                <a:uFillTx/>
+                <a:sym typeface="Helvetica Light"/>
+              </a:rPr>
+              <a:t>: </a:t>
+            </a:r>
+            <a:r>
+              <a:rPr lang="en-US">
+                <a:ln>
+                  <a:noFill/>
+                </a:ln>
+                <a:solidFill>
+                  <a:srgbClr val="000000"/>
+                </a:solidFill>
+                <a:effectLst/>
+                <a:uFillTx/>
+                <a:sym typeface="Helvetica Light"/>
+              </a:rPr>
+              <a:t>assetutil -I Assets.car</a:t>
+            </a:r>
+            <a:endParaRPr lang="en-US">
+              <a:ln>
+                <a:noFill/>
+              </a:ln>
               <a:solidFill>
-                <a:srgbClr val="3F3A3A"/>
+                <a:srgbClr val="000000"/>
               </a:solidFill>
-              <a:latin typeface="微软雅黑" panose="020B0503020204020204" pitchFamily="34" charset="-122"/>
-              <a:ea typeface="微软雅黑" panose="020B0503020204020204" pitchFamily="34" charset="-122"/>
-              <a:cs typeface="FZLanTingHeiS-DB1-GB"/>
-              <a:sym typeface="FZLanTingHeiS-DB1-GB"/>
+              <a:effectLst/>
+              <a:uFillTx/>
+              <a:sym typeface="Helvetica Light"/>
             </a:endParaRPr>
           </a:p>
           <a:p>
-            <a:pPr marL="1790700" lvl="0" indent="-1790700">
+            <a:pPr marL="0" marR="0" indent="0" algn="l" defTabSz="825500" rtl="0" fontAlgn="auto" latinLnBrk="1" hangingPunct="0">
               <a:lnSpc>
-                <a:spcPct val="200000"/>
+                <a:spcPct val="100000"/>
               </a:lnSpc>
-              <a:buClr>
-                <a:srgbClr val="0099CB"/>
-              </a:buClr>
-              <a:buSzPct val="130000"/>
-              <a:buAutoNum type="arabicPeriod"/>
-              <a:defRPr sz="1800"/>
+              <a:spcBef>
+                <a:spcPts val="0"/>
+              </a:spcBef>
+              <a:spcAft>
+                <a:spcPts val="0"/>
+              </a:spcAft>
+              <a:buClrTx/>
+              <a:buSzTx/>
+              <a:buFontTx/>
+              <a:buNone/>
             </a:pPr>
             <a:r>
-              <a:rPr sz="5400" dirty="0">
-                <a:solidFill>
-                  <a:srgbClr val="3F3A3A"/>
-                </a:solidFill>
-                <a:latin typeface="微软雅黑" panose="020B0503020204020204" pitchFamily="34" charset="-122"/>
-                <a:ea typeface="微软雅黑" panose="020B0503020204020204" pitchFamily="34" charset="-122"/>
-                <a:cs typeface="FZLanTingHeiS-DB1-GB"/>
-                <a:sym typeface="FZLanTingHeiS-DB1-GB"/>
-              </a:rPr>
-              <a:t>发展路径</a:t>
-            </a:r>
-            <a:endParaRPr sz="5400" dirty="0">
+              <a:rPr lang="en-US">
+                <a:ln>
+                  <a:noFill/>
+                </a:ln>
+                <a:solidFill>
+                  <a:srgbClr val="000000"/>
+                </a:solidFill>
+                <a:effectLst/>
+                <a:uFillTx/>
+                <a:sym typeface="Helvetica Light"/>
+              </a:rPr>
+              <a:t>	</a:t>
+            </a:r>
+            <a:r>
+              <a:rPr lang="zh-CN" altLang="en-US">
+                <a:ln>
+                  <a:noFill/>
+                </a:ln>
+                <a:solidFill>
+                  <a:srgbClr val="000000"/>
+                </a:solidFill>
+                <a:effectLst/>
+                <a:uFillTx/>
+                <a:sym typeface="Helvetica Light"/>
+              </a:rPr>
+              <a:t>提取资源</a:t>
+            </a:r>
+            <a:r>
+              <a:rPr lang="en-US" altLang="zh-CN">
+                <a:ln>
+                  <a:noFill/>
+                </a:ln>
+                <a:solidFill>
+                  <a:srgbClr val="000000"/>
+                </a:solidFill>
+                <a:effectLst/>
+                <a:uFillTx/>
+                <a:sym typeface="Helvetica Light"/>
+              </a:rPr>
+              <a:t>: cartool &lt;path to Assets.car&gt; [outputDirectory]</a:t>
+            </a:r>
+            <a:endParaRPr lang="en-US" altLang="zh-CN">
+              <a:ln>
+                <a:noFill/>
+              </a:ln>
               <a:solidFill>
-                <a:srgbClr val="3F3A3A"/>
+                <a:srgbClr val="000000"/>
               </a:solidFill>
-              <a:latin typeface="微软雅黑" panose="020B0503020204020204" pitchFamily="34" charset="-122"/>
-              <a:ea typeface="微软雅黑" panose="020B0503020204020204" pitchFamily="34" charset="-122"/>
-              <a:cs typeface="FZLanTingHeiS-DB1-GB"/>
-              <a:sym typeface="FZLanTingHeiS-DB1-GB"/>
+              <a:effectLst/>
+              <a:uFillTx/>
+              <a:sym typeface="Helvetica Light"/>
             </a:endParaRPr>
           </a:p>
           <a:p>
-            <a:pPr marL="1790700" lvl="0" indent="-1790700">
+            <a:pPr marL="0" marR="0" indent="0" algn="l" defTabSz="825500" rtl="0" fontAlgn="auto" latinLnBrk="1" hangingPunct="0">
               <a:lnSpc>
-                <a:spcPct val="200000"/>
+                <a:spcPct val="100000"/>
               </a:lnSpc>
-              <a:buClr>
-                <a:srgbClr val="0099CB"/>
-              </a:buClr>
-              <a:buSzPct val="130000"/>
-              <a:buAutoNum type="arabicPeriod"/>
-              <a:defRPr sz="1800"/>
+              <a:spcBef>
+                <a:spcPts val="0"/>
+              </a:spcBef>
+              <a:spcAft>
+                <a:spcPts val="0"/>
+              </a:spcAft>
+              <a:buClrTx/>
+              <a:buSzTx/>
+              <a:buFontTx/>
+              <a:buNone/>
             </a:pPr>
             <a:r>
-              <a:rPr sz="5400" dirty="0" err="1" smtClean="0">
-                <a:solidFill>
-                  <a:srgbClr val="3F3A3A"/>
-                </a:solidFill>
-                <a:latin typeface="微软雅黑" panose="020B0503020204020204" pitchFamily="34" charset="-122"/>
-                <a:ea typeface="微软雅黑" panose="020B0503020204020204" pitchFamily="34" charset="-122"/>
-                <a:cs typeface="FZLanTingHeiS-DB1-GB"/>
-                <a:sym typeface="FZLanTingHeiS-DB1-GB"/>
-              </a:rPr>
-              <a:t>分工协作</a:t>
-            </a:r>
-            <a:endParaRPr lang="en-US" sz="5400" dirty="0" smtClean="0">
+              <a:rPr lang="en-US">
+                <a:ln>
+                  <a:noFill/>
+                </a:ln>
+                <a:solidFill>
+                  <a:srgbClr val="000000"/>
+                </a:solidFill>
+                <a:effectLst/>
+                <a:uFillTx/>
+                <a:sym typeface="Helvetica Light"/>
+              </a:rPr>
+              <a:t>2.</a:t>
+            </a:r>
+            <a:r>
+              <a:rPr>
+                <a:ln>
+                  <a:noFill/>
+                </a:ln>
+                <a:solidFill>
+                  <a:srgbClr val="000000"/>
+                </a:solidFill>
+                <a:effectLst/>
+                <a:uFillTx/>
+                <a:sym typeface="Helvetica Light"/>
+              </a:rPr>
+              <a:t>embeded.mobileprovision</a:t>
+            </a:r>
+            <a:endParaRPr>
+              <a:ln>
+                <a:noFill/>
+              </a:ln>
               <a:solidFill>
-                <a:srgbClr val="3F3A3A"/>
+                <a:srgbClr val="000000"/>
               </a:solidFill>
-              <a:latin typeface="微软雅黑" panose="020B0503020204020204" pitchFamily="34" charset="-122"/>
-              <a:ea typeface="微软雅黑" panose="020B0503020204020204" pitchFamily="34" charset="-122"/>
-              <a:cs typeface="FZLanTingHeiS-DB1-GB"/>
-              <a:sym typeface="FZLanTingHeiS-DB1-GB"/>
+              <a:effectLst/>
+              <a:uFillTx/>
+              <a:sym typeface="Helvetica Light"/>
             </a:endParaRPr>
           </a:p>
           <a:p>
-            <a:pPr marL="1790700" lvl="0" indent="-1790700">
+            <a:pPr marL="0" marR="0" indent="0" algn="l" defTabSz="825500" rtl="0" fontAlgn="auto" latinLnBrk="1" hangingPunct="0">
               <a:lnSpc>
-                <a:spcPct val="200000"/>
+                <a:spcPct val="100000"/>
               </a:lnSpc>
-              <a:buClr>
-                <a:srgbClr val="0099CB"/>
-              </a:buClr>
-              <a:buSzPct val="130000"/>
-              <a:buAutoNum type="arabicPeriod"/>
-              <a:defRPr sz="1800"/>
+              <a:spcBef>
+                <a:spcPts val="0"/>
+              </a:spcBef>
+              <a:spcAft>
+                <a:spcPts val="0"/>
+              </a:spcAft>
+              <a:buClrTx/>
+              <a:buSzTx/>
+              <a:buFontTx/>
+              <a:buNone/>
             </a:pPr>
             <a:r>
-              <a:rPr lang="zh-CN" altLang="en-US" sz="5400" dirty="0" smtClean="0">
-                <a:solidFill>
-                  <a:srgbClr val="3F3A3A"/>
-                </a:solidFill>
-                <a:latin typeface="微软雅黑" panose="020B0503020204020204" pitchFamily="34" charset="-122"/>
-                <a:ea typeface="微软雅黑" panose="020B0503020204020204" pitchFamily="34" charset="-122"/>
-                <a:cs typeface="FZLanTingHeiS-DB1-GB"/>
-                <a:sym typeface="FZLanTingHeiS-DB1-GB"/>
-              </a:rPr>
-              <a:t>微软雅黑，</a:t>
-            </a:r>
-            <a:r>
-              <a:rPr lang="en-US" altLang="zh-CN" sz="5400" dirty="0" smtClean="0">
-                <a:solidFill>
-                  <a:srgbClr val="3F3A3A"/>
-                </a:solidFill>
-                <a:latin typeface="微软雅黑" panose="020B0503020204020204" pitchFamily="34" charset="-122"/>
-                <a:ea typeface="微软雅黑" panose="020B0503020204020204" pitchFamily="34" charset="-122"/>
-                <a:cs typeface="FZLanTingHeiS-DB1-GB"/>
-                <a:sym typeface="FZLanTingHeiS-DB1-GB"/>
-              </a:rPr>
-              <a:t>54</a:t>
-            </a:r>
-            <a:r>
-              <a:rPr lang="zh-CN" altLang="en-US" sz="5400" dirty="0" smtClean="0">
-                <a:solidFill>
-                  <a:srgbClr val="3F3A3A"/>
-                </a:solidFill>
-                <a:latin typeface="微软雅黑" panose="020B0503020204020204" pitchFamily="34" charset="-122"/>
-                <a:ea typeface="微软雅黑" panose="020B0503020204020204" pitchFamily="34" charset="-122"/>
-                <a:cs typeface="FZLanTingHeiS-DB1-GB"/>
-                <a:sym typeface="FZLanTingHeiS-DB1-GB"/>
-              </a:rPr>
-              <a:t>号</a:t>
-            </a:r>
-            <a:endParaRPr lang="en-US" sz="5400" dirty="0" smtClean="0">
+              <a:rPr lang="en-US">
+                <a:ln>
+                  <a:noFill/>
+                </a:ln>
+                <a:solidFill>
+                  <a:srgbClr val="000000"/>
+                </a:solidFill>
+                <a:effectLst/>
+                <a:uFillTx/>
+                <a:sym typeface="Helvetica Light"/>
+              </a:rPr>
+              <a:t>	</a:t>
+            </a:r>
+            <a:r>
+              <a:rPr lang="zh-CN" altLang="en-US">
+                <a:ln>
+                  <a:noFill/>
+                </a:ln>
+                <a:solidFill>
+                  <a:srgbClr val="000000"/>
+                </a:solidFill>
+                <a:effectLst/>
+                <a:uFillTx/>
+                <a:sym typeface="Helvetica Light"/>
+              </a:rPr>
+              <a:t>读取工具</a:t>
+            </a:r>
+            <a:r>
+              <a:rPr lang="en-US" altLang="zh-CN">
+                <a:ln>
+                  <a:noFill/>
+                </a:ln>
+                <a:solidFill>
+                  <a:srgbClr val="000000"/>
+                </a:solidFill>
+                <a:effectLst/>
+                <a:uFillTx/>
+                <a:sym typeface="Helvetica Light"/>
+              </a:rPr>
+              <a:t>: </a:t>
+            </a:r>
+            <a:r>
+              <a:rPr lang="en-US">
+                <a:ln>
+                  <a:noFill/>
+                </a:ln>
+                <a:solidFill>
+                  <a:srgbClr val="000000"/>
+                </a:solidFill>
+                <a:effectLst/>
+                <a:uFillTx/>
+                <a:sym typeface="Helvetica Light"/>
+              </a:rPr>
+              <a:t>mobileprovision-read -f embedded.mobileprovision</a:t>
+            </a:r>
+            <a:endParaRPr lang="en-US">
+              <a:ln>
+                <a:noFill/>
+              </a:ln>
               <a:solidFill>
-                <a:srgbClr val="3F3A3A"/>
+                <a:srgbClr val="000000"/>
               </a:solidFill>
-              <a:latin typeface="微软雅黑" panose="020B0503020204020204" pitchFamily="34" charset="-122"/>
-              <a:ea typeface="微软雅黑" panose="020B0503020204020204" pitchFamily="34" charset="-122"/>
-              <a:cs typeface="FZLanTingHeiS-DB1-GB"/>
-              <a:sym typeface="FZLanTingHeiS-DB1-GB"/>
+              <a:effectLst/>
+              <a:uFillTx/>
+              <a:sym typeface="Helvetica Light"/>
+            </a:endParaRPr>
+          </a:p>
+          <a:p>
+            <a:pPr marL="0" marR="0" indent="0" algn="l" defTabSz="825500" rtl="0" fontAlgn="auto" latinLnBrk="1" hangingPunct="0">
+              <a:lnSpc>
+                <a:spcPct val="100000"/>
+              </a:lnSpc>
+              <a:spcBef>
+                <a:spcPts val="0"/>
+              </a:spcBef>
+              <a:spcAft>
+                <a:spcPts val="0"/>
+              </a:spcAft>
+              <a:buClrTx/>
+              <a:buSzTx/>
+              <a:buFontTx/>
+              <a:buNone/>
+            </a:pPr>
+            <a:r>
+              <a:rPr lang="en-US">
+                <a:ln>
+                  <a:noFill/>
+                </a:ln>
+                <a:solidFill>
+                  <a:srgbClr val="000000"/>
+                </a:solidFill>
+                <a:effectLst/>
+                <a:uFillTx/>
+                <a:sym typeface="Helvetica Light"/>
+              </a:rPr>
+              <a:t>3.</a:t>
+            </a:r>
+            <a:r>
+              <a:rPr>
+                <a:ln>
+                  <a:noFill/>
+                </a:ln>
+                <a:solidFill>
+                  <a:srgbClr val="000000"/>
+                </a:solidFill>
+                <a:effectLst/>
+                <a:uFillTx/>
+                <a:sym typeface="Helvetica Light"/>
+              </a:rPr>
+              <a:t>Info.plist</a:t>
+            </a:r>
+            <a:endParaRPr>
+              <a:ln>
+                <a:noFill/>
+              </a:ln>
+              <a:solidFill>
+                <a:srgbClr val="000000"/>
+              </a:solidFill>
+              <a:effectLst/>
+              <a:uFillTx/>
+              <a:sym typeface="Helvetica Light"/>
+            </a:endParaRPr>
+          </a:p>
+          <a:p>
+            <a:pPr marL="0" marR="0" indent="0" algn="l" defTabSz="825500" rtl="0" fontAlgn="auto" latinLnBrk="1" hangingPunct="0">
+              <a:lnSpc>
+                <a:spcPct val="100000"/>
+              </a:lnSpc>
+              <a:spcBef>
+                <a:spcPts val="0"/>
+              </a:spcBef>
+              <a:spcAft>
+                <a:spcPts val="0"/>
+              </a:spcAft>
+              <a:buClrTx/>
+              <a:buSzTx/>
+              <a:buFontTx/>
+              <a:buNone/>
+            </a:pPr>
+            <a:r>
+              <a:rPr lang="en-US">
+                <a:ln>
+                  <a:noFill/>
+                </a:ln>
+                <a:solidFill>
+                  <a:srgbClr val="000000"/>
+                </a:solidFill>
+                <a:effectLst/>
+                <a:uFillTx/>
+                <a:sym typeface="Helvetica Light"/>
+              </a:rPr>
+              <a:t>	app</a:t>
+            </a:r>
+            <a:r>
+              <a:rPr lang="zh-CN" altLang="en-US">
+                <a:ln>
+                  <a:noFill/>
+                </a:ln>
+                <a:solidFill>
+                  <a:srgbClr val="000000"/>
+                </a:solidFill>
+                <a:effectLst/>
+                <a:uFillTx/>
+                <a:sym typeface="Helvetica Light"/>
+              </a:rPr>
+              <a:t>名称、版本号、编译号等</a:t>
+            </a:r>
+            <a:endParaRPr lang="zh-CN" altLang="en-US">
+              <a:ln>
+                <a:noFill/>
+              </a:ln>
+              <a:solidFill>
+                <a:srgbClr val="000000"/>
+              </a:solidFill>
+              <a:effectLst/>
+              <a:uFillTx/>
+              <a:sym typeface="Helvetica Light"/>
+            </a:endParaRPr>
+          </a:p>
+          <a:p>
+            <a:pPr marL="0" marR="0" indent="0" algn="l" defTabSz="825500" rtl="0" fontAlgn="auto" latinLnBrk="1" hangingPunct="0">
+              <a:lnSpc>
+                <a:spcPct val="100000"/>
+              </a:lnSpc>
+              <a:spcBef>
+                <a:spcPts val="0"/>
+              </a:spcBef>
+              <a:spcAft>
+                <a:spcPts val="0"/>
+              </a:spcAft>
+              <a:buClrTx/>
+              <a:buSzTx/>
+              <a:buFontTx/>
+              <a:buNone/>
+            </a:pPr>
+            <a:r>
+              <a:rPr lang="en-US" altLang="zh-CN">
+                <a:ln>
+                  <a:noFill/>
+                </a:ln>
+                <a:solidFill>
+                  <a:srgbClr val="000000"/>
+                </a:solidFill>
+                <a:effectLst/>
+                <a:uFillTx/>
+                <a:sym typeface="Helvetica Light"/>
+              </a:rPr>
+              <a:t>	</a:t>
+            </a:r>
+            <a:r>
+              <a:rPr lang="zh-CN" altLang="en-US">
+                <a:ln>
+                  <a:noFill/>
+                </a:ln>
+                <a:solidFill>
+                  <a:srgbClr val="000000"/>
+                </a:solidFill>
+                <a:effectLst/>
+                <a:uFillTx/>
+                <a:sym typeface="Helvetica Light"/>
+              </a:rPr>
+              <a:t>读取工具</a:t>
+            </a:r>
+            <a:r>
+              <a:rPr lang="en-US" altLang="zh-CN">
+                <a:ln>
+                  <a:noFill/>
+                </a:ln>
+                <a:solidFill>
+                  <a:srgbClr val="000000"/>
+                </a:solidFill>
+                <a:effectLst/>
+                <a:uFillTx/>
+                <a:sym typeface="Helvetica Light"/>
+              </a:rPr>
+              <a:t>: </a:t>
+            </a:r>
+            <a:r>
+              <a:rPr lang="en-US">
+                <a:ln>
+                  <a:noFill/>
+                </a:ln>
+                <a:solidFill>
+                  <a:srgbClr val="000000"/>
+                </a:solidFill>
+                <a:effectLst/>
+                <a:uFillTx/>
+                <a:sym typeface="Helvetica Light"/>
+              </a:rPr>
+              <a:t>fir info SmartCommunityForShushu.ipa</a:t>
+            </a:r>
+            <a:endParaRPr>
+              <a:ln>
+                <a:noFill/>
+              </a:ln>
+              <a:solidFill>
+                <a:srgbClr val="000000"/>
+              </a:solidFill>
+              <a:effectLst/>
+              <a:uFillTx/>
+              <a:sym typeface="Helvetica Light"/>
+            </a:endParaRPr>
+          </a:p>
+          <a:p>
+            <a:pPr marL="0" marR="0" indent="0" algn="l" defTabSz="825500" rtl="0" fontAlgn="auto" latinLnBrk="1" hangingPunct="0">
+              <a:lnSpc>
+                <a:spcPct val="100000"/>
+              </a:lnSpc>
+              <a:spcBef>
+                <a:spcPts val="0"/>
+              </a:spcBef>
+              <a:spcAft>
+                <a:spcPts val="0"/>
+              </a:spcAft>
+              <a:buClrTx/>
+              <a:buSzTx/>
+              <a:buFontTx/>
+              <a:buNone/>
+            </a:pPr>
+            <a:r>
+              <a:rPr lang="en-US">
+                <a:ln>
+                  <a:noFill/>
+                </a:ln>
+                <a:solidFill>
+                  <a:srgbClr val="000000"/>
+                </a:solidFill>
+                <a:effectLst/>
+                <a:uFillTx/>
+                <a:sym typeface="Helvetica Light"/>
+              </a:rPr>
+              <a:t>4.</a:t>
+            </a:r>
+            <a:r>
+              <a:rPr>
+                <a:ln>
+                  <a:noFill/>
+                </a:ln>
+                <a:solidFill>
+                  <a:srgbClr val="000000"/>
+                </a:solidFill>
+                <a:effectLst/>
+                <a:uFillTx/>
+                <a:sym typeface="Helvetica Light"/>
+              </a:rPr>
+              <a:t>PkgInfo</a:t>
+            </a:r>
+            <a:endParaRPr>
+              <a:ln>
+                <a:noFill/>
+              </a:ln>
+              <a:solidFill>
+                <a:srgbClr val="000000"/>
+              </a:solidFill>
+              <a:effectLst/>
+              <a:uFillTx/>
+              <a:sym typeface="Helvetica Light"/>
+            </a:endParaRPr>
+          </a:p>
+          <a:p>
+            <a:pPr marL="0" marR="0" indent="0" algn="l" defTabSz="825500" rtl="0" fontAlgn="auto" latinLnBrk="1" hangingPunct="0">
+              <a:lnSpc>
+                <a:spcPct val="100000"/>
+              </a:lnSpc>
+              <a:spcBef>
+                <a:spcPts val="0"/>
+              </a:spcBef>
+              <a:spcAft>
+                <a:spcPts val="0"/>
+              </a:spcAft>
+              <a:buClrTx/>
+              <a:buSzTx/>
+              <a:buFontTx/>
+              <a:buNone/>
+            </a:pPr>
+            <a:r>
+              <a:rPr lang="en-US">
+                <a:ln>
+                  <a:noFill/>
+                </a:ln>
+                <a:solidFill>
+                  <a:srgbClr val="000000"/>
+                </a:solidFill>
+                <a:effectLst/>
+                <a:uFillTx/>
+                <a:sym typeface="Helvetica Light"/>
+              </a:rPr>
+              <a:t>	包的 8 字节标识符</a:t>
+            </a:r>
+            <a:r>
+              <a:rPr lang="zh-CN" altLang="en-US">
+                <a:ln>
+                  <a:noFill/>
+                </a:ln>
+                <a:solidFill>
+                  <a:srgbClr val="000000"/>
+                </a:solidFill>
+                <a:effectLst/>
+                <a:uFillTx/>
+                <a:ea typeface="SimSun" charset="0"/>
+                <a:sym typeface="Helvetica Light"/>
+              </a:rPr>
+              <a:t>，如</a:t>
+            </a:r>
+            <a:r>
+              <a:rPr lang="en-US" altLang="zh-CN">
+                <a:ln>
+                  <a:noFill/>
+                </a:ln>
+                <a:solidFill>
+                  <a:srgbClr val="000000"/>
+                </a:solidFill>
+                <a:effectLst/>
+                <a:uFillTx/>
+                <a:ea typeface="SimSun" charset="0"/>
+                <a:sym typeface="Helvetica Light"/>
+              </a:rPr>
+              <a:t>APPL</a:t>
+            </a:r>
+            <a:endParaRPr lang="en-US" altLang="zh-CN">
+              <a:ln>
+                <a:noFill/>
+              </a:ln>
+              <a:solidFill>
+                <a:srgbClr val="000000"/>
+              </a:solidFill>
+              <a:effectLst/>
+              <a:uFillTx/>
+              <a:ea typeface="SimSun" charset="0"/>
+              <a:sym typeface="Helvetica Light"/>
             </a:endParaRPr>
           </a:p>
         </p:txBody>
@@ -2262,291 +3364,782 @@
       </p:grpSpPr>
       <p:sp>
         <p:nvSpPr>
-          <p:cNvPr id="2" name="Shape 30"/>
-          <p:cNvSpPr/>
+          <p:cNvPr id="2" name="标题 1"/>
+          <p:cNvSpPr>
+            <a:spLocks noGrp="1"/>
+          </p:cNvSpPr>
+          <p:nvPr>
+            <p:ph type="title"/>
+          </p:nvPr>
+        </p:nvSpPr>
+        <p:spPr/>
+        <p:txBody>
+          <a:bodyPr/>
+          <a:lstStyle/>
+          <a:p>
+            <a:r>
+              <a:rPr kumimoji="1" dirty="0" smtClean="0"/>
+              <a:t>有意思的现象</a:t>
+            </a:r>
+            <a:endParaRPr kumimoji="1" dirty="0" smtClean="0"/>
+          </a:p>
+        </p:txBody>
+      </p:sp>
+      <p:sp>
+        <p:nvSpPr>
+          <p:cNvPr id="3" name="文本占位符 2"/>
+          <p:cNvSpPr>
+            <a:spLocks noGrp="1"/>
+          </p:cNvSpPr>
+          <p:nvPr>
+            <p:ph type="body" sz="quarter" idx="10"/>
+          </p:nvPr>
+        </p:nvSpPr>
+        <p:spPr/>
+        <p:txBody>
+          <a:bodyPr/>
+          <a:lstStyle/>
+          <a:p>
+            <a:r>
+              <a:rPr kumimoji="1" lang="en-US" altLang="zh-CN" dirty="0"/>
+              <a:t> </a:t>
+            </a:r>
+            <a:endParaRPr kumimoji="1" lang="en-US" altLang="zh-CN" dirty="0"/>
+          </a:p>
+        </p:txBody>
+      </p:sp>
+      <p:sp>
+        <p:nvSpPr>
+          <p:cNvPr id="4" name="文本占位符 3"/>
+          <p:cNvSpPr>
+            <a:spLocks noGrp="1"/>
+          </p:cNvSpPr>
+          <p:nvPr>
+            <p:ph type="body" sz="quarter" idx="11"/>
+          </p:nvPr>
+        </p:nvSpPr>
+        <p:spPr/>
+        <p:txBody>
+          <a:bodyPr/>
+          <a:lstStyle/>
+          <a:p>
+            <a:endParaRPr kumimoji="1" lang="zh-CN" altLang="en-US"/>
+          </a:p>
+        </p:txBody>
+      </p:sp>
+      <p:sp>
+        <p:nvSpPr>
+          <p:cNvPr id="9" name="Text Box 8"/>
+          <p:cNvSpPr txBox="1"/>
           <p:nvPr/>
         </p:nvSpPr>
         <p:spPr>
           <a:xfrm>
-            <a:off x="4426724" y="3767028"/>
-            <a:ext cx="6876884" cy="8161850"/>
+            <a:off x="2426970" y="2912745"/>
+            <a:ext cx="7494270" cy="6257290"/>
           </a:xfrm>
           <a:prstGeom prst="rect">
             <a:avLst/>
           </a:prstGeom>
-          <a:ln w="12700">
+          <a:noFill/>
+          <a:ln w="12700" cap="flat">
+            <a:noFill/>
             <a:miter lim="400000"/>
           </a:ln>
         </p:spPr>
+        <p:style>
+          <a:lnRef idx="0">
+            <a:scrgbClr r="0" g="0" b="0"/>
+          </a:lnRef>
+          <a:fillRef idx="0">
+            <a:scrgbClr r="0" g="0" b="0"/>
+          </a:fillRef>
+          <a:effectRef idx="0">
+            <a:scrgbClr r="0" g="0" b="0"/>
+          </a:effectRef>
+          <a:fontRef idx="none"/>
+        </p:style>
         <p:txBody>
-          <a:bodyPr wrap="none" lIns="50800" tIns="50800" rIns="50800" bIns="50800" anchor="ctr">
+          <a:bodyPr rot="0" vertOverflow="overflow" horzOverflow="overflow" vert="horz" wrap="square" lIns="50800" tIns="50800" rIns="50800" bIns="50800" numCol="1" spcCol="38100" rtlCol="0" anchor="t" anchorCtr="0" forceAA="0">
             <a:spAutoFit/>
           </a:bodyPr>
-          <a:lstStyle/>
-          <a:p>
-            <a:pPr marL="1790700" lvl="0" indent="-1790700" algn="l">
+          <a:p>
+            <a:pPr marL="0" marR="0" indent="0" algn="l" defTabSz="825500" rtl="0" fontAlgn="auto" latinLnBrk="1" hangingPunct="0">
               <a:lnSpc>
-                <a:spcPct val="200000"/>
+                <a:spcPct val="100000"/>
               </a:lnSpc>
-              <a:buClr>
-                <a:srgbClr val="0099CB"/>
-              </a:buClr>
-              <a:buSzPct val="130000"/>
-              <a:buFont typeface="+mj-lt"/>
-              <a:buAutoNum type="romanUcPeriod"/>
-              <a:defRPr sz="1800"/>
+              <a:spcBef>
+                <a:spcPts val="0"/>
+              </a:spcBef>
+              <a:spcAft>
+                <a:spcPts val="0"/>
+              </a:spcAft>
+              <a:buClrTx/>
+              <a:buSzTx/>
+              <a:buFontTx/>
+              <a:buNone/>
             </a:pPr>
             <a:r>
-              <a:rPr lang="zh-CN" altLang="en-US" sz="5400" dirty="0" smtClean="0">
-                <a:solidFill>
-                  <a:srgbClr val="3F3A3A"/>
-                </a:solidFill>
-                <a:latin typeface="微软雅黑" panose="020B0503020204020204" pitchFamily="34" charset="-122"/>
-                <a:ea typeface="微软雅黑" panose="020B0503020204020204" pitchFamily="34" charset="-122"/>
-                <a:cs typeface="FZLanTingHeiS-DB1-GB"/>
-                <a:sym typeface="FZLanTingHeiS-DB1-GB"/>
-              </a:rPr>
-              <a:t>公司发展</a:t>
-            </a:r>
-            <a:endParaRPr sz="5400" dirty="0">
+              <a:rPr>
+                <a:ln>
+                  <a:noFill/>
+                </a:ln>
+                <a:solidFill>
+                  <a:srgbClr val="000000"/>
+                </a:solidFill>
+                <a:effectLst/>
+                <a:uFillTx/>
+                <a:sym typeface="Helvetica Light"/>
+              </a:rPr>
+              <a:t>AppIcon29x29@2x.png</a:t>
+            </a:r>
+            <a:endParaRPr>
+              <a:ln>
+                <a:noFill/>
+              </a:ln>
               <a:solidFill>
-                <a:srgbClr val="3F3A3A"/>
+                <a:srgbClr val="000000"/>
               </a:solidFill>
-              <a:latin typeface="微软雅黑" panose="020B0503020204020204" pitchFamily="34" charset="-122"/>
-              <a:ea typeface="微软雅黑" panose="020B0503020204020204" pitchFamily="34" charset="-122"/>
-              <a:cs typeface="FZLanTingHeiS-DB1-GB"/>
-              <a:sym typeface="FZLanTingHeiS-DB1-GB"/>
+              <a:effectLst/>
+              <a:uFillTx/>
+              <a:sym typeface="Helvetica Light"/>
             </a:endParaRPr>
           </a:p>
           <a:p>
-            <a:pPr marL="1790700" lvl="0" indent="-1790700" algn="l">
+            <a:pPr marL="0" marR="0" indent="0" algn="l" defTabSz="825500" rtl="0" fontAlgn="auto" latinLnBrk="1" hangingPunct="0">
               <a:lnSpc>
-                <a:spcPct val="200000"/>
+                <a:spcPct val="100000"/>
               </a:lnSpc>
-              <a:buClr>
-                <a:srgbClr val="0099CB"/>
-              </a:buClr>
-              <a:buSzPct val="130000"/>
-              <a:buFont typeface="+mj-lt"/>
-              <a:buAutoNum type="romanUcPeriod"/>
-              <a:defRPr sz="1800"/>
+              <a:spcBef>
+                <a:spcPts val="0"/>
+              </a:spcBef>
+              <a:spcAft>
+                <a:spcPts val="0"/>
+              </a:spcAft>
+              <a:buClrTx/>
+              <a:buSzTx/>
+              <a:buFontTx/>
+              <a:buNone/>
             </a:pPr>
             <a:r>
-              <a:rPr lang="zh-CN" altLang="en-US" sz="5400" dirty="0" smtClean="0">
-                <a:solidFill>
-                  <a:srgbClr val="3F3A3A"/>
-                </a:solidFill>
-                <a:latin typeface="微软雅黑" panose="020B0503020204020204" pitchFamily="34" charset="-122"/>
-                <a:ea typeface="微软雅黑" panose="020B0503020204020204" pitchFamily="34" charset="-122"/>
-                <a:cs typeface="FZLanTingHeiS-DB1-GB"/>
-                <a:sym typeface="FZLanTingHeiS-DB1-GB"/>
-              </a:rPr>
-              <a:t>办公环境</a:t>
-            </a:r>
-            <a:endParaRPr lang="en-US" altLang="zh-CN" sz="5400" dirty="0" smtClean="0">
+              <a:rPr>
+                <a:ln>
+                  <a:noFill/>
+                </a:ln>
+                <a:solidFill>
+                  <a:srgbClr val="000000"/>
+                </a:solidFill>
+                <a:effectLst/>
+                <a:uFillTx/>
+                <a:sym typeface="Helvetica Light"/>
+              </a:rPr>
+              <a:t>AppIcon29x29@3x.png</a:t>
+            </a:r>
+            <a:endParaRPr>
+              <a:ln>
+                <a:noFill/>
+              </a:ln>
               <a:solidFill>
-                <a:srgbClr val="3F3A3A"/>
+                <a:srgbClr val="000000"/>
               </a:solidFill>
-              <a:latin typeface="微软雅黑" panose="020B0503020204020204" pitchFamily="34" charset="-122"/>
-              <a:ea typeface="微软雅黑" panose="020B0503020204020204" pitchFamily="34" charset="-122"/>
-              <a:cs typeface="FZLanTingHeiS-DB1-GB"/>
-              <a:sym typeface="FZLanTingHeiS-DB1-GB"/>
+              <a:effectLst/>
+              <a:uFillTx/>
+              <a:sym typeface="Helvetica Light"/>
             </a:endParaRPr>
           </a:p>
           <a:p>
-            <a:pPr marL="1790700" lvl="0" indent="-1790700" algn="l">
+            <a:pPr marL="0" marR="0" indent="0" algn="l" defTabSz="825500" rtl="0" fontAlgn="auto" latinLnBrk="1" hangingPunct="0">
               <a:lnSpc>
-                <a:spcPct val="200000"/>
+                <a:spcPct val="100000"/>
               </a:lnSpc>
-              <a:buClr>
-                <a:srgbClr val="0099CB"/>
-              </a:buClr>
-              <a:buSzPct val="130000"/>
-              <a:buFont typeface="+mj-lt"/>
-              <a:buAutoNum type="romanUcPeriod"/>
-              <a:defRPr sz="1800"/>
+              <a:spcBef>
+                <a:spcPts val="0"/>
+              </a:spcBef>
+              <a:spcAft>
+                <a:spcPts val="0"/>
+              </a:spcAft>
+              <a:buClrTx/>
+              <a:buSzTx/>
+              <a:buFontTx/>
+              <a:buNone/>
             </a:pPr>
             <a:r>
-              <a:rPr lang="zh-CN" altLang="en-US" sz="5400" dirty="0" smtClean="0">
-                <a:solidFill>
-                  <a:srgbClr val="3F3A3A"/>
-                </a:solidFill>
-                <a:latin typeface="微软雅黑" panose="020B0503020204020204" pitchFamily="34" charset="-122"/>
-                <a:ea typeface="微软雅黑" panose="020B0503020204020204" pitchFamily="34" charset="-122"/>
-                <a:cs typeface="FZLanTingHeiS-DB1-GB"/>
-                <a:sym typeface="FZLanTingHeiS-DB1-GB"/>
-              </a:rPr>
-              <a:t>领导人</a:t>
-            </a:r>
-            <a:endParaRPr lang="zh-CN" altLang="en-US" sz="5400" dirty="0" smtClean="0">
+              <a:rPr>
+                <a:ln>
+                  <a:noFill/>
+                </a:ln>
+                <a:solidFill>
+                  <a:srgbClr val="000000"/>
+                </a:solidFill>
+                <a:effectLst/>
+                <a:uFillTx/>
+                <a:sym typeface="Helvetica Light"/>
+              </a:rPr>
+              <a:t>AppIcon40x40@2x.png</a:t>
+            </a:r>
+            <a:endParaRPr>
+              <a:ln>
+                <a:noFill/>
+              </a:ln>
               <a:solidFill>
-                <a:srgbClr val="3F3A3A"/>
+                <a:srgbClr val="000000"/>
               </a:solidFill>
-              <a:latin typeface="微软雅黑" panose="020B0503020204020204" pitchFamily="34" charset="-122"/>
-              <a:ea typeface="微软雅黑" panose="020B0503020204020204" pitchFamily="34" charset="-122"/>
-              <a:cs typeface="FZLanTingHeiS-DB1-GB"/>
-              <a:sym typeface="FZLanTingHeiS-DB1-GB"/>
+              <a:effectLst/>
+              <a:uFillTx/>
+              <a:sym typeface="Helvetica Light"/>
             </a:endParaRPr>
           </a:p>
           <a:p>
-            <a:pPr marL="1790700" lvl="0" indent="-1790700" algn="l">
+            <a:pPr marL="0" marR="0" indent="0" algn="l" defTabSz="825500" rtl="0" fontAlgn="auto" latinLnBrk="1" hangingPunct="0">
               <a:lnSpc>
-                <a:spcPct val="200000"/>
+                <a:spcPct val="100000"/>
               </a:lnSpc>
-              <a:buClr>
-                <a:srgbClr val="0099CB"/>
-              </a:buClr>
-              <a:buSzPct val="130000"/>
-              <a:buFont typeface="+mj-lt"/>
-              <a:buAutoNum type="romanUcPeriod"/>
-              <a:defRPr sz="1800"/>
+              <a:spcBef>
+                <a:spcPts val="0"/>
+              </a:spcBef>
+              <a:spcAft>
+                <a:spcPts val="0"/>
+              </a:spcAft>
+              <a:buClrTx/>
+              <a:buSzTx/>
+              <a:buFontTx/>
+              <a:buNone/>
             </a:pPr>
             <a:r>
-              <a:rPr lang="zh-CN" altLang="en-US" sz="5400" dirty="0" smtClean="0">
-                <a:solidFill>
-                  <a:srgbClr val="3F3A3A"/>
-                </a:solidFill>
-                <a:latin typeface="微软雅黑" panose="020B0503020204020204" pitchFamily="34" charset="-122"/>
-                <a:ea typeface="微软雅黑" panose="020B0503020204020204" pitchFamily="34" charset="-122"/>
-                <a:cs typeface="FZLanTingHeiS-DB1-GB"/>
-                <a:sym typeface="FZLanTingHeiS-DB1-GB"/>
-              </a:rPr>
-              <a:t>团队</a:t>
-            </a:r>
-            <a:endParaRPr lang="en-US" altLang="zh-CN" sz="5400" dirty="0" smtClean="0">
+              <a:rPr>
+                <a:ln>
+                  <a:noFill/>
+                </a:ln>
+                <a:solidFill>
+                  <a:srgbClr val="000000"/>
+                </a:solidFill>
+                <a:effectLst/>
+                <a:uFillTx/>
+                <a:sym typeface="Helvetica Light"/>
+              </a:rPr>
+              <a:t>AppIcon40x40@3x.png</a:t>
+            </a:r>
+            <a:endParaRPr>
+              <a:ln>
+                <a:noFill/>
+              </a:ln>
               <a:solidFill>
-                <a:srgbClr val="3F3A3A"/>
+                <a:srgbClr val="000000"/>
               </a:solidFill>
-              <a:latin typeface="微软雅黑" panose="020B0503020204020204" pitchFamily="34" charset="-122"/>
-              <a:ea typeface="微软雅黑" panose="020B0503020204020204" pitchFamily="34" charset="-122"/>
-              <a:cs typeface="FZLanTingHeiS-DB1-GB"/>
-              <a:sym typeface="FZLanTingHeiS-DB1-GB"/>
+              <a:effectLst/>
+              <a:uFillTx/>
+              <a:sym typeface="Helvetica Light"/>
             </a:endParaRPr>
           </a:p>
           <a:p>
-            <a:pPr marL="1790700" lvl="0" indent="-1790700" algn="l">
+            <a:pPr marL="0" marR="0" indent="0" algn="l" defTabSz="825500" rtl="0" fontAlgn="auto" latinLnBrk="1" hangingPunct="0">
               <a:lnSpc>
-                <a:spcPct val="200000"/>
+                <a:spcPct val="100000"/>
               </a:lnSpc>
-              <a:buClr>
-                <a:srgbClr val="0099CB"/>
-              </a:buClr>
-              <a:buSzPct val="130000"/>
-              <a:buFont typeface="+mj-lt"/>
-              <a:buAutoNum type="romanUcPeriod"/>
-              <a:defRPr sz="1800"/>
+              <a:spcBef>
+                <a:spcPts val="0"/>
+              </a:spcBef>
+              <a:spcAft>
+                <a:spcPts val="0"/>
+              </a:spcAft>
+              <a:buClrTx/>
+              <a:buSzTx/>
+              <a:buFontTx/>
+              <a:buNone/>
             </a:pPr>
             <a:r>
-              <a:rPr lang="zh-CN" altLang="en-US" sz="5400" dirty="0" smtClean="0">
-                <a:solidFill>
-                  <a:srgbClr val="3F3A3A"/>
-                </a:solidFill>
-                <a:latin typeface="微软雅黑" panose="020B0503020204020204" pitchFamily="34" charset="-122"/>
-                <a:ea typeface="微软雅黑" panose="020B0503020204020204" pitchFamily="34" charset="-122"/>
-                <a:cs typeface="FZLanTingHeiS-DB1-GB"/>
-                <a:sym typeface="FZLanTingHeiS-DB1-GB"/>
-              </a:rPr>
-              <a:t>微软雅黑，</a:t>
-            </a:r>
-            <a:r>
-              <a:rPr lang="en-US" altLang="zh-CN" sz="5400" dirty="0" smtClean="0">
-                <a:solidFill>
-                  <a:srgbClr val="3F3A3A"/>
-                </a:solidFill>
-                <a:latin typeface="微软雅黑" panose="020B0503020204020204" pitchFamily="34" charset="-122"/>
-                <a:ea typeface="微软雅黑" panose="020B0503020204020204" pitchFamily="34" charset="-122"/>
-                <a:cs typeface="FZLanTingHeiS-DB1-GB"/>
-                <a:sym typeface="FZLanTingHeiS-DB1-GB"/>
-              </a:rPr>
-              <a:t>54</a:t>
-            </a:r>
-            <a:r>
-              <a:rPr lang="zh-CN" altLang="en-US" sz="5400" dirty="0" smtClean="0">
-                <a:solidFill>
-                  <a:srgbClr val="3F3A3A"/>
-                </a:solidFill>
-                <a:latin typeface="微软雅黑" panose="020B0503020204020204" pitchFamily="34" charset="-122"/>
-                <a:ea typeface="微软雅黑" panose="020B0503020204020204" pitchFamily="34" charset="-122"/>
-                <a:cs typeface="FZLanTingHeiS-DB1-GB"/>
-                <a:sym typeface="FZLanTingHeiS-DB1-GB"/>
-              </a:rPr>
-              <a:t>号</a:t>
-            </a:r>
-            <a:endParaRPr lang="en-US" altLang="zh-CN" sz="5400" dirty="0" smtClean="0">
+              <a:rPr>
+                <a:ln>
+                  <a:noFill/>
+                </a:ln>
+                <a:solidFill>
+                  <a:srgbClr val="000000"/>
+                </a:solidFill>
+                <a:effectLst/>
+                <a:uFillTx/>
+                <a:sym typeface="Helvetica Light"/>
+              </a:rPr>
+              <a:t>AppIcon60x60@2x.png</a:t>
+            </a:r>
+            <a:endParaRPr>
+              <a:ln>
+                <a:noFill/>
+              </a:ln>
               <a:solidFill>
-                <a:srgbClr val="3F3A3A"/>
+                <a:srgbClr val="000000"/>
               </a:solidFill>
-              <a:latin typeface="微软雅黑" panose="020B0503020204020204" pitchFamily="34" charset="-122"/>
-              <a:ea typeface="微软雅黑" panose="020B0503020204020204" pitchFamily="34" charset="-122"/>
-              <a:cs typeface="FZLanTingHeiS-DB1-GB"/>
-              <a:sym typeface="FZLanTingHeiS-DB1-GB"/>
+              <a:effectLst/>
+              <a:uFillTx/>
+              <a:sym typeface="Helvetica Light"/>
+            </a:endParaRPr>
+          </a:p>
+          <a:p>
+            <a:pPr marL="0" marR="0" indent="0" algn="l" defTabSz="825500" rtl="0" fontAlgn="auto" latinLnBrk="1" hangingPunct="0">
+              <a:lnSpc>
+                <a:spcPct val="100000"/>
+              </a:lnSpc>
+              <a:spcBef>
+                <a:spcPts val="0"/>
+              </a:spcBef>
+              <a:spcAft>
+                <a:spcPts val="0"/>
+              </a:spcAft>
+              <a:buClrTx/>
+              <a:buSzTx/>
+              <a:buFontTx/>
+              <a:buNone/>
+            </a:pPr>
+            <a:r>
+              <a:rPr>
+                <a:ln>
+                  <a:noFill/>
+                </a:ln>
+                <a:solidFill>
+                  <a:srgbClr val="000000"/>
+                </a:solidFill>
+                <a:effectLst/>
+                <a:uFillTx/>
+                <a:sym typeface="Helvetica Light"/>
+              </a:rPr>
+              <a:t>AppIcon60x60@3x.png</a:t>
+            </a:r>
+            <a:endParaRPr>
+              <a:ln>
+                <a:noFill/>
+              </a:ln>
+              <a:solidFill>
+                <a:srgbClr val="000000"/>
+              </a:solidFill>
+              <a:effectLst/>
+              <a:uFillTx/>
+              <a:sym typeface="Helvetica Light"/>
+            </a:endParaRPr>
+          </a:p>
+          <a:p>
+            <a:pPr marL="0" marR="0" indent="0" algn="l" defTabSz="825500" rtl="0" fontAlgn="auto" latinLnBrk="1" hangingPunct="0">
+              <a:lnSpc>
+                <a:spcPct val="100000"/>
+              </a:lnSpc>
+              <a:spcBef>
+                <a:spcPts val="0"/>
+              </a:spcBef>
+              <a:spcAft>
+                <a:spcPts val="0"/>
+              </a:spcAft>
+              <a:buClrTx/>
+              <a:buSzTx/>
+              <a:buFontTx/>
+              <a:buNone/>
+            </a:pPr>
+            <a:endParaRPr>
+              <a:ln>
+                <a:noFill/>
+              </a:ln>
+              <a:solidFill>
+                <a:srgbClr val="000000"/>
+              </a:solidFill>
+              <a:effectLst/>
+              <a:uFillTx/>
+              <a:sym typeface="Helvetica Light"/>
+            </a:endParaRPr>
+          </a:p>
+          <a:p>
+            <a:pPr marL="0" marR="0" indent="0" algn="l" defTabSz="825500" rtl="0" fontAlgn="auto" latinLnBrk="1" hangingPunct="0">
+              <a:lnSpc>
+                <a:spcPct val="100000"/>
+              </a:lnSpc>
+              <a:spcBef>
+                <a:spcPts val="0"/>
+              </a:spcBef>
+              <a:spcAft>
+                <a:spcPts val="0"/>
+              </a:spcAft>
+              <a:buClrTx/>
+              <a:buSzTx/>
+              <a:buFontTx/>
+              <a:buNone/>
+            </a:pPr>
+            <a:endParaRPr>
+              <a:ln>
+                <a:noFill/>
+              </a:ln>
+              <a:solidFill>
+                <a:srgbClr val="000000"/>
+              </a:solidFill>
+              <a:effectLst/>
+              <a:uFillTx/>
+              <a:sym typeface="Helvetica Light"/>
             </a:endParaRPr>
           </a:p>
         </p:txBody>
       </p:sp>
       <p:sp>
         <p:nvSpPr>
-          <p:cNvPr id="3" name="Shape 10"/>
-          <p:cNvSpPr/>
+          <p:cNvPr id="5" name="Text Box 4"/>
+          <p:cNvSpPr txBox="1"/>
           <p:nvPr/>
         </p:nvSpPr>
         <p:spPr>
           <a:xfrm>
-            <a:off x="4426724" y="1576176"/>
-            <a:ext cx="4411464" cy="1323439"/>
+            <a:off x="10363200" y="2912745"/>
+            <a:ext cx="15024735" cy="5487670"/>
           </a:xfrm>
           <a:prstGeom prst="rect">
             <a:avLst/>
           </a:prstGeom>
-          <a:ln w="12700">
+          <a:noFill/>
+          <a:ln w="12700" cap="flat">
+            <a:noFill/>
             <a:miter lim="400000"/>
           </a:ln>
         </p:spPr>
+        <p:style>
+          <a:lnRef idx="0">
+            <a:scrgbClr r="0" g="0" b="0"/>
+          </a:lnRef>
+          <a:fillRef idx="0">
+            <a:scrgbClr r="0" g="0" b="0"/>
+          </a:fillRef>
+          <a:effectRef idx="0">
+            <a:scrgbClr r="0" g="0" b="0"/>
+          </a:effectRef>
+          <a:fontRef idx="none"/>
+        </p:style>
         <p:txBody>
-          <a:bodyPr wrap="none" lIns="0" tIns="0" rIns="0" bIns="0" anchor="ctr">
+          <a:bodyPr rot="0" vertOverflow="overflow" horzOverflow="overflow" vert="horz" wrap="square" lIns="50800" tIns="50800" rIns="50800" bIns="50800" numCol="1" spcCol="38100" rtlCol="0" anchor="t" anchorCtr="0" forceAA="0">
             <a:spAutoFit/>
           </a:bodyPr>
-          <a:lstStyle>
-            <a:lvl1pPr algn="l">
-              <a:defRPr sz="8600">
-                <a:solidFill>
-                  <a:srgbClr val="3E3A3A"/>
-                </a:solidFill>
-                <a:latin typeface="FZLanTingHeiS-DB-GB"/>
-                <a:ea typeface="FZLanTingHeiS-DB-GB"/>
-                <a:cs typeface="FZLanTingHeiS-DB-GB"/>
-                <a:sym typeface="FZLanTingHeiS-DB-GB"/>
-              </a:defRPr>
-            </a:lvl1pPr>
-          </a:lstStyle>
-          <a:p>
-            <a:pPr lvl="0">
-              <a:defRPr sz="1800">
-                <a:solidFill>
-                  <a:srgbClr val="000000"/>
-                </a:solidFill>
-              </a:defRPr>
+          <a:p>
+            <a:pPr marL="0" marR="0" indent="0" algn="l" defTabSz="825500" rtl="0" fontAlgn="auto" latinLnBrk="1" hangingPunct="0">
+              <a:lnSpc>
+                <a:spcPct val="100000"/>
+              </a:lnSpc>
+              <a:spcBef>
+                <a:spcPts val="0"/>
+              </a:spcBef>
+              <a:spcAft>
+                <a:spcPts val="0"/>
+              </a:spcAft>
+              <a:buClrTx/>
+              <a:buSzTx/>
+              <a:buFontTx/>
+              <a:buNone/>
             </a:pPr>
             <a:r>
-              <a:rPr lang="zh-CN" altLang="en-US" sz="8600" dirty="0" smtClean="0">
-                <a:solidFill>
-                  <a:srgbClr val="3E3A3A"/>
-                </a:solidFill>
-                <a:latin typeface="微软雅黑" panose="020B0503020204020204" pitchFamily="34" charset="-122"/>
-                <a:ea typeface="微软雅黑" panose="020B0503020204020204" pitchFamily="34" charset="-122"/>
-              </a:rPr>
-              <a:t>绿漫现状</a:t>
-            </a:r>
-            <a:endParaRPr sz="8600" dirty="0">
+              <a:rPr>
+                <a:ln>
+                  <a:noFill/>
+                </a:ln>
+                <a:solidFill>
+                  <a:srgbClr val="000000"/>
+                </a:solidFill>
+                <a:effectLst/>
+                <a:uFillTx/>
+                <a:sym typeface="Helvetica Light"/>
+              </a:rPr>
+              <a:t>LaunchImage-700-568h@2x.png</a:t>
+            </a:r>
+            <a:endParaRPr>
+              <a:ln>
+                <a:noFill/>
+              </a:ln>
               <a:solidFill>
-                <a:srgbClr val="3E3A3A"/>
+                <a:srgbClr val="000000"/>
               </a:solidFill>
-              <a:latin typeface="微软雅黑" panose="020B0503020204020204" pitchFamily="34" charset="-122"/>
-              <a:ea typeface="微软雅黑" panose="020B0503020204020204" pitchFamily="34" charset="-122"/>
+              <a:effectLst/>
+              <a:uFillTx/>
+              <a:sym typeface="Helvetica Light"/>
+            </a:endParaRPr>
+          </a:p>
+          <a:p>
+            <a:pPr marL="0" marR="0" indent="0" algn="l" defTabSz="825500" rtl="0" fontAlgn="auto" latinLnBrk="1" hangingPunct="0">
+              <a:lnSpc>
+                <a:spcPct val="100000"/>
+              </a:lnSpc>
+              <a:spcBef>
+                <a:spcPts val="0"/>
+              </a:spcBef>
+              <a:spcAft>
+                <a:spcPts val="0"/>
+              </a:spcAft>
+              <a:buClrTx/>
+              <a:buSzTx/>
+              <a:buFontTx/>
+              <a:buNone/>
+            </a:pPr>
+            <a:r>
+              <a:rPr>
+                <a:ln>
+                  <a:noFill/>
+                </a:ln>
+                <a:solidFill>
+                  <a:srgbClr val="000000"/>
+                </a:solidFill>
+                <a:effectLst/>
+                <a:uFillTx/>
+                <a:sym typeface="Helvetica Light"/>
+              </a:rPr>
+              <a:t>LaunchImage-700@2x.png</a:t>
+            </a:r>
+            <a:endParaRPr>
+              <a:ln>
+                <a:noFill/>
+              </a:ln>
+              <a:solidFill>
+                <a:srgbClr val="000000"/>
+              </a:solidFill>
+              <a:effectLst/>
+              <a:uFillTx/>
+              <a:sym typeface="Helvetica Light"/>
+            </a:endParaRPr>
+          </a:p>
+          <a:p>
+            <a:pPr marL="0" marR="0" indent="0" algn="l" defTabSz="825500" rtl="0" fontAlgn="auto" latinLnBrk="1" hangingPunct="0">
+              <a:lnSpc>
+                <a:spcPct val="100000"/>
+              </a:lnSpc>
+              <a:spcBef>
+                <a:spcPts val="0"/>
+              </a:spcBef>
+              <a:spcAft>
+                <a:spcPts val="0"/>
+              </a:spcAft>
+              <a:buClrTx/>
+              <a:buSzTx/>
+              <a:buFontTx/>
+              <a:buNone/>
+            </a:pPr>
+            <a:r>
+              <a:rPr>
+                <a:ln>
+                  <a:noFill/>
+                </a:ln>
+                <a:solidFill>
+                  <a:srgbClr val="000000"/>
+                </a:solidFill>
+                <a:effectLst/>
+                <a:uFillTx/>
+                <a:sym typeface="Helvetica Light"/>
+              </a:rPr>
+              <a:t>LaunchImage-800-667h@2x.png</a:t>
+            </a:r>
+            <a:endParaRPr>
+              <a:ln>
+                <a:noFill/>
+              </a:ln>
+              <a:solidFill>
+                <a:srgbClr val="000000"/>
+              </a:solidFill>
+              <a:effectLst/>
+              <a:uFillTx/>
+              <a:sym typeface="Helvetica Light"/>
+            </a:endParaRPr>
+          </a:p>
+          <a:p>
+            <a:pPr marL="0" marR="0" indent="0" algn="l" defTabSz="825500" rtl="0" fontAlgn="auto" latinLnBrk="1" hangingPunct="0">
+              <a:lnSpc>
+                <a:spcPct val="100000"/>
+              </a:lnSpc>
+              <a:spcBef>
+                <a:spcPts val="0"/>
+              </a:spcBef>
+              <a:spcAft>
+                <a:spcPts val="0"/>
+              </a:spcAft>
+              <a:buClrTx/>
+              <a:buSzTx/>
+              <a:buFontTx/>
+              <a:buNone/>
+            </a:pPr>
+            <a:r>
+              <a:rPr>
+                <a:ln>
+                  <a:noFill/>
+                </a:ln>
+                <a:solidFill>
+                  <a:srgbClr val="000000"/>
+                </a:solidFill>
+                <a:effectLst/>
+                <a:uFillTx/>
+                <a:sym typeface="Helvetica Light"/>
+              </a:rPr>
+              <a:t>LaunchImage-800-Portrait-736h@3x.png</a:t>
+            </a:r>
+            <a:endParaRPr>
+              <a:ln>
+                <a:noFill/>
+              </a:ln>
+              <a:solidFill>
+                <a:srgbClr val="000000"/>
+              </a:solidFill>
+              <a:effectLst/>
+              <a:uFillTx/>
+              <a:sym typeface="Helvetica Light"/>
+            </a:endParaRPr>
+          </a:p>
+          <a:p>
+            <a:pPr marL="0" marR="0" indent="0" algn="l" defTabSz="825500" rtl="0" fontAlgn="auto" latinLnBrk="1" hangingPunct="0">
+              <a:lnSpc>
+                <a:spcPct val="100000"/>
+              </a:lnSpc>
+              <a:spcBef>
+                <a:spcPts val="0"/>
+              </a:spcBef>
+              <a:spcAft>
+                <a:spcPts val="0"/>
+              </a:spcAft>
+              <a:buClrTx/>
+              <a:buSzTx/>
+              <a:buFontTx/>
+              <a:buNone/>
+            </a:pPr>
+            <a:r>
+              <a:rPr>
+                <a:ln>
+                  <a:noFill/>
+                </a:ln>
+                <a:solidFill>
+                  <a:srgbClr val="000000"/>
+                </a:solidFill>
+                <a:effectLst/>
+                <a:uFillTx/>
+                <a:sym typeface="Helvetica Light"/>
+              </a:rPr>
+              <a:t>LaunchImage-1100-Portrait-2436h@3x.png</a:t>
+            </a:r>
+            <a:endParaRPr>
+              <a:ln>
+                <a:noFill/>
+              </a:ln>
+              <a:solidFill>
+                <a:srgbClr val="000000"/>
+              </a:solidFill>
+              <a:effectLst/>
+              <a:uFillTx/>
+              <a:sym typeface="Helvetica Light"/>
+            </a:endParaRPr>
+          </a:p>
+          <a:p>
+            <a:pPr marL="0" marR="0" indent="0" algn="l" defTabSz="825500" rtl="0" fontAlgn="auto" latinLnBrk="1" hangingPunct="0">
+              <a:lnSpc>
+                <a:spcPct val="100000"/>
+              </a:lnSpc>
+              <a:spcBef>
+                <a:spcPts val="0"/>
+              </a:spcBef>
+              <a:spcAft>
+                <a:spcPts val="0"/>
+              </a:spcAft>
+              <a:buClrTx/>
+              <a:buSzTx/>
+              <a:buFontTx/>
+              <a:buNone/>
+            </a:pPr>
+            <a:r>
+              <a:rPr>
+                <a:ln>
+                  <a:noFill/>
+                </a:ln>
+                <a:solidFill>
+                  <a:srgbClr val="000000"/>
+                </a:solidFill>
+                <a:effectLst/>
+                <a:uFillTx/>
+                <a:sym typeface="Helvetica Light"/>
+              </a:rPr>
+              <a:t>LaunchImage-1200-Portrait-1792h@2x.png</a:t>
+            </a:r>
+            <a:endParaRPr>
+              <a:ln>
+                <a:noFill/>
+              </a:ln>
+              <a:solidFill>
+                <a:srgbClr val="000000"/>
+              </a:solidFill>
+              <a:effectLst/>
+              <a:uFillTx/>
+              <a:sym typeface="Helvetica Light"/>
+            </a:endParaRPr>
+          </a:p>
+          <a:p>
+            <a:pPr marL="0" marR="0" indent="0" algn="l" defTabSz="825500" rtl="0" fontAlgn="auto" latinLnBrk="1" hangingPunct="0">
+              <a:lnSpc>
+                <a:spcPct val="100000"/>
+              </a:lnSpc>
+              <a:spcBef>
+                <a:spcPts val="0"/>
+              </a:spcBef>
+              <a:spcAft>
+                <a:spcPts val="0"/>
+              </a:spcAft>
+              <a:buClrTx/>
+              <a:buSzTx/>
+              <a:buFontTx/>
+              <a:buNone/>
+            </a:pPr>
+            <a:r>
+              <a:rPr>
+                <a:ln>
+                  <a:noFill/>
+                </a:ln>
+                <a:solidFill>
+                  <a:srgbClr val="000000"/>
+                </a:solidFill>
+                <a:effectLst/>
+                <a:uFillTx/>
+                <a:sym typeface="Helvetica Light"/>
+              </a:rPr>
+              <a:t>LaunchImage-1200-Portrait-2688h@3x.png</a:t>
+            </a:r>
+            <a:endParaRPr>
+              <a:ln>
+                <a:noFill/>
+              </a:ln>
+              <a:solidFill>
+                <a:srgbClr val="000000"/>
+              </a:solidFill>
+              <a:effectLst/>
+              <a:uFillTx/>
+              <a:sym typeface="Helvetica Light"/>
             </a:endParaRPr>
           </a:p>
         </p:txBody>
       </p:sp>
+      <p:cxnSp>
+        <p:nvCxnSpPr>
+          <p:cNvPr id="6" name="Straight Connector 5"/>
+          <p:cNvCxnSpPr/>
+          <p:nvPr/>
+        </p:nvCxnSpPr>
+        <p:spPr>
+          <a:xfrm>
+            <a:off x="9921240" y="2388870"/>
+            <a:ext cx="0" cy="7305675"/>
+          </a:xfrm>
+          <a:prstGeom prst="line">
+            <a:avLst/>
+          </a:prstGeom>
+          <a:ln w="92075">
+            <a:solidFill>
+              <a:schemeClr val="accent1"/>
+            </a:solidFill>
+          </a:ln>
+        </p:spPr>
+        <p:style>
+          <a:lnRef idx="1">
+            <a:schemeClr val="accent3"/>
+          </a:lnRef>
+          <a:fillRef idx="0">
+            <a:schemeClr val="accent3"/>
+          </a:fillRef>
+          <a:effectRef idx="0">
+            <a:schemeClr val="accent3"/>
+          </a:effectRef>
+          <a:fontRef idx="minor">
+            <a:schemeClr val="tx1"/>
+          </a:fontRef>
+        </p:style>
+      </p:cxnSp>
     </p:spTree>
   </p:cSld>
   <p:clrMapOvr>
@@ -2590,16 +4183,21 @@
             <p:ph type="title"/>
           </p:nvPr>
         </p:nvSpPr>
-        <p:spPr/>
+        <p:spPr>
+          <a:xfrm>
+            <a:off x="2756806" y="577056"/>
+            <a:ext cx="16010584" cy="1506991"/>
+          </a:xfrm>
+        </p:spPr>
         <p:txBody>
           <a:bodyPr/>
           <a:lstStyle/>
           <a:p>
             <a:r>
-              <a:rPr kumimoji="1" lang="zh-CN" altLang="en-US" dirty="0" smtClean="0"/>
-              <a:t>相关资源</a:t>
-            </a:r>
-            <a:endParaRPr kumimoji="1" lang="zh-CN" altLang="en-US" dirty="0"/>
+              <a:rPr kumimoji="1" dirty="0" smtClean="0"/>
+              <a:t>可执行文件</a:t>
+            </a:r>
+            <a:endParaRPr kumimoji="1" dirty="0" smtClean="0"/>
           </a:p>
         </p:txBody>
       </p:sp>
@@ -2618,7 +4216,11 @@
           <a:bodyPr/>
           <a:lstStyle/>
           <a:p>
-            <a:endParaRPr kumimoji="1" lang="zh-CN" altLang="en-US" dirty="0"/>
+            <a:r>
+              <a:rPr kumimoji="1" lang="en-US" altLang="zh-CN" dirty="0"/>
+              <a:t> </a:t>
+            </a:r>
+            <a:endParaRPr kumimoji="1" lang="en-US" altLang="zh-CN" dirty="0"/>
           </a:p>
         </p:txBody>
       </p:sp>
@@ -2643,14 +4245,14 @@
       </p:sp>
       <p:sp>
         <p:nvSpPr>
-          <p:cNvPr id="5" name="TextBox 4"/>
+          <p:cNvPr id="9" name="Text Box 8"/>
           <p:cNvSpPr txBox="1"/>
           <p:nvPr/>
         </p:nvSpPr>
         <p:spPr>
           <a:xfrm>
-            <a:off x="2427129" y="2498884"/>
-            <a:ext cx="16090106" cy="6257290"/>
+            <a:off x="1277620" y="2991485"/>
+            <a:ext cx="21977350" cy="7026275"/>
           </a:xfrm>
           <a:prstGeom prst="rect">
             <a:avLst/>
@@ -2660,7 +4262,6 @@
             <a:noFill/>
             <a:miter lim="400000"/>
           </a:ln>
-          <a:effectLst/>
         </p:spPr>
         <p:style>
           <a:lnRef idx="0">
@@ -2675,10 +4276,9 @@
           <a:fontRef idx="none"/>
         </p:style>
         <p:txBody>
-          <a:bodyPr rot="0" spcFirstLastPara="1" vertOverflow="overflow" horzOverflow="overflow" vert="horz" wrap="square" lIns="50800" tIns="50800" rIns="50800" bIns="50800" numCol="1" spcCol="38100" rtlCol="0" anchor="t" anchorCtr="0">
+          <a:bodyPr rot="0" vertOverflow="overflow" horzOverflow="overflow" vert="horz" wrap="square" lIns="50800" tIns="50800" rIns="50800" bIns="50800" numCol="1" spcCol="38100" rtlCol="0" anchor="t" anchorCtr="0" forceAA="0">
             <a:spAutoFit/>
           </a:bodyPr>
-          <a:lstStyle/>
           <a:p>
             <a:pPr marL="0" marR="0" indent="0" algn="l" defTabSz="825500" rtl="0" fontAlgn="auto" latinLnBrk="1" hangingPunct="0">
               <a:lnSpc>
@@ -2696,91 +4296,48 @@
               <a:buNone/>
             </a:pPr>
             <a:r>
-              <a:rPr kumimoji="0" lang="en-US" altLang="zh-CN" sz="5000" b="0" i="0" u="none" strike="noStrike" cap="none" spc="0" normalizeH="0" baseline="0" dirty="0" smtClean="0">
-                <a:ln>
-                  <a:noFill/>
-                </a:ln>
-                <a:solidFill>
-                  <a:srgbClr val="000000"/>
-                </a:solidFill>
-                <a:effectLst/>
-                <a:uFillTx/>
-                <a:latin typeface="+mn-lt"/>
-                <a:ea typeface="+mn-ea"/>
-                <a:cs typeface="+mn-cs"/>
-                <a:sym typeface="Helvetica Light"/>
-              </a:rPr>
-              <a:t>1.IDA</a:t>
-            </a:r>
-            <a:r>
-              <a:rPr kumimoji="0" lang="zh-CN" altLang="en-US" sz="5000" b="0" i="0" u="none" strike="noStrike" cap="none" spc="0" normalizeH="0" dirty="0" smtClean="0">
-                <a:ln>
-                  <a:noFill/>
-                </a:ln>
-                <a:solidFill>
-                  <a:srgbClr val="000000"/>
-                </a:solidFill>
-                <a:effectLst/>
-                <a:uFillTx/>
-                <a:latin typeface="+mn-lt"/>
-                <a:ea typeface="+mn-ea"/>
-                <a:cs typeface="+mn-cs"/>
-                <a:sym typeface="Helvetica Light"/>
-              </a:rPr>
-              <a:t> </a:t>
-            </a:r>
-            <a:r>
-              <a:rPr kumimoji="0" lang="en-US" altLang="zh-CN" sz="5000" b="0" i="0" u="none" strike="noStrike" cap="none" spc="0" normalizeH="0" dirty="0" smtClean="0">
-                <a:ln>
-                  <a:noFill/>
-                </a:ln>
-                <a:solidFill>
-                  <a:srgbClr val="000000"/>
-                </a:solidFill>
-                <a:effectLst/>
-                <a:uFillTx/>
-                <a:latin typeface="+mn-lt"/>
-                <a:ea typeface="+mn-ea"/>
-                <a:cs typeface="+mn-cs"/>
-                <a:sym typeface="Helvetica Light"/>
-              </a:rPr>
-              <a:t>pro</a:t>
-            </a:r>
-            <a:r>
-              <a:rPr kumimoji="0" lang="zh-CN" altLang="en-US" sz="5000" b="0" i="0" u="none" strike="noStrike" cap="none" spc="0" normalizeH="0" dirty="0" smtClean="0">
-                <a:ln>
-                  <a:noFill/>
-                </a:ln>
-                <a:solidFill>
-                  <a:srgbClr val="000000"/>
-                </a:solidFill>
-                <a:effectLst/>
-                <a:uFillTx/>
-                <a:latin typeface="+mn-lt"/>
-                <a:ea typeface="+mn-ea"/>
-                <a:cs typeface="+mn-cs"/>
-                <a:sym typeface="Helvetica Light"/>
-              </a:rPr>
-              <a:t> </a:t>
-            </a:r>
-            <a:r>
-              <a:rPr kumimoji="0" lang="en-US" altLang="zh-CN" sz="5000" b="0" i="0" u="none" strike="noStrike" cap="none" spc="0" normalizeH="0" dirty="0" smtClean="0">
-                <a:ln>
-                  <a:noFill/>
-                </a:ln>
-                <a:solidFill>
-                  <a:srgbClr val="000000"/>
-                </a:solidFill>
-                <a:effectLst/>
-                <a:uFillTx/>
-                <a:latin typeface="+mn-lt"/>
-                <a:ea typeface="+mn-ea"/>
-                <a:cs typeface="+mn-cs"/>
-                <a:sym typeface="Helvetica Light"/>
-              </a:rPr>
-              <a:t>7.0</a:t>
-            </a:r>
-            <a:endParaRPr kumimoji="0" lang="zh-CN" altLang="en-US" sz="5000" b="0" i="0" u="none" strike="noStrike" cap="none" spc="0" normalizeH="0" dirty="0" smtClean="0">
+              <a:rPr lang="en-US">
+                <a:ln>
+                  <a:noFill/>
+                </a:ln>
+                <a:solidFill>
+                  <a:srgbClr val="000000"/>
+                </a:solidFill>
+                <a:effectLst/>
+                <a:uFillTx/>
+                <a:sym typeface="Helvetica Light"/>
+              </a:rPr>
+              <a:t>1.</a:t>
+            </a:r>
+            <a:r>
+              <a:rPr lang="zh-CN" altLang="en-US">
+                <a:ln>
+                  <a:noFill/>
+                </a:ln>
+                <a:solidFill>
+                  <a:srgbClr val="000000"/>
+                </a:solidFill>
+                <a:effectLst/>
+                <a:uFillTx/>
+                <a:sym typeface="Helvetica Light"/>
+              </a:rPr>
+              <a:t>探测可执行文件类型</a:t>
+            </a:r>
+            <a:r>
+              <a:rPr lang="en-US" altLang="zh-CN">
+                <a:ln>
+                  <a:noFill/>
+                </a:ln>
+                <a:solidFill>
+                  <a:srgbClr val="000000"/>
+                </a:solidFill>
+                <a:effectLst/>
+                <a:uFillTx/>
+                <a:sym typeface="Helvetica Light"/>
+              </a:rPr>
+              <a:t>(file xxx)</a:t>
+            </a:r>
+            <a:endParaRPr lang="zh-CN" altLang="en-US">
               <a:ln>
                 <a:noFill/>
               </a:ln>
@@ -2789,119 +4346,54 @@
               </a:solidFill>
               <a:effectLst/>
               <a:uFillTx/>
-              <a:latin typeface="+mn-lt"/>
-              <a:ea typeface="+mn-ea"/>
-              <a:cs typeface="+mn-cs"/>
               <a:sym typeface="Helvetica Light"/>
             </a:endParaRPr>
           </a:p>
           <a:p>
-            <a:pPr algn="l" rtl="0" latinLnBrk="1" hangingPunct="0"/>
-            <a:r>
-              <a:rPr lang="en-US" dirty="0">
-                <a:solidFill>
-                  <a:srgbClr val="000000"/>
-                </a:solidFill>
-              </a:rPr>
-              <a:t>https://</a:t>
-            </a:r>
-            <a:r>
-              <a:rPr lang="en-US" dirty="0" err="1">
-                <a:solidFill>
-                  <a:srgbClr val="000000"/>
-                </a:solidFill>
-              </a:rPr>
-              <a:t>blog.csdn.net</a:t>
-            </a:r>
-            <a:r>
-              <a:rPr lang="en-US" dirty="0">
-                <a:solidFill>
-                  <a:srgbClr val="000000"/>
-                </a:solidFill>
-              </a:rPr>
-              <a:t>/hp910315/article/details/78060273</a:t>
-            </a:r>
-            <a:endParaRPr lang="en-US" dirty="0">
-              <a:solidFill>
-                <a:srgbClr val="000000"/>
-              </a:solidFill>
-            </a:endParaRPr>
-          </a:p>
-          <a:p>
-            <a:pPr algn="l" rtl="0" latinLnBrk="1" hangingPunct="0"/>
-            <a:r>
-              <a:rPr lang="en-US" dirty="0">
-                <a:solidFill>
-                  <a:srgbClr val="000000"/>
-                </a:solidFill>
-              </a:rPr>
-              <a:t>2.最简单的Hopper Disassembler玩转Mac逆向</a:t>
-            </a:r>
-            <a:endParaRPr lang="en-US" dirty="0">
-              <a:solidFill>
-                <a:srgbClr val="000000"/>
-              </a:solidFill>
-            </a:endParaRPr>
-          </a:p>
-          <a:p>
-            <a:pPr algn="l" rtl="0" latinLnBrk="1" hangingPunct="0"/>
-            <a:r>
-              <a:rPr lang="en-US" dirty="0">
-                <a:solidFill>
-                  <a:srgbClr val="000000"/>
-                </a:solidFill>
-              </a:rPr>
-              <a:t>https://www.jianshu.com/p/c04ac36c6641</a:t>
-            </a:r>
-            <a:endParaRPr lang="en-US" dirty="0">
-              <a:solidFill>
-                <a:srgbClr val="000000"/>
-              </a:solidFill>
-            </a:endParaRPr>
-          </a:p>
-          <a:p>
-            <a:pPr algn="l" rtl="0" latinLnBrk="1" hangingPunct="0"/>
-            <a:r>
-              <a:rPr lang="en-US" dirty="0">
-                <a:solidFill>
-                  <a:srgbClr val="000000"/>
-                </a:solidFill>
-              </a:rPr>
-              <a:t>3.class-dump</a:t>
-            </a:r>
-            <a:endParaRPr lang="en-US" dirty="0">
-              <a:solidFill>
-                <a:srgbClr val="000000"/>
-              </a:solidFill>
-            </a:endParaRPr>
-          </a:p>
-          <a:p>
-            <a:pPr algn="l" rtl="0" latinLnBrk="1" hangingPunct="0"/>
-            <a:r>
-              <a:rPr lang="en-US" dirty="0">
-                <a:solidFill>
-                  <a:srgbClr val="000000"/>
-                </a:solidFill>
-              </a:rPr>
-              <a:t>http://stevenygard.com/projects/class-dump/</a:t>
-            </a:r>
-            <a:endParaRPr lang="en-US" dirty="0">
-              <a:solidFill>
-                <a:srgbClr val="000000"/>
-              </a:solidFill>
-            </a:endParaRPr>
-          </a:p>
-          <a:p>
-            <a:pPr algn="l" rtl="0" latinLnBrk="1" hangingPunct="0"/>
-            <a:r>
-              <a:rPr lang="en-US" dirty="0">
-                <a:solidFill>
-                  <a:srgbClr val="000000"/>
-                </a:solidFill>
-              </a:rPr>
-              <a:t> </a:t>
-            </a:r>
-            <a:endParaRPr kumimoji="0" lang="en-US" sz="5000" b="0" i="0" u="none" strike="noStrike" cap="none" spc="0" normalizeH="0" baseline="0" dirty="0">
+            <a:pPr marL="0" marR="0" indent="0" algn="l" defTabSz="825500" rtl="0" fontAlgn="auto" latinLnBrk="1" hangingPunct="0">
+              <a:lnSpc>
+                <a:spcPct val="100000"/>
+              </a:lnSpc>
+              <a:spcBef>
+                <a:spcPts val="0"/>
+              </a:spcBef>
+              <a:spcAft>
+                <a:spcPts val="0"/>
+              </a:spcAft>
+              <a:buClrTx/>
+              <a:buSzTx/>
+              <a:buFontTx/>
+              <a:buNone/>
+            </a:pPr>
+            <a:r>
+              <a:rPr lang="en-US" altLang="zh-CN">
+                <a:ln>
+                  <a:noFill/>
+                </a:ln>
+                <a:solidFill>
+                  <a:srgbClr val="000000"/>
+                </a:solidFill>
+                <a:effectLst/>
+                <a:uFillTx/>
+                <a:sym typeface="Helvetica Light"/>
+              </a:rPr>
+              <a:t>	file </a:t>
+            </a:r>
+            <a:r>
+              <a:rPr lang="zh-CN" altLang="en-US">
+                <a:ln>
+                  <a:noFill/>
+                </a:ln>
+                <a:solidFill>
+                  <a:srgbClr val="000000"/>
+                </a:solidFill>
+                <a:effectLst/>
+                <a:uFillTx/>
+                <a:sym typeface="Helvetica Light"/>
+              </a:rPr>
+              <a:t>Payload/SmartCommunityForShushu.app/SmartCommunityForShushu</a:t>
+            </a:r>
+            <a:endParaRPr lang="en-US">
               <a:ln>
                 <a:noFill/>
               </a:ln>
@@ -2910,9 +4402,258 @@
               </a:solidFill>
               <a:effectLst/>
               <a:uFillTx/>
-              <a:latin typeface="+mn-lt"/>
-              <a:ea typeface="+mn-ea"/>
-              <a:cs typeface="+mn-cs"/>
+              <a:sym typeface="Helvetica Light"/>
+            </a:endParaRPr>
+          </a:p>
+          <a:p>
+            <a:pPr marL="0" marR="0" indent="0" algn="l" defTabSz="825500" rtl="0" fontAlgn="auto" latinLnBrk="1" hangingPunct="0">
+              <a:lnSpc>
+                <a:spcPct val="100000"/>
+              </a:lnSpc>
+              <a:spcBef>
+                <a:spcPts val="0"/>
+              </a:spcBef>
+              <a:spcAft>
+                <a:spcPts val="0"/>
+              </a:spcAft>
+              <a:buClrTx/>
+              <a:buSzTx/>
+              <a:buFontTx/>
+              <a:buNone/>
+            </a:pPr>
+            <a:endParaRPr lang="en-US" altLang="en-US">
+              <a:ln>
+                <a:noFill/>
+              </a:ln>
+              <a:solidFill>
+                <a:srgbClr val="000000"/>
+              </a:solidFill>
+              <a:effectLst/>
+              <a:uFillTx/>
+              <a:sym typeface="Helvetica Light"/>
+            </a:endParaRPr>
+          </a:p>
+          <a:p>
+            <a:pPr marL="0" marR="0" indent="0" algn="l" defTabSz="825500" rtl="0" fontAlgn="auto" latinLnBrk="1" hangingPunct="0">
+              <a:lnSpc>
+                <a:spcPct val="100000"/>
+              </a:lnSpc>
+              <a:spcBef>
+                <a:spcPts val="0"/>
+              </a:spcBef>
+              <a:spcAft>
+                <a:spcPts val="0"/>
+              </a:spcAft>
+              <a:buClrTx/>
+              <a:buSzTx/>
+              <a:buFontTx/>
+              <a:buNone/>
+            </a:pPr>
+            <a:r>
+              <a:rPr lang="en-US">
+                <a:ln>
+                  <a:noFill/>
+                </a:ln>
+                <a:solidFill>
+                  <a:srgbClr val="000000"/>
+                </a:solidFill>
+                <a:effectLst/>
+                <a:uFillTx/>
+                <a:sym typeface="Helvetica Light"/>
+              </a:rPr>
+              <a:t>2.</a:t>
+            </a:r>
+            <a:r>
+              <a:rPr lang="zh-CN" altLang="en-US">
+                <a:ln>
+                  <a:noFill/>
+                </a:ln>
+                <a:solidFill>
+                  <a:srgbClr val="000000"/>
+                </a:solidFill>
+                <a:effectLst/>
+                <a:uFillTx/>
+                <a:sym typeface="Helvetica Light"/>
+              </a:rPr>
+              <a:t>列出所有头文件 </a:t>
+            </a:r>
+            <a:r>
+              <a:rPr lang="en-US" altLang="zh-CN">
+                <a:ln>
+                  <a:noFill/>
+                </a:ln>
+                <a:solidFill>
+                  <a:srgbClr val="000000"/>
+                </a:solidFill>
+                <a:effectLst/>
+                <a:uFillTx/>
+                <a:sym typeface="Helvetica Light"/>
+              </a:rPr>
+              <a:t>(class-dump -H executefile -o outputdirectory)</a:t>
+            </a:r>
+            <a:endParaRPr lang="zh-CN" altLang="en-US">
+              <a:ln>
+                <a:noFill/>
+              </a:ln>
+              <a:solidFill>
+                <a:srgbClr val="000000"/>
+              </a:solidFill>
+              <a:effectLst/>
+              <a:uFillTx/>
+              <a:sym typeface="Helvetica Light"/>
+            </a:endParaRPr>
+          </a:p>
+          <a:p>
+            <a:pPr marL="0" marR="0" indent="0" algn="l" defTabSz="825500" rtl="0" fontAlgn="auto" latinLnBrk="1" hangingPunct="0">
+              <a:lnSpc>
+                <a:spcPct val="100000"/>
+              </a:lnSpc>
+              <a:spcBef>
+                <a:spcPts val="0"/>
+              </a:spcBef>
+              <a:spcAft>
+                <a:spcPts val="0"/>
+              </a:spcAft>
+              <a:buClrTx/>
+              <a:buSzTx/>
+              <a:buFontTx/>
+              <a:buNone/>
+            </a:pPr>
+            <a:r>
+              <a:rPr lang="en-US" altLang="zh-CN">
+                <a:ln>
+                  <a:noFill/>
+                </a:ln>
+                <a:solidFill>
+                  <a:srgbClr val="000000"/>
+                </a:solidFill>
+                <a:effectLst/>
+                <a:uFillTx/>
+                <a:sym typeface="Helvetica Light"/>
+              </a:rPr>
+              <a:t>	</a:t>
+            </a:r>
+            <a:r>
+              <a:rPr lang="zh-CN" altLang="en-US">
+                <a:ln>
+                  <a:noFill/>
+                </a:ln>
+                <a:solidFill>
+                  <a:srgbClr val="000000"/>
+                </a:solidFill>
+                <a:effectLst/>
+                <a:uFillTx/>
+                <a:sym typeface="Helvetica Light"/>
+              </a:rPr>
+              <a:t>./class-dump -H Payload/SmartCommunityForShushu.app/SmartCommunityForShushu -o SmartCommunityForShushuResult</a:t>
+            </a:r>
+            <a:endParaRPr lang="zh-CN" altLang="en-US">
+              <a:ln>
+                <a:noFill/>
+              </a:ln>
+              <a:solidFill>
+                <a:srgbClr val="000000"/>
+              </a:solidFill>
+              <a:effectLst/>
+              <a:uFillTx/>
+              <a:sym typeface="Helvetica Light"/>
+            </a:endParaRPr>
+          </a:p>
+          <a:p>
+            <a:pPr marL="0" marR="0" indent="0" algn="l" defTabSz="825500" rtl="0" fontAlgn="auto" latinLnBrk="1" hangingPunct="0">
+              <a:lnSpc>
+                <a:spcPct val="100000"/>
+              </a:lnSpc>
+              <a:spcBef>
+                <a:spcPts val="0"/>
+              </a:spcBef>
+              <a:spcAft>
+                <a:spcPts val="0"/>
+              </a:spcAft>
+              <a:buClrTx/>
+              <a:buSzTx/>
+              <a:buFontTx/>
+              <a:buNone/>
+            </a:pPr>
+            <a:endParaRPr lang="zh-CN" altLang="en-US">
+              <a:ln>
+                <a:noFill/>
+              </a:ln>
+              <a:solidFill>
+                <a:srgbClr val="000000"/>
+              </a:solidFill>
+              <a:effectLst/>
+              <a:uFillTx/>
+              <a:sym typeface="Helvetica Light"/>
+            </a:endParaRPr>
+          </a:p>
+          <a:p>
+            <a:pPr marL="0" marR="0" indent="0" algn="l" defTabSz="825500" rtl="0" fontAlgn="auto" latinLnBrk="1" hangingPunct="0">
+              <a:lnSpc>
+                <a:spcPct val="100000"/>
+              </a:lnSpc>
+              <a:spcBef>
+                <a:spcPts val="0"/>
+              </a:spcBef>
+              <a:spcAft>
+                <a:spcPts val="0"/>
+              </a:spcAft>
+              <a:buClrTx/>
+              <a:buSzTx/>
+              <a:buFontTx/>
+              <a:buNone/>
+            </a:pPr>
+            <a:r>
+              <a:rPr lang="en-US" altLang="zh-CN">
+                <a:ln>
+                  <a:noFill/>
+                </a:ln>
+                <a:solidFill>
+                  <a:srgbClr val="000000"/>
+                </a:solidFill>
+                <a:effectLst/>
+                <a:uFillTx/>
+                <a:sym typeface="Helvetica Light"/>
+              </a:rPr>
+              <a:t>3.</a:t>
+            </a:r>
+            <a:r>
+              <a:rPr lang="en-US" altLang="zh-CN" dirty="0" smtClean="0">
+                <a:ln>
+                  <a:noFill/>
+                </a:ln>
+                <a:solidFill>
+                  <a:srgbClr val="000000"/>
+                </a:solidFill>
+                <a:effectLst/>
+                <a:uFillTx/>
+                <a:sym typeface="Helvetica Light"/>
+              </a:rPr>
+              <a:t>Hopper-Disassembler</a:t>
+            </a:r>
+            <a:r>
+              <a:rPr lang="zh-CN" altLang="en-US" dirty="0" smtClean="0">
+                <a:ln>
+                  <a:noFill/>
+                </a:ln>
+                <a:solidFill>
+                  <a:srgbClr val="000000"/>
+                </a:solidFill>
+                <a:effectLst/>
+                <a:uFillTx/>
+                <a:sym typeface="Helvetica Light"/>
+              </a:rPr>
+              <a:t>分析二进制文件</a:t>
+            </a:r>
+            <a:endParaRPr lang="zh-CN" altLang="en-US" dirty="0" smtClean="0">
+              <a:ln>
+                <a:noFill/>
+              </a:ln>
+              <a:solidFill>
+                <a:srgbClr val="000000"/>
+              </a:solidFill>
+              <a:effectLst/>
+              <a:uFillTx/>
               <a:sym typeface="Helvetica Light"/>
             </a:endParaRPr>
           </a:p>
@@ -2967,6 +4708,1153 @@
           <a:lstStyle/>
           <a:p>
             <a:r>
+              <a:rPr kumimoji="1" dirty="0" smtClean="0"/>
+              <a:t>重签名</a:t>
+            </a:r>
+            <a:endParaRPr kumimoji="1" dirty="0" smtClean="0"/>
+          </a:p>
+        </p:txBody>
+      </p:sp>
+      <p:sp>
+        <p:nvSpPr>
+          <p:cNvPr id="3" name="文本占位符 2"/>
+          <p:cNvSpPr>
+            <a:spLocks noGrp="1"/>
+          </p:cNvSpPr>
+          <p:nvPr>
+            <p:ph type="body" sz="quarter" idx="10"/>
+          </p:nvPr>
+        </p:nvSpPr>
+        <p:spPr/>
+        <p:txBody>
+          <a:bodyPr/>
+          <a:lstStyle/>
+          <a:p>
+            <a:r>
+              <a:rPr kumimoji="1" lang="en-US" altLang="zh-CN" dirty="0"/>
+              <a:t>02</a:t>
+            </a:r>
+            <a:endParaRPr kumimoji="1" lang="en-US" altLang="zh-CN" dirty="0"/>
+          </a:p>
+        </p:txBody>
+      </p:sp>
+      <p:sp>
+        <p:nvSpPr>
+          <p:cNvPr id="4" name="文本占位符 3"/>
+          <p:cNvSpPr>
+            <a:spLocks noGrp="1"/>
+          </p:cNvSpPr>
+          <p:nvPr>
+            <p:ph type="body" sz="quarter" idx="11"/>
+          </p:nvPr>
+        </p:nvSpPr>
+        <p:spPr/>
+        <p:txBody>
+          <a:bodyPr/>
+          <a:lstStyle/>
+          <a:p>
+            <a:endParaRPr kumimoji="1" lang="zh-CN" altLang="en-US"/>
+          </a:p>
+        </p:txBody>
+      </p:sp>
+      <p:sp>
+        <p:nvSpPr>
+          <p:cNvPr id="9" name="Text Box 8"/>
+          <p:cNvSpPr txBox="1"/>
+          <p:nvPr/>
+        </p:nvSpPr>
+        <p:spPr>
+          <a:xfrm>
+            <a:off x="2756535" y="2608580"/>
+            <a:ext cx="19599275" cy="3179445"/>
+          </a:xfrm>
+          <a:prstGeom prst="rect">
+            <a:avLst/>
+          </a:prstGeom>
+          <a:noFill/>
+          <a:ln w="12700" cap="flat">
+            <a:noFill/>
+            <a:miter lim="400000"/>
+          </a:ln>
+        </p:spPr>
+        <p:style>
+          <a:lnRef idx="0">
+            <a:scrgbClr r="0" g="0" b="0"/>
+          </a:lnRef>
+          <a:fillRef idx="0">
+            <a:scrgbClr r="0" g="0" b="0"/>
+          </a:fillRef>
+          <a:effectRef idx="0">
+            <a:scrgbClr r="0" g="0" b="0"/>
+          </a:effectRef>
+          <a:fontRef idx="none"/>
+        </p:style>
+        <p:txBody>
+          <a:bodyPr rot="0" vertOverflow="overflow" horzOverflow="overflow" vert="horz" wrap="square" lIns="50800" tIns="50800" rIns="50800" bIns="50800" numCol="1" spcCol="38100" rtlCol="0" anchor="t" anchorCtr="0" forceAA="0">
+            <a:spAutoFit/>
+          </a:bodyPr>
+          <a:p>
+            <a:pPr marL="0" marR="0" indent="0" algn="l" defTabSz="825500" rtl="0" fontAlgn="auto" latinLnBrk="1" hangingPunct="0">
+              <a:lnSpc>
+                <a:spcPct val="100000"/>
+              </a:lnSpc>
+              <a:spcBef>
+                <a:spcPts val="0"/>
+              </a:spcBef>
+              <a:spcAft>
+                <a:spcPts val="0"/>
+              </a:spcAft>
+              <a:buClrTx/>
+              <a:buSzTx/>
+              <a:buFontTx/>
+              <a:buNone/>
+            </a:pPr>
+            <a:r>
+              <a:rPr lang="en-US" altLang="zh-CN">
+                <a:ln>
+                  <a:noFill/>
+                </a:ln>
+                <a:solidFill>
+                  <a:srgbClr val="000000"/>
+                </a:solidFill>
+                <a:effectLst/>
+                <a:uFillTx/>
+                <a:sym typeface="Helvetica Light"/>
+              </a:rPr>
+              <a:t>1.</a:t>
+            </a:r>
+            <a:r>
+              <a:rPr lang="zh-CN" altLang="en-US">
+                <a:ln>
+                  <a:noFill/>
+                </a:ln>
+                <a:solidFill>
+                  <a:srgbClr val="000000"/>
+                </a:solidFill>
+                <a:effectLst/>
+                <a:uFillTx/>
+                <a:sym typeface="Helvetica Light"/>
+              </a:rPr>
+              <a:t>重签名工具</a:t>
+            </a:r>
+            <a:endParaRPr lang="zh-CN" altLang="en-US">
+              <a:ln>
+                <a:noFill/>
+              </a:ln>
+              <a:solidFill>
+                <a:srgbClr val="000000"/>
+              </a:solidFill>
+              <a:effectLst/>
+              <a:uFillTx/>
+              <a:sym typeface="Helvetica Light"/>
+            </a:endParaRPr>
+          </a:p>
+          <a:p>
+            <a:pPr marL="0" marR="0" indent="0" algn="l" defTabSz="825500" rtl="0" fontAlgn="auto" latinLnBrk="1" hangingPunct="0">
+              <a:lnSpc>
+                <a:spcPct val="100000"/>
+              </a:lnSpc>
+              <a:spcBef>
+                <a:spcPts val="0"/>
+              </a:spcBef>
+              <a:spcAft>
+                <a:spcPts val="0"/>
+              </a:spcAft>
+              <a:buClrTx/>
+              <a:buSzTx/>
+              <a:buFontTx/>
+              <a:buNone/>
+            </a:pPr>
+            <a:r>
+              <a:rPr lang="en-US" altLang="zh-CN">
+                <a:ln>
+                  <a:noFill/>
+                </a:ln>
+                <a:solidFill>
+                  <a:srgbClr val="000000"/>
+                </a:solidFill>
+                <a:effectLst/>
+                <a:uFillTx/>
+                <a:sym typeface="Helvetica Light"/>
+              </a:rPr>
+              <a:t>	</a:t>
+            </a:r>
+            <a:r>
+              <a:rPr lang="en-US">
+                <a:ln>
+                  <a:noFill/>
+                </a:ln>
+                <a:solidFill>
+                  <a:srgbClr val="000000"/>
+                </a:solidFill>
+                <a:effectLst/>
+                <a:uFillTx/>
+                <a:sym typeface="Helvetica Light"/>
+              </a:rPr>
+              <a:t>resignTool</a:t>
+            </a:r>
+            <a:endParaRPr lang="en-US">
+              <a:ln>
+                <a:noFill/>
+              </a:ln>
+              <a:solidFill>
+                <a:srgbClr val="000000"/>
+              </a:solidFill>
+              <a:effectLst/>
+              <a:uFillTx/>
+              <a:sym typeface="Helvetica Light"/>
+            </a:endParaRPr>
+          </a:p>
+          <a:p>
+            <a:pPr marL="0" marR="0" indent="0" algn="l" defTabSz="825500" rtl="0" fontAlgn="auto" latinLnBrk="1" hangingPunct="0">
+              <a:lnSpc>
+                <a:spcPct val="100000"/>
+              </a:lnSpc>
+              <a:spcBef>
+                <a:spcPts val="0"/>
+              </a:spcBef>
+              <a:spcAft>
+                <a:spcPts val="0"/>
+              </a:spcAft>
+              <a:buClrTx/>
+              <a:buSzTx/>
+              <a:buFontTx/>
+              <a:buNone/>
+            </a:pPr>
+            <a:endParaRPr kumimoji="0" lang="en-US" sz="5000" b="0" i="0" u="none" strike="noStrike" cap="none" spc="0" normalizeH="0" baseline="0">
+              <a:ln>
+                <a:noFill/>
+              </a:ln>
+              <a:solidFill>
+                <a:srgbClr val="000000"/>
+              </a:solidFill>
+              <a:effectLst/>
+              <a:uFillTx/>
+              <a:latin typeface="+mn-lt"/>
+              <a:ea typeface="+mn-ea"/>
+              <a:cs typeface="+mn-cs"/>
+              <a:sym typeface="Helvetica Light"/>
+            </a:endParaRPr>
+          </a:p>
+          <a:p>
+            <a:pPr marL="0" marR="0" indent="0" algn="l" defTabSz="825500" rtl="0" fontAlgn="auto" latinLnBrk="1" hangingPunct="0">
+              <a:lnSpc>
+                <a:spcPct val="100000"/>
+              </a:lnSpc>
+              <a:spcBef>
+                <a:spcPts val="0"/>
+              </a:spcBef>
+              <a:spcAft>
+                <a:spcPts val="0"/>
+              </a:spcAft>
+              <a:buClrTx/>
+              <a:buSzTx/>
+              <a:buFontTx/>
+              <a:buNone/>
+            </a:pPr>
+            <a:r>
+              <a:rPr kumimoji="0" lang="en-US" sz="5000" b="0" i="0" u="none" strike="noStrike" cap="none" spc="0" normalizeH="0" baseline="0">
+                <a:ln>
+                  <a:noFill/>
+                </a:ln>
+                <a:solidFill>
+                  <a:srgbClr val="000000"/>
+                </a:solidFill>
+                <a:effectLst/>
+                <a:uFillTx/>
+                <a:latin typeface="+mn-lt"/>
+                <a:ea typeface="+mn-ea"/>
+                <a:cs typeface="+mn-cs"/>
+                <a:sym typeface="Helvetica Light"/>
+              </a:rPr>
+              <a:t>2.</a:t>
+            </a:r>
+            <a:endParaRPr kumimoji="0" lang="en-US" sz="5000" b="0" i="0" u="none" strike="noStrike" cap="none" spc="0" normalizeH="0" baseline="0">
+              <a:ln>
+                <a:noFill/>
+              </a:ln>
+              <a:solidFill>
+                <a:srgbClr val="000000"/>
+              </a:solidFill>
+              <a:effectLst/>
+              <a:uFillTx/>
+              <a:latin typeface="+mn-lt"/>
+              <a:ea typeface="+mn-ea"/>
+              <a:cs typeface="+mn-cs"/>
+              <a:sym typeface="Helvetica Light"/>
+            </a:endParaRPr>
+          </a:p>
+        </p:txBody>
+      </p:sp>
+    </p:spTree>
+  </p:cSld>
+  <p:clrMapOvr>
+    <a:masterClrMapping/>
+  </p:clrMapOvr>
+  <p:transition spd="med"/>
+  <p:timing>
+    <p:tnLst>
+      <p:par>
+        <p:cTn id="1" dur="indefinite" restart="never" nodeType="tmRoot"/>
+      </p:par>
+    </p:tnLst>
+  </p:timing>
+</p:sld>
+</file>
+
+<file path=ppt/slides/slide7.xml><?xml version="1.0" encoding="utf-8"?>
+<p:sld xmlns:a="http://schemas.openxmlformats.org/drawingml/2006/main" xmlns:r="http://schemas.openxmlformats.org/officeDocument/2006/relationships" xmlns:p="http://schemas.openxmlformats.org/presentationml/2006/main">
+  <p:cSld>
+    <p:spTree>
+      <p:nvGrpSpPr>
+        <p:cNvPr id="1" name=""/>
+        <p:cNvGrpSpPr/>
+        <p:nvPr/>
+      </p:nvGrpSpPr>
+      <p:grpSpPr>
+        <a:xfrm>
+          <a:off x="0" y="0"/>
+          <a:ext cx="0" cy="0"/>
+          <a:chOff x="0" y="0"/>
+          <a:chExt cx="0" cy="0"/>
+        </a:xfrm>
+      </p:grpSpPr>
+      <p:sp>
+        <p:nvSpPr>
+          <p:cNvPr id="2" name="标题 1"/>
+          <p:cNvSpPr>
+            <a:spLocks noGrp="1"/>
+          </p:cNvSpPr>
+          <p:nvPr>
+            <p:ph type="title"/>
+          </p:nvPr>
+        </p:nvSpPr>
+        <p:spPr/>
+        <p:txBody>
+          <a:bodyPr/>
+          <a:lstStyle/>
+          <a:p>
+            <a:r>
+              <a:rPr kumimoji="1" lang="zh-CN" altLang="en-US" dirty="0" smtClean="0"/>
+              <a:t>相关资源</a:t>
+            </a:r>
+            <a:endParaRPr kumimoji="1" lang="zh-CN" altLang="en-US" dirty="0"/>
+          </a:p>
+        </p:txBody>
+      </p:sp>
+      <p:sp>
+        <p:nvSpPr>
+          <p:cNvPr id="3" name="文本占位符 2"/>
+          <p:cNvSpPr>
+            <a:spLocks noGrp="1"/>
+          </p:cNvSpPr>
+          <p:nvPr>
+            <p:ph type="body" sz="quarter" idx="10"/>
+          </p:nvPr>
+        </p:nvSpPr>
+        <p:spPr/>
+        <p:txBody>
+          <a:bodyPr/>
+          <a:lstStyle/>
+          <a:p>
+            <a:endParaRPr kumimoji="1" lang="zh-CN" altLang="en-US" dirty="0"/>
+          </a:p>
+        </p:txBody>
+      </p:sp>
+      <p:sp>
+        <p:nvSpPr>
+          <p:cNvPr id="4" name="文本占位符 3"/>
+          <p:cNvSpPr>
+            <a:spLocks noGrp="1"/>
+          </p:cNvSpPr>
+          <p:nvPr>
+            <p:ph type="body" sz="quarter" idx="11"/>
+          </p:nvPr>
+        </p:nvSpPr>
+        <p:spPr/>
+        <p:txBody>
+          <a:bodyPr/>
+          <a:lstStyle/>
+          <a:p>
+            <a:endParaRPr kumimoji="1" lang="zh-CN" altLang="en-US"/>
+          </a:p>
+        </p:txBody>
+      </p:sp>
+      <p:sp>
+        <p:nvSpPr>
+          <p:cNvPr id="5" name="TextBox 4"/>
+          <p:cNvSpPr txBox="1"/>
+          <p:nvPr/>
+        </p:nvSpPr>
+        <p:spPr>
+          <a:xfrm>
+            <a:off x="2427129" y="2498884"/>
+            <a:ext cx="16090106" cy="13951585"/>
+          </a:xfrm>
+          <a:prstGeom prst="rect">
+            <a:avLst/>
+          </a:prstGeom>
+          <a:noFill/>
+          <a:ln w="12700" cap="flat">
+            <a:noFill/>
+            <a:miter lim="400000"/>
+          </a:ln>
+          <a:effectLst/>
+        </p:spPr>
+        <p:style>
+          <a:lnRef idx="0">
+            <a:scrgbClr r="0" g="0" b="0"/>
+          </a:lnRef>
+          <a:fillRef idx="0">
+            <a:scrgbClr r="0" g="0" b="0"/>
+          </a:fillRef>
+          <a:effectRef idx="0">
+            <a:scrgbClr r="0" g="0" b="0"/>
+          </a:effectRef>
+          <a:fontRef idx="none"/>
+        </p:style>
+        <p:txBody>
+          <a:bodyPr rot="0" spcFirstLastPara="1" vertOverflow="overflow" horzOverflow="overflow" vert="horz" wrap="square" lIns="50800" tIns="50800" rIns="50800" bIns="50800" numCol="1" spcCol="38100" rtlCol="0" anchor="t" anchorCtr="0">
+            <a:spAutoFit/>
+          </a:bodyPr>
+          <a:lstStyle/>
+          <a:p>
+            <a:pPr marL="0" marR="0" indent="0" algn="l" defTabSz="825500" rtl="0" fontAlgn="auto" latinLnBrk="1" hangingPunct="0">
+              <a:lnSpc>
+                <a:spcPct val="100000"/>
+              </a:lnSpc>
+              <a:spcBef>
+                <a:spcPts val="0"/>
+              </a:spcBef>
+              <a:spcAft>
+                <a:spcPts val="0"/>
+              </a:spcAft>
+              <a:buClrTx/>
+              <a:buSzTx/>
+              <a:buFontTx/>
+              <a:buNone/>
+            </a:pPr>
+            <a:r>
+              <a:rPr kumimoji="0" lang="en-US" altLang="zh-CN" sz="5000" b="0" i="0" u="none" strike="noStrike" cap="none" spc="0" normalizeH="0" baseline="0" dirty="0" smtClean="0">
+                <a:ln>
+                  <a:noFill/>
+                </a:ln>
+                <a:solidFill>
+                  <a:srgbClr val="000000"/>
+                </a:solidFill>
+                <a:effectLst/>
+                <a:uFillTx/>
+                <a:latin typeface="+mn-lt"/>
+                <a:ea typeface="+mn-ea"/>
+                <a:cs typeface="+mn-cs"/>
+                <a:sym typeface="Helvetica Light"/>
+              </a:rPr>
+              <a:t>1.cartool</a:t>
+            </a:r>
+            <a:r>
+              <a:rPr kumimoji="0" lang="zh-CN" altLang="en-US" sz="5000" b="0" i="0" u="none" strike="noStrike" cap="none" spc="0" normalizeH="0" baseline="0" dirty="0" smtClean="0">
+                <a:ln>
+                  <a:noFill/>
+                </a:ln>
+                <a:solidFill>
+                  <a:srgbClr val="000000"/>
+                </a:solidFill>
+                <a:effectLst/>
+                <a:uFillTx/>
+                <a:latin typeface="+mn-lt"/>
+                <a:ea typeface="+mn-ea"/>
+                <a:cs typeface="+mn-cs"/>
+                <a:sym typeface="Helvetica Light"/>
+              </a:rPr>
+              <a:t>工具</a:t>
+            </a:r>
+            <a:endParaRPr kumimoji="0" lang="en-US" altLang="zh-CN" sz="5000" b="0" i="0" u="none" strike="noStrike" cap="none" spc="0" normalizeH="0" baseline="0" dirty="0" smtClean="0">
+              <a:ln>
+                <a:noFill/>
+              </a:ln>
+              <a:solidFill>
+                <a:srgbClr val="000000"/>
+              </a:solidFill>
+              <a:effectLst/>
+              <a:uFillTx/>
+              <a:latin typeface="+mn-lt"/>
+              <a:ea typeface="+mn-ea"/>
+              <a:cs typeface="+mn-cs"/>
+              <a:sym typeface="Helvetica Light"/>
+            </a:endParaRPr>
+          </a:p>
+          <a:p>
+            <a:pPr marL="0" marR="0" indent="0" algn="l" defTabSz="825500" rtl="0" fontAlgn="auto" latinLnBrk="1" hangingPunct="0">
+              <a:lnSpc>
+                <a:spcPct val="100000"/>
+              </a:lnSpc>
+              <a:spcBef>
+                <a:spcPts val="0"/>
+              </a:spcBef>
+              <a:spcAft>
+                <a:spcPts val="0"/>
+              </a:spcAft>
+              <a:buClrTx/>
+              <a:buSzTx/>
+              <a:buFontTx/>
+              <a:buNone/>
+            </a:pPr>
+            <a:r>
+              <a:rPr kumimoji="0" lang="en-US" altLang="zh-CN" sz="5000" b="0" i="0" u="none" strike="noStrike" cap="none" spc="0" normalizeH="0" baseline="0" dirty="0" smtClean="0">
+                <a:ln>
+                  <a:noFill/>
+                </a:ln>
+                <a:solidFill>
+                  <a:srgbClr val="000000"/>
+                </a:solidFill>
+                <a:effectLst/>
+                <a:uFillTx/>
+                <a:latin typeface="+mn-lt"/>
+                <a:ea typeface="+mn-ea"/>
+                <a:cs typeface="+mn-cs"/>
+                <a:sym typeface="Helvetica Light"/>
+              </a:rPr>
+              <a:t>https://github.com/steventroughtonsmith/cartool</a:t>
+            </a:r>
+            <a:endParaRPr kumimoji="0" lang="en-US" altLang="zh-CN" sz="5000" b="0" i="0" u="none" strike="noStrike" cap="none" spc="0" normalizeH="0" baseline="0" dirty="0" smtClean="0">
+              <a:ln>
+                <a:noFill/>
+              </a:ln>
+              <a:solidFill>
+                <a:srgbClr val="000000"/>
+              </a:solidFill>
+              <a:effectLst/>
+              <a:uFillTx/>
+              <a:latin typeface="+mn-lt"/>
+              <a:ea typeface="+mn-ea"/>
+              <a:cs typeface="+mn-cs"/>
+              <a:sym typeface="Helvetica Light"/>
+            </a:endParaRPr>
+          </a:p>
+          <a:p>
+            <a:pPr marL="0" marR="0" indent="0" algn="l" defTabSz="825500" rtl="0" fontAlgn="auto" latinLnBrk="1" hangingPunct="0">
+              <a:lnSpc>
+                <a:spcPct val="100000"/>
+              </a:lnSpc>
+              <a:spcBef>
+                <a:spcPts val="0"/>
+              </a:spcBef>
+              <a:spcAft>
+                <a:spcPts val="0"/>
+              </a:spcAft>
+              <a:buClrTx/>
+              <a:buSzTx/>
+              <a:buFontTx/>
+              <a:buNone/>
+            </a:pPr>
+            <a:r>
+              <a:rPr kumimoji="0" lang="en-US" altLang="zh-CN" sz="5000" b="0" i="0" u="none" strike="noStrike" cap="none" spc="0" normalizeH="0" baseline="0" dirty="0" smtClean="0">
+                <a:ln>
+                  <a:noFill/>
+                </a:ln>
+                <a:solidFill>
+                  <a:srgbClr val="000000"/>
+                </a:solidFill>
+                <a:effectLst/>
+                <a:uFillTx/>
+                <a:latin typeface="+mn-lt"/>
+                <a:ea typeface="+mn-ea"/>
+                <a:cs typeface="+mn-cs"/>
+                <a:sym typeface="Helvetica Light"/>
+              </a:rPr>
+              <a:t>2.fir-cli</a:t>
+            </a:r>
+            <a:endParaRPr kumimoji="0" lang="en-US" altLang="zh-CN" sz="5000" b="0" i="0" u="none" strike="noStrike" cap="none" spc="0" normalizeH="0" baseline="0" dirty="0" smtClean="0">
+              <a:ln>
+                <a:noFill/>
+              </a:ln>
+              <a:solidFill>
+                <a:srgbClr val="000000"/>
+              </a:solidFill>
+              <a:effectLst/>
+              <a:uFillTx/>
+              <a:latin typeface="+mn-lt"/>
+              <a:ea typeface="+mn-ea"/>
+              <a:cs typeface="+mn-cs"/>
+              <a:sym typeface="Helvetica Light"/>
+            </a:endParaRPr>
+          </a:p>
+          <a:p>
+            <a:pPr marL="0" marR="0" indent="0" algn="l" defTabSz="825500" rtl="0" fontAlgn="auto" latinLnBrk="1" hangingPunct="0">
+              <a:lnSpc>
+                <a:spcPct val="100000"/>
+              </a:lnSpc>
+              <a:spcBef>
+                <a:spcPts val="0"/>
+              </a:spcBef>
+              <a:spcAft>
+                <a:spcPts val="0"/>
+              </a:spcAft>
+              <a:buClrTx/>
+              <a:buSzTx/>
+              <a:buFontTx/>
+              <a:buNone/>
+            </a:pPr>
+            <a:r>
+              <a:rPr kumimoji="0" lang="en-US" altLang="zh-CN" sz="5000" b="0" i="0" u="none" strike="noStrike" cap="none" spc="0" normalizeH="0" baseline="0" dirty="0" smtClean="0">
+                <a:ln>
+                  <a:noFill/>
+                </a:ln>
+                <a:solidFill>
+                  <a:srgbClr val="000000"/>
+                </a:solidFill>
+                <a:effectLst/>
+                <a:uFillTx/>
+                <a:latin typeface="+mn-lt"/>
+                <a:ea typeface="+mn-ea"/>
+                <a:cs typeface="+mn-cs"/>
+                <a:sym typeface="Helvetica Light"/>
+              </a:rPr>
+              <a:t>https://github.com/FIRHQ/fir-cli</a:t>
+            </a:r>
+            <a:endParaRPr kumimoji="0" lang="en-US" altLang="zh-CN" sz="5000" b="0" i="0" u="none" strike="noStrike" cap="none" spc="0" normalizeH="0" baseline="0" dirty="0" smtClean="0">
+              <a:ln>
+                <a:noFill/>
+              </a:ln>
+              <a:solidFill>
+                <a:srgbClr val="000000"/>
+              </a:solidFill>
+              <a:effectLst/>
+              <a:uFillTx/>
+              <a:latin typeface="+mn-lt"/>
+              <a:ea typeface="+mn-ea"/>
+              <a:cs typeface="+mn-cs"/>
+              <a:sym typeface="Helvetica Light"/>
+            </a:endParaRPr>
+          </a:p>
+          <a:p>
+            <a:pPr marL="0" marR="0" indent="0" algn="l" defTabSz="825500" rtl="0" fontAlgn="auto" latinLnBrk="1" hangingPunct="0">
+              <a:lnSpc>
+                <a:spcPct val="100000"/>
+              </a:lnSpc>
+              <a:spcBef>
+                <a:spcPts val="0"/>
+              </a:spcBef>
+              <a:spcAft>
+                <a:spcPts val="0"/>
+              </a:spcAft>
+              <a:buClrTx/>
+              <a:buSzTx/>
+              <a:buFontTx/>
+              <a:buNone/>
+            </a:pPr>
+            <a:r>
+              <a:rPr kumimoji="0" lang="en-US" altLang="zh-CN" sz="5000" b="0" i="0" u="none" strike="noStrike" cap="none" spc="0" normalizeH="0" baseline="0" dirty="0" smtClean="0">
+                <a:ln>
+                  <a:noFill/>
+                </a:ln>
+                <a:solidFill>
+                  <a:srgbClr val="000000"/>
+                </a:solidFill>
+                <a:effectLst/>
+                <a:uFillTx/>
+                <a:latin typeface="+mn-lt"/>
+                <a:ea typeface="+mn-ea"/>
+                <a:cs typeface="+mn-cs"/>
+                <a:sym typeface="Helvetica Light"/>
+              </a:rPr>
+              <a:t>3.class-dump</a:t>
+            </a:r>
+            <a:endParaRPr kumimoji="0" lang="en-US" altLang="zh-CN" sz="5000" b="0" i="0" u="none" strike="noStrike" cap="none" spc="0" normalizeH="0" baseline="0" dirty="0" smtClean="0">
+              <a:ln>
+                <a:noFill/>
+              </a:ln>
+              <a:solidFill>
+                <a:srgbClr val="000000"/>
+              </a:solidFill>
+              <a:effectLst/>
+              <a:uFillTx/>
+              <a:latin typeface="+mn-lt"/>
+              <a:ea typeface="+mn-ea"/>
+              <a:cs typeface="+mn-cs"/>
+              <a:sym typeface="Helvetica Light"/>
+            </a:endParaRPr>
+          </a:p>
+          <a:p>
+            <a:pPr marL="0" marR="0" indent="0" algn="l" defTabSz="825500" rtl="0" fontAlgn="auto" latinLnBrk="1" hangingPunct="0">
+              <a:lnSpc>
+                <a:spcPct val="100000"/>
+              </a:lnSpc>
+              <a:spcBef>
+                <a:spcPts val="0"/>
+              </a:spcBef>
+              <a:spcAft>
+                <a:spcPts val="0"/>
+              </a:spcAft>
+              <a:buClrTx/>
+              <a:buSzTx/>
+              <a:buFontTx/>
+              <a:buNone/>
+            </a:pPr>
+            <a:r>
+              <a:rPr kumimoji="0" lang="en-US" altLang="zh-CN" sz="5000" b="0" i="0" u="none" strike="noStrike" cap="none" spc="0" normalizeH="0" baseline="0" dirty="0" smtClean="0">
+                <a:ln>
+                  <a:noFill/>
+                </a:ln>
+                <a:solidFill>
+                  <a:srgbClr val="000000"/>
+                </a:solidFill>
+                <a:effectLst/>
+                <a:uFillTx/>
+                <a:latin typeface="+mn-lt"/>
+                <a:ea typeface="+mn-ea"/>
+                <a:cs typeface="+mn-cs"/>
+                <a:sym typeface="Helvetica Light"/>
+              </a:rPr>
+              <a:t>http://stevenygard.com/projects/class-dump/</a:t>
+            </a:r>
+            <a:endParaRPr kumimoji="0" lang="en-US" altLang="zh-CN" sz="5000" b="0" i="0" u="none" strike="noStrike" cap="none" spc="0" normalizeH="0" baseline="0" dirty="0" smtClean="0">
+              <a:ln>
+                <a:noFill/>
+              </a:ln>
+              <a:solidFill>
+                <a:srgbClr val="000000"/>
+              </a:solidFill>
+              <a:effectLst/>
+              <a:uFillTx/>
+              <a:latin typeface="+mn-lt"/>
+              <a:ea typeface="+mn-ea"/>
+              <a:cs typeface="+mn-cs"/>
+              <a:sym typeface="Helvetica Light"/>
+            </a:endParaRPr>
+          </a:p>
+          <a:p>
+            <a:pPr marL="0" marR="0" indent="0" algn="l" defTabSz="825500" rtl="0" fontAlgn="auto" latinLnBrk="1" hangingPunct="0">
+              <a:lnSpc>
+                <a:spcPct val="100000"/>
+              </a:lnSpc>
+              <a:spcBef>
+                <a:spcPts val="0"/>
+              </a:spcBef>
+              <a:spcAft>
+                <a:spcPts val="0"/>
+              </a:spcAft>
+              <a:buClrTx/>
+              <a:buSzTx/>
+              <a:buFontTx/>
+              <a:buNone/>
+            </a:pPr>
+            <a:r>
+              <a:rPr kumimoji="0" lang="en-US" altLang="zh-CN" sz="5000" b="0" i="0" u="none" strike="noStrike" cap="none" spc="0" normalizeH="0" baseline="0" dirty="0" smtClean="0">
+                <a:ln>
+                  <a:noFill/>
+                </a:ln>
+                <a:solidFill>
+                  <a:srgbClr val="000000"/>
+                </a:solidFill>
+                <a:effectLst/>
+                <a:uFillTx/>
+                <a:latin typeface="+mn-lt"/>
+                <a:ea typeface="+mn-ea"/>
+                <a:cs typeface="+mn-cs"/>
+                <a:sym typeface="Helvetica Light"/>
+              </a:rPr>
+              <a:t>4.Hopper-Disassembler</a:t>
+            </a:r>
+            <a:endParaRPr kumimoji="0" lang="en-US" altLang="zh-CN" sz="5000" b="0" i="0" u="none" strike="noStrike" cap="none" spc="0" normalizeH="0" baseline="0" dirty="0" smtClean="0">
+              <a:ln>
+                <a:noFill/>
+              </a:ln>
+              <a:solidFill>
+                <a:srgbClr val="000000"/>
+              </a:solidFill>
+              <a:effectLst/>
+              <a:uFillTx/>
+              <a:latin typeface="+mn-lt"/>
+              <a:ea typeface="+mn-ea"/>
+              <a:cs typeface="+mn-cs"/>
+              <a:sym typeface="Helvetica Light"/>
+            </a:endParaRPr>
+          </a:p>
+          <a:p>
+            <a:pPr marL="0" marR="0" indent="0" algn="l" defTabSz="825500" rtl="0" fontAlgn="auto" latinLnBrk="1" hangingPunct="0">
+              <a:lnSpc>
+                <a:spcPct val="100000"/>
+              </a:lnSpc>
+              <a:spcBef>
+                <a:spcPts val="0"/>
+              </a:spcBef>
+              <a:spcAft>
+                <a:spcPts val="0"/>
+              </a:spcAft>
+              <a:buClrTx/>
+              <a:buSzTx/>
+              <a:buFontTx/>
+              <a:buNone/>
+            </a:pPr>
+            <a:r>
+              <a:rPr kumimoji="0" lang="en-US" altLang="zh-CN" sz="5000" b="0" i="0" u="none" strike="noStrike" cap="none" spc="0" normalizeH="0" baseline="0" dirty="0" smtClean="0">
+                <a:ln>
+                  <a:noFill/>
+                </a:ln>
+                <a:solidFill>
+                  <a:srgbClr val="000000"/>
+                </a:solidFill>
+                <a:effectLst/>
+                <a:uFillTx/>
+                <a:latin typeface="+mn-lt"/>
+                <a:ea typeface="+mn-ea"/>
+                <a:cs typeface="+mn-cs"/>
+                <a:sym typeface="Helvetica Light"/>
+              </a:rPr>
+              <a:t>https://download.csdn.net/download/qq_39468584/10770490</a:t>
+            </a:r>
+            <a:endParaRPr kumimoji="0" lang="en-US" altLang="zh-CN" sz="5000" b="0" i="0" u="none" strike="noStrike" cap="none" spc="0" normalizeH="0" baseline="0" dirty="0" smtClean="0">
+              <a:ln>
+                <a:noFill/>
+              </a:ln>
+              <a:solidFill>
+                <a:srgbClr val="000000"/>
+              </a:solidFill>
+              <a:effectLst/>
+              <a:uFillTx/>
+              <a:latin typeface="+mn-lt"/>
+              <a:ea typeface="+mn-ea"/>
+              <a:cs typeface="+mn-cs"/>
+              <a:sym typeface="Helvetica Light"/>
+            </a:endParaRPr>
+          </a:p>
+          <a:p>
+            <a:pPr marL="0" marR="0" indent="0" algn="l" defTabSz="825500" rtl="0" fontAlgn="auto" latinLnBrk="1" hangingPunct="0">
+              <a:lnSpc>
+                <a:spcPct val="100000"/>
+              </a:lnSpc>
+              <a:spcBef>
+                <a:spcPts val="0"/>
+              </a:spcBef>
+              <a:spcAft>
+                <a:spcPts val="0"/>
+              </a:spcAft>
+              <a:buClrTx/>
+              <a:buSzTx/>
+              <a:buFontTx/>
+              <a:buNone/>
+            </a:pPr>
+            <a:r>
+              <a:rPr kumimoji="0" lang="en-US" altLang="zh-CN" sz="5000" b="0" i="0" u="none" strike="noStrike" cap="none" spc="0" normalizeH="0" baseline="0" dirty="0" smtClean="0">
+                <a:ln>
+                  <a:noFill/>
+                </a:ln>
+                <a:solidFill>
+                  <a:srgbClr val="000000"/>
+                </a:solidFill>
+                <a:effectLst/>
+                <a:uFillTx/>
+                <a:latin typeface="+mn-lt"/>
+                <a:ea typeface="+mn-ea"/>
+                <a:cs typeface="+mn-cs"/>
+                <a:sym typeface="Helvetica Light"/>
+              </a:rPr>
+              <a:t>5.</a:t>
+            </a:r>
+            <a:endParaRPr kumimoji="0" lang="en-US" altLang="zh-CN" sz="5000" b="0" i="0" u="none" strike="noStrike" cap="none" spc="0" normalizeH="0" baseline="0" dirty="0" smtClean="0">
+              <a:ln>
+                <a:noFill/>
+              </a:ln>
+              <a:solidFill>
+                <a:srgbClr val="000000"/>
+              </a:solidFill>
+              <a:effectLst/>
+              <a:uFillTx/>
+              <a:latin typeface="+mn-lt"/>
+              <a:ea typeface="+mn-ea"/>
+              <a:cs typeface="+mn-cs"/>
+              <a:sym typeface="Helvetica Light"/>
+            </a:endParaRPr>
+          </a:p>
+          <a:p>
+            <a:pPr marL="0" marR="0" indent="0" algn="l" defTabSz="825500" rtl="0" fontAlgn="auto" latinLnBrk="1" hangingPunct="0">
+              <a:lnSpc>
+                <a:spcPct val="100000"/>
+              </a:lnSpc>
+              <a:spcBef>
+                <a:spcPts val="0"/>
+              </a:spcBef>
+              <a:spcAft>
+                <a:spcPts val="0"/>
+              </a:spcAft>
+              <a:buClrTx/>
+              <a:buSzTx/>
+              <a:buFontTx/>
+              <a:buNone/>
+            </a:pPr>
+            <a:r>
+              <a:rPr kumimoji="0" lang="en-US" altLang="zh-CN" sz="5000" b="0" i="0" u="none" strike="noStrike" cap="none" spc="0" normalizeH="0" baseline="0" dirty="0" smtClean="0">
+                <a:ln>
+                  <a:noFill/>
+                </a:ln>
+                <a:solidFill>
+                  <a:srgbClr val="000000"/>
+                </a:solidFill>
+                <a:effectLst/>
+                <a:uFillTx/>
+                <a:latin typeface="+mn-lt"/>
+                <a:ea typeface="+mn-ea"/>
+                <a:cs typeface="+mn-cs"/>
+                <a:sym typeface="Helvetica Light"/>
+              </a:rPr>
+              <a:t>1.IDA</a:t>
+            </a:r>
+            <a:r>
+              <a:rPr kumimoji="0" lang="zh-CN" altLang="en-US" sz="5000" b="0" i="0" u="none" strike="noStrike" cap="none" spc="0" normalizeH="0" dirty="0" smtClean="0">
+                <a:ln>
+                  <a:noFill/>
+                </a:ln>
+                <a:solidFill>
+                  <a:srgbClr val="000000"/>
+                </a:solidFill>
+                <a:effectLst/>
+                <a:uFillTx/>
+                <a:latin typeface="+mn-lt"/>
+                <a:ea typeface="+mn-ea"/>
+                <a:cs typeface="+mn-cs"/>
+                <a:sym typeface="Helvetica Light"/>
+              </a:rPr>
+              <a:t> </a:t>
+            </a:r>
+            <a:r>
+              <a:rPr kumimoji="0" lang="en-US" altLang="zh-CN" sz="5000" b="0" i="0" u="none" strike="noStrike" cap="none" spc="0" normalizeH="0" dirty="0" smtClean="0">
+                <a:ln>
+                  <a:noFill/>
+                </a:ln>
+                <a:solidFill>
+                  <a:srgbClr val="000000"/>
+                </a:solidFill>
+                <a:effectLst/>
+                <a:uFillTx/>
+                <a:latin typeface="+mn-lt"/>
+                <a:ea typeface="+mn-ea"/>
+                <a:cs typeface="+mn-cs"/>
+                <a:sym typeface="Helvetica Light"/>
+              </a:rPr>
+              <a:t>pro</a:t>
+            </a:r>
+            <a:r>
+              <a:rPr kumimoji="0" lang="zh-CN" altLang="en-US" sz="5000" b="0" i="0" u="none" strike="noStrike" cap="none" spc="0" normalizeH="0" dirty="0" smtClean="0">
+                <a:ln>
+                  <a:noFill/>
+                </a:ln>
+                <a:solidFill>
+                  <a:srgbClr val="000000"/>
+                </a:solidFill>
+                <a:effectLst/>
+                <a:uFillTx/>
+                <a:latin typeface="+mn-lt"/>
+                <a:ea typeface="+mn-ea"/>
+                <a:cs typeface="+mn-cs"/>
+                <a:sym typeface="Helvetica Light"/>
+              </a:rPr>
+              <a:t> </a:t>
+            </a:r>
+            <a:r>
+              <a:rPr kumimoji="0" lang="en-US" altLang="zh-CN" sz="5000" b="0" i="0" u="none" strike="noStrike" cap="none" spc="0" normalizeH="0" dirty="0" smtClean="0">
+                <a:ln>
+                  <a:noFill/>
+                </a:ln>
+                <a:solidFill>
+                  <a:srgbClr val="000000"/>
+                </a:solidFill>
+                <a:effectLst/>
+                <a:uFillTx/>
+                <a:latin typeface="+mn-lt"/>
+                <a:ea typeface="+mn-ea"/>
+                <a:cs typeface="+mn-cs"/>
+                <a:sym typeface="Helvetica Light"/>
+              </a:rPr>
+              <a:t>7.0</a:t>
+            </a:r>
+            <a:endParaRPr kumimoji="0" lang="zh-CN" altLang="en-US" sz="5000" b="0" i="0" u="none" strike="noStrike" cap="none" spc="0" normalizeH="0" dirty="0" smtClean="0">
+              <a:ln>
+                <a:noFill/>
+              </a:ln>
+              <a:solidFill>
+                <a:srgbClr val="000000"/>
+              </a:solidFill>
+              <a:effectLst/>
+              <a:uFillTx/>
+              <a:latin typeface="+mn-lt"/>
+              <a:ea typeface="+mn-ea"/>
+              <a:cs typeface="+mn-cs"/>
+              <a:sym typeface="Helvetica Light"/>
+            </a:endParaRPr>
+          </a:p>
+          <a:p>
+            <a:pPr algn="l" rtl="0" latinLnBrk="1" hangingPunct="0"/>
+            <a:r>
+              <a:rPr lang="en-US" dirty="0">
+                <a:solidFill>
+                  <a:srgbClr val="000000"/>
+                </a:solidFill>
+              </a:rPr>
+              <a:t>https://</a:t>
+            </a:r>
+            <a:r>
+              <a:rPr lang="en-US" dirty="0" err="1">
+                <a:solidFill>
+                  <a:srgbClr val="000000"/>
+                </a:solidFill>
+              </a:rPr>
+              <a:t>blog.csdn.net</a:t>
+            </a:r>
+            <a:r>
+              <a:rPr lang="en-US" dirty="0">
+                <a:solidFill>
+                  <a:srgbClr val="000000"/>
+                </a:solidFill>
+              </a:rPr>
+              <a:t>/hp910315/article/details/78060273</a:t>
+            </a:r>
+            <a:endParaRPr lang="en-US" dirty="0">
+              <a:solidFill>
+                <a:srgbClr val="000000"/>
+              </a:solidFill>
+            </a:endParaRPr>
+          </a:p>
+          <a:p>
+            <a:pPr algn="l" rtl="0" latinLnBrk="1" hangingPunct="0"/>
+            <a:r>
+              <a:rPr lang="en-US" dirty="0">
+                <a:solidFill>
+                  <a:srgbClr val="000000"/>
+                </a:solidFill>
+              </a:rPr>
+              <a:t>2.最简单的Hopper Disassembler玩转Mac逆向</a:t>
+            </a:r>
+            <a:endParaRPr lang="en-US" dirty="0">
+              <a:solidFill>
+                <a:srgbClr val="000000"/>
+              </a:solidFill>
+            </a:endParaRPr>
+          </a:p>
+          <a:p>
+            <a:pPr algn="l" rtl="0" latinLnBrk="1" hangingPunct="0"/>
+            <a:r>
+              <a:rPr lang="en-US" dirty="0">
+                <a:solidFill>
+                  <a:srgbClr val="000000"/>
+                </a:solidFill>
+              </a:rPr>
+              <a:t>https://www.jianshu.com/p/c04ac36c6641</a:t>
+            </a:r>
+            <a:endParaRPr lang="en-US" dirty="0">
+              <a:solidFill>
+                <a:srgbClr val="000000"/>
+              </a:solidFill>
+            </a:endParaRPr>
+          </a:p>
+          <a:p>
+            <a:pPr algn="l" rtl="0" latinLnBrk="1" hangingPunct="0"/>
+            <a:r>
+              <a:rPr lang="en-US" dirty="0">
+                <a:solidFill>
+                  <a:srgbClr val="000000"/>
+                </a:solidFill>
+              </a:rPr>
+              <a:t>3.class-dump</a:t>
+            </a:r>
+            <a:endParaRPr lang="en-US" dirty="0">
+              <a:solidFill>
+                <a:srgbClr val="000000"/>
+              </a:solidFill>
+            </a:endParaRPr>
+          </a:p>
+          <a:p>
+            <a:pPr algn="l" rtl="0" latinLnBrk="1" hangingPunct="0"/>
+            <a:r>
+              <a:rPr lang="en-US" dirty="0">
+                <a:solidFill>
+                  <a:srgbClr val="000000"/>
+                </a:solidFill>
+              </a:rPr>
+              <a:t>http://stevenygard.com/projects/class-dump/</a:t>
+            </a:r>
+            <a:endParaRPr lang="en-US" dirty="0">
+              <a:solidFill>
+                <a:srgbClr val="000000"/>
+              </a:solidFill>
+            </a:endParaRPr>
+          </a:p>
+          <a:p>
+            <a:pPr algn="l" rtl="0" latinLnBrk="1" hangingPunct="0"/>
+            <a:r>
+              <a:rPr lang="en-US" dirty="0">
+                <a:solidFill>
+                  <a:srgbClr val="000000"/>
+                </a:solidFill>
+              </a:rPr>
+              <a:t> </a:t>
+            </a:r>
+            <a:endParaRPr kumimoji="0" lang="en-US" sz="5000" b="0" i="0" u="none" strike="noStrike" cap="none" spc="0" normalizeH="0" baseline="0" dirty="0">
+              <a:ln>
+                <a:noFill/>
+              </a:ln>
+              <a:solidFill>
+                <a:srgbClr val="000000"/>
+              </a:solidFill>
+              <a:effectLst/>
+              <a:uFillTx/>
+              <a:latin typeface="+mn-lt"/>
+              <a:ea typeface="+mn-ea"/>
+              <a:cs typeface="+mn-cs"/>
+              <a:sym typeface="Helvetica Light"/>
+            </a:endParaRPr>
+          </a:p>
+        </p:txBody>
+      </p:sp>
+    </p:spTree>
+  </p:cSld>
+  <p:clrMapOvr>
+    <a:masterClrMapping/>
+  </p:clrMapOvr>
+  <p:transition spd="med"/>
+  <p:timing>
+    <p:tnLst>
+      <p:par>
+        <p:cTn id="1" dur="indefinite" restart="never" nodeType="tmRoot"/>
+      </p:par>
+    </p:tnLst>
+  </p:timing>
+</p:sld>
+</file>
+
+<file path=ppt/slides/slide8.xml><?xml version="1.0" encoding="utf-8"?>
+<p:sld xmlns:a="http://schemas.openxmlformats.org/drawingml/2006/main" xmlns:r="http://schemas.openxmlformats.org/officeDocument/2006/relationships" xmlns:p="http://schemas.openxmlformats.org/presentationml/2006/main">
+  <p:cSld>
+    <p:spTree>
+      <p:nvGrpSpPr>
+        <p:cNvPr id="1" name=""/>
+        <p:cNvGrpSpPr/>
+        <p:nvPr/>
+      </p:nvGrpSpPr>
+      <p:grpSpPr>
+        <a:xfrm>
+          <a:off x="0" y="0"/>
+          <a:ext cx="0" cy="0"/>
+          <a:chOff x="0" y="0"/>
+          <a:chExt cx="0" cy="0"/>
+        </a:xfrm>
+      </p:grpSpPr>
+      <p:sp>
+        <p:nvSpPr>
+          <p:cNvPr id="2" name="标题 1"/>
+          <p:cNvSpPr>
+            <a:spLocks noGrp="1"/>
+          </p:cNvSpPr>
+          <p:nvPr>
+            <p:ph type="title"/>
+          </p:nvPr>
+        </p:nvSpPr>
+        <p:spPr/>
+        <p:txBody>
+          <a:bodyPr/>
+          <a:lstStyle/>
+          <a:p>
+            <a:r>
               <a:rPr kumimoji="1" lang="en-US" altLang="zh-CN" dirty="0" smtClean="0"/>
               <a:t>PPT</a:t>
             </a:r>
@@ -3284,7 +6172,7 @@
 </p:sld>
 </file>
 
-<file path=ppt/slides/slide7.xml><?xml version="1.0" encoding="utf-8"?>
+<file path=ppt/slides/slide9.xml><?xml version="1.0" encoding="utf-8"?>
 <p:sld xmlns:a="http://schemas.openxmlformats.org/drawingml/2006/main" xmlns:r="http://schemas.openxmlformats.org/officeDocument/2006/relationships" xmlns:p="http://schemas.openxmlformats.org/presentationml/2006/main">
   <p:cSld>
     <p:spTree>

--- a/IPA.pptx
+++ b/IPA.pptx
@@ -15,8 +15,7 @@
     <p:sldId id="279" r:id="rId8"/>
     <p:sldId id="280" r:id="rId9"/>
     <p:sldId id="273" r:id="rId10"/>
-    <p:sldId id="269" r:id="rId11"/>
-    <p:sldId id="260" r:id="rId12"/>
+    <p:sldId id="260" r:id="rId11"/>
   </p:sldIdLst>
   <p:sldSz cx="24384000" cy="13716000"/>
   <p:notesSz cx="6858000" cy="9144000"/>
@@ -386,10 +385,10 @@
                 <a:solidFill>
                   <a:srgbClr val="0099CB"/>
                 </a:solidFill>
-                <a:latin typeface="FZLanTingHeiS-DB1-GB"/>
-                <a:ea typeface="FZLanTingHeiS-DB1-GB"/>
-                <a:cs typeface="FZLanTingHeiS-DB1-GB"/>
-                <a:sym typeface="FZLanTingHeiS-DB1-GB"/>
+                <a:latin typeface="FZLanTingHeiS-DB1-GB" panose="02000000000000000000" charset="-122"/>
+                <a:ea typeface="FZLanTingHeiS-DB1-GB" panose="02000000000000000000" charset="-122"/>
+                <a:cs typeface="FZLanTingHeiS-DB1-GB" panose="02000000000000000000" charset="-122"/>
+                <a:sym typeface="FZLanTingHeiS-DB1-GB" panose="02000000000000000000" charset="-122"/>
               </a:defRPr>
             </a:lvl1pPr>
           </a:lstStyle>
@@ -447,7 +446,7 @@
                 <a:latin typeface="微软雅黑" panose="020B0503020204020204" pitchFamily="34" charset="-122"/>
                 <a:ea typeface="微软雅黑" panose="020B0503020204020204" pitchFamily="34" charset="-122"/>
                 <a:cs typeface="微软雅黑" panose="020B0503020204020204" pitchFamily="34" charset="-122"/>
-                <a:sym typeface="FZLanTingHeiS-R-GB"/>
+                <a:sym typeface="FZLanTingHeiS-R-GB" panose="02000000000000000000" charset="-122"/>
               </a:defRPr>
             </a:lvl1pPr>
           </a:lstStyle>
@@ -520,10 +519,10 @@
                 <a:solidFill>
                   <a:srgbClr val="3E3A3A"/>
                 </a:solidFill>
-                <a:latin typeface="FZLanTingHeiS-R-GB"/>
-                <a:ea typeface="FZLanTingHeiS-R-GB"/>
-                <a:cs typeface="FZLanTingHeiS-R-GB"/>
-                <a:sym typeface="FZLanTingHeiS-R-GB"/>
+                <a:latin typeface="FZLanTingHeiS-R-GB" panose="02000000000000000000" charset="-122"/>
+                <a:ea typeface="FZLanTingHeiS-R-GB" panose="02000000000000000000" charset="-122"/>
+                <a:cs typeface="FZLanTingHeiS-R-GB" panose="02000000000000000000" charset="-122"/>
+                <a:sym typeface="FZLanTingHeiS-R-GB" panose="02000000000000000000" charset="-122"/>
               </a:defRPr>
             </a:lvl1pPr>
           </a:lstStyle>
@@ -575,7 +574,7 @@
                 <a:latin typeface="微软雅黑" panose="020B0503020204020204" pitchFamily="34" charset="-122"/>
                 <a:ea typeface="微软雅黑" panose="020B0503020204020204" pitchFamily="34" charset="-122"/>
                 <a:cs typeface="微软雅黑" panose="020B0503020204020204" pitchFamily="34" charset="-122"/>
-                <a:sym typeface="FZLanTingHeiS-R-GB"/>
+                <a:sym typeface="FZLanTingHeiS-R-GB" panose="02000000000000000000" charset="-122"/>
               </a:defRPr>
             </a:lvl1pPr>
           </a:lstStyle>
@@ -713,10 +712,10 @@
                 <a:solidFill>
                   <a:srgbClr val="3E3A3A"/>
                 </a:solidFill>
-                <a:latin typeface="FZLanTingHeiS-DB-GB"/>
-                <a:ea typeface="FZLanTingHeiS-DB-GB"/>
-                <a:cs typeface="FZLanTingHeiS-DB-GB"/>
-                <a:sym typeface="FZLanTingHeiS-DB-GB"/>
+                <a:latin typeface="FZLanTingHeiS-DB-GB" panose="02000000000000000000" charset="-122"/>
+                <a:ea typeface="FZLanTingHeiS-DB-GB" panose="02000000000000000000" charset="-122"/>
+                <a:cs typeface="FZLanTingHeiS-DB-GB" panose="02000000000000000000" charset="-122"/>
+                <a:sym typeface="FZLanTingHeiS-DB-GB" panose="02000000000000000000" charset="-122"/>
               </a:defRPr>
             </a:lvl1pPr>
           </a:lstStyle>
@@ -772,10 +771,10 @@
                 <a:solidFill>
                   <a:srgbClr val="CACACA"/>
                 </a:solidFill>
-                <a:latin typeface="FZLanTingHeiS-L-GB"/>
-                <a:ea typeface="FZLanTingHeiS-L-GB"/>
-                <a:cs typeface="FZLanTingHeiS-L-GB"/>
-                <a:sym typeface="FZLanTingHeiS-L-GB"/>
+                <a:latin typeface="FZLanTingHeiS-L-GB" panose="02000000000000000000" charset="-122"/>
+                <a:ea typeface="FZLanTingHeiS-L-GB" panose="02000000000000000000" charset="-122"/>
+                <a:cs typeface="FZLanTingHeiS-L-GB" panose="02000000000000000000" charset="-122"/>
+                <a:sym typeface="FZLanTingHeiS-L-GB" panose="02000000000000000000" charset="-122"/>
               </a:defRPr>
             </a:lvl1pPr>
           </a:lstStyle>
@@ -970,10 +969,10 @@
                 <a:solidFill>
                   <a:srgbClr val="0099CB"/>
                 </a:solidFill>
-                <a:latin typeface="FZLanTingHeiS-DB1-GB"/>
-                <a:ea typeface="FZLanTingHeiS-DB1-GB"/>
-                <a:cs typeface="FZLanTingHeiS-DB1-GB"/>
-                <a:sym typeface="FZLanTingHeiS-DB1-GB"/>
+                <a:latin typeface="FZLanTingHeiS-DB1-GB" panose="02000000000000000000" charset="-122"/>
+                <a:ea typeface="FZLanTingHeiS-DB1-GB" panose="02000000000000000000" charset="-122"/>
+                <a:cs typeface="FZLanTingHeiS-DB1-GB" panose="02000000000000000000" charset="-122"/>
+                <a:sym typeface="FZLanTingHeiS-DB1-GB" panose="02000000000000000000" charset="-122"/>
               </a:defRPr>
             </a:lvl1pPr>
           </a:lstStyle>
@@ -1015,10 +1014,10 @@
                 <a:solidFill>
                   <a:srgbClr val="FFFFFF"/>
                 </a:solidFill>
-                <a:latin typeface="FZLanTingHeiS-R-GB"/>
-                <a:ea typeface="FZLanTingHeiS-R-GB"/>
-                <a:cs typeface="FZLanTingHeiS-R-GB"/>
-                <a:sym typeface="FZLanTingHeiS-R-GB"/>
+                <a:latin typeface="FZLanTingHeiS-R-GB" panose="02000000000000000000" charset="-122"/>
+                <a:ea typeface="FZLanTingHeiS-R-GB" panose="02000000000000000000" charset="-122"/>
+                <a:cs typeface="FZLanTingHeiS-R-GB" panose="02000000000000000000" charset="-122"/>
+                <a:sym typeface="FZLanTingHeiS-R-GB" panose="02000000000000000000" charset="-122"/>
               </a:defRPr>
             </a:lvl1pPr>
           </a:lstStyle>
@@ -1240,10 +1239,10 @@
                 <a:solidFill>
                   <a:srgbClr val="0099CB"/>
                 </a:solidFill>
-                <a:latin typeface="FZLanTingHeiS-DB1-GB"/>
-                <a:ea typeface="FZLanTingHeiS-DB1-GB"/>
-                <a:cs typeface="FZLanTingHeiS-DB1-GB"/>
-                <a:sym typeface="FZLanTingHeiS-DB1-GB"/>
+                <a:latin typeface="FZLanTingHeiS-DB1-GB" panose="02000000000000000000" charset="-122"/>
+                <a:ea typeface="FZLanTingHeiS-DB1-GB" panose="02000000000000000000" charset="-122"/>
+                <a:cs typeface="FZLanTingHeiS-DB1-GB" panose="02000000000000000000" charset="-122"/>
+                <a:sym typeface="FZLanTingHeiS-DB1-GB" panose="02000000000000000000" charset="-122"/>
               </a:defRPr>
             </a:lvl1pPr>
           </a:lstStyle>
@@ -2320,24 +2319,7 @@
                 <a:cs typeface="+mn-cs"/>
                 <a:sym typeface="Helvetica Light"/>
               </a:rPr>
-              <a:t>相关</a:t>
-            </a:r>
-            <a:r>
-              <a:rPr kumimoji="0" lang="zh-CN" altLang="en-US" sz="5000" b="0" i="0" u="none" strike="noStrike" cap="none" spc="0" normalizeH="0" baseline="0">
-                <a:ln>
-                  <a:noFill/>
-                </a:ln>
-                <a:solidFill>
-                  <a:srgbClr val="000000"/>
-                </a:solidFill>
-                <a:effectLst/>
-                <a:uFillTx/>
-                <a:latin typeface="+mn-lt"/>
-                <a:ea typeface="+mn-ea"/>
-                <a:cs typeface="+mn-cs"/>
-                <a:sym typeface="Helvetica Light"/>
-              </a:rPr>
-              <a:t>库</a:t>
+              <a:t>相关库</a:t>
             </a:r>
             <a:endParaRPr kumimoji="0" lang="zh-CN" altLang="en-US" sz="5000" b="0" i="0" u="none" strike="noStrike" cap="none" spc="0" normalizeH="0" baseline="0">
               <a:ln>
@@ -2401,7 +2383,7 @@
                 <a:ea typeface="+mn-ea"/>
                 <a:cs typeface="+mn-cs"/>
                 <a:sym typeface="Helvetica Light"/>
-                <a:hlinkClick r:id="rId1" tooltip="" action="ppaction://hlinkfile"/>
+                <a:hlinkClick r:id="rId1" action="ppaction://hlinkfile"/>
               </a:rPr>
               <a:t>工程中有</a:t>
             </a:r>
@@ -2419,7 +2401,7 @@
                 <a:ea typeface="+mn-ea"/>
                 <a:cs typeface="+mn-cs"/>
                 <a:sym typeface="Helvetica Light"/>
-                <a:hlinkClick r:id="rId1" tooltip="" action="ppaction://hlinkfile"/>
+                <a:hlinkClick r:id="rId1" action="ppaction://hlinkfile"/>
               </a:rPr>
               <a:t>swift</a:t>
             </a:r>
@@ -2437,7 +2419,7 @@
                 <a:ea typeface="+mn-ea"/>
                 <a:cs typeface="+mn-cs"/>
                 <a:sym typeface="Helvetica Light"/>
-                <a:hlinkClick r:id="rId1" tooltip="" action="ppaction://hlinkfile"/>
+                <a:hlinkClick r:id="rId1" action="ppaction://hlinkfile"/>
               </a:rPr>
               <a:t>代码，会打包进去</a:t>
             </a:r>
@@ -4765,8 +4747,8 @@
         </p:nvSpPr>
         <p:spPr>
           <a:xfrm>
-            <a:off x="2756535" y="2608580"/>
-            <a:ext cx="19599275" cy="3179445"/>
+            <a:off x="1791335" y="2759710"/>
+            <a:ext cx="20801330" cy="10104120"/>
           </a:xfrm>
           <a:prstGeom prst="rect">
             <a:avLst/>
@@ -4837,7 +4819,21 @@
               </a:rPr>
               <a:t>重签名工具</a:t>
             </a:r>
-            <a:endParaRPr lang="zh-CN" altLang="en-US">
+            <a:r>
+              <a:rPr lang="en-US">
+                <a:ln>
+                  <a:noFill/>
+                </a:ln>
+                <a:solidFill>
+                  <a:srgbClr val="000000"/>
+                </a:solidFill>
+                <a:effectLst/>
+                <a:uFillTx/>
+                <a:sym typeface="Helvetica Light"/>
+              </a:rPr>
+              <a:t>resignTool</a:t>
+            </a:r>
+            <a:endParaRPr lang="en-US">
               <a:ln>
                 <a:noFill/>
               </a:ln>
@@ -4880,20 +4876,20 @@
               <a:t>	</a:t>
             </a:r>
             <a:r>
-              <a:rPr lang="en-US">
-                <a:ln>
-                  <a:noFill/>
-                </a:ln>
-                <a:solidFill>
-                  <a:srgbClr val="000000"/>
-                </a:solidFill>
-                <a:effectLst/>
-                <a:uFillTx/>
-                <a:sym typeface="Helvetica Light"/>
-              </a:rPr>
-              <a:t>resignTool</a:t>
-            </a:r>
-            <a:endParaRPr lang="en-US">
+              <a:rPr lang="zh-CN" altLang="en-US">
+                <a:ln>
+                  <a:noFill/>
+                </a:ln>
+                <a:solidFill>
+                  <a:srgbClr val="000000"/>
+                </a:solidFill>
+                <a:effectLst/>
+                <a:uFillTx/>
+                <a:sym typeface="Helvetica Light"/>
+              </a:rPr>
+              <a:t>用来更新证书、版本号等</a:t>
+            </a:r>
+            <a:endParaRPr lang="zh-CN" altLang="en-US">
               <a:ln>
                 <a:noFill/>
               </a:ln>
@@ -4969,7 +4965,428 @@
               </a:rPr>
               <a:t>2.</a:t>
             </a:r>
-            <a:endParaRPr kumimoji="0" lang="en-US" sz="5000" b="0" i="0" u="none" strike="noStrike" cap="none" spc="0" normalizeH="0" baseline="0">
+            <a:r>
+              <a:rPr kumimoji="0" lang="zh-CN" altLang="en-US" sz="5000" b="0" i="0" u="none" strike="noStrike" cap="none" spc="0" normalizeH="0" baseline="0">
+                <a:ln>
+                  <a:noFill/>
+                </a:ln>
+                <a:solidFill>
+                  <a:srgbClr val="000000"/>
+                </a:solidFill>
+                <a:effectLst/>
+                <a:uFillTx/>
+                <a:latin typeface="+mn-lt"/>
+                <a:ea typeface="+mn-ea"/>
+                <a:cs typeface="+mn-cs"/>
+                <a:sym typeface="Helvetica Light"/>
+              </a:rPr>
+              <a:t>重签名步骤</a:t>
+            </a:r>
+            <a:endParaRPr kumimoji="0" lang="zh-CN" altLang="en-US" sz="5000" b="0" i="0" u="none" strike="noStrike" cap="none" spc="0" normalizeH="0" baseline="0">
+              <a:ln>
+                <a:noFill/>
+              </a:ln>
+              <a:solidFill>
+                <a:srgbClr val="000000"/>
+              </a:solidFill>
+              <a:effectLst/>
+              <a:uFillTx/>
+              <a:latin typeface="+mn-lt"/>
+              <a:ea typeface="+mn-ea"/>
+              <a:cs typeface="+mn-cs"/>
+              <a:sym typeface="Helvetica Light"/>
+            </a:endParaRPr>
+          </a:p>
+          <a:p>
+            <a:pPr marL="0" marR="0" indent="0" algn="l" defTabSz="825500" rtl="0" fontAlgn="auto" latinLnBrk="1" hangingPunct="0">
+              <a:lnSpc>
+                <a:spcPct val="100000"/>
+              </a:lnSpc>
+              <a:spcBef>
+                <a:spcPts val="0"/>
+              </a:spcBef>
+              <a:spcAft>
+                <a:spcPts val="0"/>
+              </a:spcAft>
+              <a:buClrTx/>
+              <a:buSzTx/>
+              <a:buFontTx/>
+              <a:buNone/>
+            </a:pPr>
+            <a:r>
+              <a:rPr kumimoji="0" lang="en-US" altLang="zh-CN" sz="5000" b="0" i="0" u="none" strike="noStrike" cap="none" spc="0" normalizeH="0" baseline="0">
+                <a:ln>
+                  <a:noFill/>
+                </a:ln>
+                <a:solidFill>
+                  <a:srgbClr val="000000"/>
+                </a:solidFill>
+                <a:effectLst/>
+                <a:uFillTx/>
+                <a:latin typeface="+mn-lt"/>
+                <a:ea typeface="+mn-ea"/>
+                <a:cs typeface="+mn-cs"/>
+                <a:sym typeface="Helvetica Light"/>
+              </a:rPr>
+              <a:t>	- I.</a:t>
+            </a:r>
+            <a:r>
+              <a:rPr kumimoji="0" lang="zh-CN" altLang="en-US" sz="5000" b="0" i="0" u="none" strike="noStrike" cap="none" spc="0" normalizeH="0" baseline="0">
+                <a:ln>
+                  <a:noFill/>
+                </a:ln>
+                <a:solidFill>
+                  <a:srgbClr val="000000"/>
+                </a:solidFill>
+                <a:effectLst/>
+                <a:uFillTx/>
+                <a:latin typeface="+mn-lt"/>
+                <a:ea typeface="+mn-ea"/>
+                <a:cs typeface="+mn-cs"/>
+                <a:sym typeface="Helvetica Light"/>
+              </a:rPr>
+              <a:t>提取权限信息</a:t>
+            </a:r>
+            <a:endParaRPr kumimoji="0" lang="zh-CN" altLang="en-US" sz="5000" b="0" i="0" u="none" strike="noStrike" cap="none" spc="0" normalizeH="0" baseline="0">
+              <a:ln>
+                <a:noFill/>
+              </a:ln>
+              <a:solidFill>
+                <a:srgbClr val="000000"/>
+              </a:solidFill>
+              <a:effectLst/>
+              <a:uFillTx/>
+              <a:latin typeface="+mn-lt"/>
+              <a:ea typeface="+mn-ea"/>
+              <a:cs typeface="+mn-cs"/>
+              <a:sym typeface="Helvetica Light"/>
+            </a:endParaRPr>
+          </a:p>
+          <a:p>
+            <a:pPr marL="0" marR="0" indent="0" algn="l" defTabSz="825500" rtl="0" fontAlgn="auto" latinLnBrk="1" hangingPunct="0">
+              <a:lnSpc>
+                <a:spcPct val="100000"/>
+              </a:lnSpc>
+              <a:spcBef>
+                <a:spcPts val="0"/>
+              </a:spcBef>
+              <a:spcAft>
+                <a:spcPts val="0"/>
+              </a:spcAft>
+              <a:buClrTx/>
+              <a:buSzTx/>
+              <a:buFontTx/>
+              <a:buNone/>
+            </a:pPr>
+            <a:r>
+              <a:rPr kumimoji="0" lang="en-US" altLang="zh-CN" sz="5000" b="0" i="0" u="none" strike="noStrike" cap="none" spc="0" normalizeH="0" baseline="0">
+                <a:ln>
+                  <a:noFill/>
+                </a:ln>
+                <a:solidFill>
+                  <a:srgbClr val="000000"/>
+                </a:solidFill>
+                <a:effectLst/>
+                <a:uFillTx/>
+                <a:latin typeface="+mn-lt"/>
+                <a:ea typeface="+mn-ea"/>
+                <a:cs typeface="+mn-cs"/>
+                <a:sym typeface="Helvetica Light"/>
+              </a:rPr>
+              <a:t>		codesign -d --entitlements - SmartCommunityForShushu.app</a:t>
+            </a:r>
+            <a:endParaRPr kumimoji="0" lang="en-US" altLang="zh-CN" sz="5000" b="0" i="0" u="none" strike="noStrike" cap="none" spc="0" normalizeH="0" baseline="0">
+              <a:ln>
+                <a:noFill/>
+              </a:ln>
+              <a:solidFill>
+                <a:srgbClr val="000000"/>
+              </a:solidFill>
+              <a:effectLst/>
+              <a:uFillTx/>
+              <a:latin typeface="+mn-lt"/>
+              <a:ea typeface="+mn-ea"/>
+              <a:cs typeface="+mn-cs"/>
+              <a:sym typeface="Helvetica Light"/>
+            </a:endParaRPr>
+          </a:p>
+          <a:p>
+            <a:pPr marL="0" marR="0" indent="0" algn="l" defTabSz="825500" rtl="0" fontAlgn="auto" latinLnBrk="1" hangingPunct="0">
+              <a:lnSpc>
+                <a:spcPct val="100000"/>
+              </a:lnSpc>
+              <a:spcBef>
+                <a:spcPts val="0"/>
+              </a:spcBef>
+              <a:spcAft>
+                <a:spcPts val="0"/>
+              </a:spcAft>
+              <a:buClrTx/>
+              <a:buSzTx/>
+              <a:buFontTx/>
+              <a:buNone/>
+            </a:pPr>
+            <a:r>
+              <a:rPr kumimoji="0" lang="en-US" altLang="zh-CN" sz="5000" b="0" i="0" u="none" strike="noStrike" cap="none" spc="0" normalizeH="0" baseline="0">
+                <a:ln>
+                  <a:noFill/>
+                </a:ln>
+                <a:solidFill>
+                  <a:srgbClr val="000000"/>
+                </a:solidFill>
+                <a:effectLst/>
+                <a:uFillTx/>
+                <a:latin typeface="+mn-lt"/>
+                <a:ea typeface="+mn-ea"/>
+                <a:cs typeface="+mn-cs"/>
+                <a:sym typeface="Helvetica Light"/>
+              </a:rPr>
+              <a:t>	- II.</a:t>
+            </a:r>
+            <a:r>
+              <a:rPr kumimoji="0" lang="zh-CN" altLang="en-US" sz="5000" b="0" i="0" u="none" strike="noStrike" cap="none" spc="0" normalizeH="0" baseline="0">
+                <a:ln>
+                  <a:noFill/>
+                </a:ln>
+                <a:solidFill>
+                  <a:srgbClr val="000000"/>
+                </a:solidFill>
+                <a:effectLst/>
+                <a:uFillTx/>
+                <a:latin typeface="+mn-lt"/>
+                <a:ea typeface="+mn-ea"/>
+                <a:cs typeface="+mn-cs"/>
+                <a:sym typeface="Helvetica Light"/>
+              </a:rPr>
+              <a:t>替换资源文件、签名文件等</a:t>
+            </a:r>
+            <a:endParaRPr kumimoji="0" lang="zh-CN" altLang="en-US" sz="5000" b="0" i="0" u="none" strike="noStrike" cap="none" spc="0" normalizeH="0" baseline="0">
+              <a:ln>
+                <a:noFill/>
+              </a:ln>
+              <a:solidFill>
+                <a:srgbClr val="000000"/>
+              </a:solidFill>
+              <a:effectLst/>
+              <a:uFillTx/>
+              <a:latin typeface="+mn-lt"/>
+              <a:ea typeface="+mn-ea"/>
+              <a:cs typeface="+mn-cs"/>
+              <a:sym typeface="Helvetica Light"/>
+            </a:endParaRPr>
+          </a:p>
+          <a:p>
+            <a:pPr marL="0" marR="0" indent="0" algn="l" defTabSz="825500" rtl="0" fontAlgn="auto" latinLnBrk="1" hangingPunct="0">
+              <a:lnSpc>
+                <a:spcPct val="100000"/>
+              </a:lnSpc>
+              <a:spcBef>
+                <a:spcPts val="0"/>
+              </a:spcBef>
+              <a:spcAft>
+                <a:spcPts val="0"/>
+              </a:spcAft>
+              <a:buClrTx/>
+              <a:buSzTx/>
+              <a:buFontTx/>
+              <a:buNone/>
+            </a:pPr>
+            <a:r>
+              <a:rPr kumimoji="0" lang="en-US" altLang="zh-CN" sz="5000" b="0" i="0" u="none" strike="noStrike" cap="none" spc="0" normalizeH="0" baseline="0">
+                <a:ln>
+                  <a:noFill/>
+                </a:ln>
+                <a:solidFill>
+                  <a:srgbClr val="000000"/>
+                </a:solidFill>
+                <a:effectLst/>
+                <a:uFillTx/>
+                <a:latin typeface="+mn-lt"/>
+                <a:ea typeface="+mn-ea"/>
+                <a:cs typeface="+mn-cs"/>
+                <a:sym typeface="Helvetica Light"/>
+              </a:rPr>
+              <a:t>	- III.</a:t>
+            </a:r>
+            <a:r>
+              <a:rPr kumimoji="0" lang="zh-CN" altLang="en-US" sz="5000" b="0" i="0" u="none" strike="noStrike" cap="none" spc="0" normalizeH="0" baseline="0">
+                <a:ln>
+                  <a:noFill/>
+                </a:ln>
+                <a:solidFill>
+                  <a:srgbClr val="000000"/>
+                </a:solidFill>
+                <a:effectLst/>
+                <a:uFillTx/>
+                <a:latin typeface="+mn-lt"/>
+                <a:ea typeface="+mn-ea"/>
+                <a:cs typeface="+mn-cs"/>
+                <a:sym typeface="Helvetica Light"/>
+              </a:rPr>
+              <a:t>重签名</a:t>
+            </a:r>
+            <a:endParaRPr kumimoji="0" lang="zh-CN" altLang="en-US" sz="5000" b="0" i="0" u="none" strike="noStrike" cap="none" spc="0" normalizeH="0" baseline="0">
+              <a:ln>
+                <a:noFill/>
+              </a:ln>
+              <a:solidFill>
+                <a:srgbClr val="000000"/>
+              </a:solidFill>
+              <a:effectLst/>
+              <a:uFillTx/>
+              <a:latin typeface="+mn-lt"/>
+              <a:ea typeface="+mn-ea"/>
+              <a:cs typeface="+mn-cs"/>
+              <a:sym typeface="Helvetica Light"/>
+            </a:endParaRPr>
+          </a:p>
+          <a:p>
+            <a:pPr marL="0" marR="0" indent="0" algn="l" defTabSz="825500" rtl="0" fontAlgn="auto" latinLnBrk="1" hangingPunct="0">
+              <a:lnSpc>
+                <a:spcPct val="100000"/>
+              </a:lnSpc>
+              <a:spcBef>
+                <a:spcPts val="0"/>
+              </a:spcBef>
+              <a:spcAft>
+                <a:spcPts val="0"/>
+              </a:spcAft>
+              <a:buClrTx/>
+              <a:buSzTx/>
+              <a:buFontTx/>
+              <a:buNone/>
+            </a:pPr>
+            <a:r>
+              <a:rPr kumimoji="0" lang="en-US" altLang="zh-CN" sz="5000" b="0" i="0" u="none" strike="noStrike" cap="none" spc="0" normalizeH="0" baseline="0">
+                <a:ln>
+                  <a:noFill/>
+                </a:ln>
+                <a:solidFill>
+                  <a:srgbClr val="000000"/>
+                </a:solidFill>
+                <a:effectLst/>
+                <a:uFillTx/>
+                <a:latin typeface="+mn-lt"/>
+                <a:ea typeface="+mn-ea"/>
+                <a:cs typeface="+mn-cs"/>
+                <a:sym typeface="Helvetica Light"/>
+              </a:rPr>
+              <a:t>		codesign -fs 'iPhone Distribution: Hangzhou Greentown &amp; Uama Technology Co., Ltd.' --entitlements SmartCommunityForShushu_entitlements.plist Payload/SmartCommunityForShushu.app</a:t>
+            </a:r>
+            <a:endParaRPr kumimoji="0" lang="en-US" altLang="zh-CN" sz="5000" b="0" i="0" u="none" strike="noStrike" cap="none" spc="0" normalizeH="0" baseline="0">
+              <a:ln>
+                <a:noFill/>
+              </a:ln>
+              <a:solidFill>
+                <a:srgbClr val="000000"/>
+              </a:solidFill>
+              <a:effectLst/>
+              <a:uFillTx/>
+              <a:latin typeface="+mn-lt"/>
+              <a:ea typeface="+mn-ea"/>
+              <a:cs typeface="+mn-cs"/>
+              <a:sym typeface="Helvetica Light"/>
+            </a:endParaRPr>
+          </a:p>
+          <a:p>
+            <a:pPr marL="0" marR="0" indent="0" algn="l" defTabSz="825500" rtl="0" fontAlgn="auto" latinLnBrk="1" hangingPunct="0">
+              <a:lnSpc>
+                <a:spcPct val="100000"/>
+              </a:lnSpc>
+              <a:spcBef>
+                <a:spcPts val="0"/>
+              </a:spcBef>
+              <a:spcAft>
+                <a:spcPts val="0"/>
+              </a:spcAft>
+              <a:buClrTx/>
+              <a:buSzTx/>
+              <a:buFontTx/>
+              <a:buNone/>
+            </a:pPr>
+            <a:r>
+              <a:rPr kumimoji="0" lang="en-US" altLang="zh-CN" sz="5000" b="0" i="0" u="none" strike="noStrike" cap="none" spc="0" normalizeH="0" baseline="0">
+                <a:ln>
+                  <a:noFill/>
+                </a:ln>
+                <a:solidFill>
+                  <a:srgbClr val="000000"/>
+                </a:solidFill>
+                <a:effectLst/>
+                <a:uFillTx/>
+                <a:latin typeface="+mn-lt"/>
+                <a:ea typeface="+mn-ea"/>
+                <a:cs typeface="+mn-cs"/>
+                <a:sym typeface="Helvetica Light"/>
+              </a:rPr>
+              <a:t>	- IV.</a:t>
+            </a:r>
+            <a:r>
+              <a:rPr kumimoji="0" lang="zh-CN" altLang="en-US" sz="5000" b="0" i="0" u="none" strike="noStrike" cap="none" spc="0" normalizeH="0" baseline="0">
+                <a:ln>
+                  <a:noFill/>
+                </a:ln>
+                <a:solidFill>
+                  <a:srgbClr val="000000"/>
+                </a:solidFill>
+                <a:effectLst/>
+                <a:uFillTx/>
+                <a:latin typeface="+mn-lt"/>
+                <a:ea typeface="+mn-ea"/>
+                <a:cs typeface="+mn-cs"/>
+                <a:sym typeface="Helvetica Light"/>
+              </a:rPr>
+              <a:t>重新打包 zip -r NewApp.ipa Payload</a:t>
+            </a:r>
+            <a:endParaRPr kumimoji="0" lang="zh-CN" altLang="en-US" sz="5000" b="0" i="0" u="none" strike="noStrike" cap="none" spc="0" normalizeH="0" baseline="0">
+              <a:ln>
+                <a:noFill/>
+              </a:ln>
+              <a:solidFill>
+                <a:srgbClr val="000000"/>
+              </a:solidFill>
+              <a:effectLst/>
+              <a:uFillTx/>
+              <a:latin typeface="+mn-lt"/>
+              <a:ea typeface="+mn-ea"/>
+              <a:cs typeface="+mn-cs"/>
+              <a:sym typeface="Helvetica Light"/>
+            </a:endParaRPr>
+          </a:p>
+          <a:p>
+            <a:pPr marL="0" marR="0" indent="0" algn="l" defTabSz="825500" rtl="0" fontAlgn="auto" latinLnBrk="1" hangingPunct="0">
+              <a:lnSpc>
+                <a:spcPct val="100000"/>
+              </a:lnSpc>
+              <a:spcBef>
+                <a:spcPts val="0"/>
+              </a:spcBef>
+              <a:spcAft>
+                <a:spcPts val="0"/>
+              </a:spcAft>
+              <a:buClrTx/>
+              <a:buSzTx/>
+              <a:buFontTx/>
+              <a:buNone/>
+            </a:pPr>
+            <a:r>
+              <a:rPr kumimoji="0" lang="en-US" altLang="zh-CN" sz="5000" b="0" i="0" u="none" strike="noStrike" cap="none" spc="0" normalizeH="0" baseline="0">
+                <a:ln>
+                  <a:noFill/>
+                </a:ln>
+                <a:solidFill>
+                  <a:srgbClr val="000000"/>
+                </a:solidFill>
+                <a:effectLst/>
+                <a:uFillTx/>
+                <a:latin typeface="+mn-lt"/>
+                <a:ea typeface="+mn-ea"/>
+                <a:cs typeface="+mn-cs"/>
+                <a:sym typeface="Helvetica Light"/>
+              </a:rPr>
+              <a:t>		</a:t>
+            </a:r>
+            <a:endParaRPr kumimoji="0" lang="en-US" altLang="zh-CN" sz="5000" b="0" i="0" u="none" strike="noStrike" cap="none" spc="0" normalizeH="0" baseline="0">
               <a:ln>
                 <a:noFill/>
               </a:ln>
@@ -5057,7 +5474,11 @@
           <a:bodyPr/>
           <a:lstStyle/>
           <a:p>
-            <a:endParaRPr kumimoji="1" lang="zh-CN" altLang="en-US" dirty="0"/>
+            <a:r>
+              <a:rPr kumimoji="1" lang="en-US" altLang="zh-CN" dirty="0"/>
+              <a:t>03</a:t>
+            </a:r>
+            <a:endParaRPr kumimoji="1" lang="en-US" altLang="zh-CN" dirty="0"/>
           </a:p>
         </p:txBody>
       </p:sp>
@@ -5089,7 +5510,7 @@
         <p:spPr>
           <a:xfrm>
             <a:off x="2427129" y="2498884"/>
-            <a:ext cx="16090106" cy="13951585"/>
+            <a:ext cx="16090106" cy="7026275"/>
           </a:xfrm>
           <a:prstGeom prst="rect">
             <a:avLst/>
@@ -5504,291 +5925,6 @@
               </a:rPr>
               <a:t>https://download.csdn.net/download/qq_39468584/10770490</a:t>
             </a:r>
-            <a:endParaRPr kumimoji="0" lang="en-US" altLang="zh-CN" sz="5000" b="0" i="0" u="none" strike="noStrike" cap="none" spc="0" normalizeH="0" baseline="0" dirty="0" smtClean="0">
-              <a:ln>
-                <a:noFill/>
-              </a:ln>
-              <a:solidFill>
-                <a:srgbClr val="000000"/>
-              </a:solidFill>
-              <a:effectLst/>
-              <a:uFillTx/>
-              <a:latin typeface="+mn-lt"/>
-              <a:ea typeface="+mn-ea"/>
-              <a:cs typeface="+mn-cs"/>
-              <a:sym typeface="Helvetica Light"/>
-            </a:endParaRPr>
-          </a:p>
-          <a:p>
-            <a:pPr marL="0" marR="0" indent="0" algn="l" defTabSz="825500" rtl="0" fontAlgn="auto" latinLnBrk="1" hangingPunct="0">
-              <a:lnSpc>
-                <a:spcPct val="100000"/>
-              </a:lnSpc>
-              <a:spcBef>
-                <a:spcPts val="0"/>
-              </a:spcBef>
-              <a:spcAft>
-                <a:spcPts val="0"/>
-              </a:spcAft>
-              <a:buClrTx/>
-              <a:buSzTx/>
-              <a:buFontTx/>
-              <a:buNone/>
-            </a:pPr>
-            <a:r>
-              <a:rPr kumimoji="0" lang="en-US" altLang="zh-CN" sz="5000" b="0" i="0" u="none" strike="noStrike" cap="none" spc="0" normalizeH="0" baseline="0" dirty="0" smtClean="0">
-                <a:ln>
-                  <a:noFill/>
-                </a:ln>
-                <a:solidFill>
-                  <a:srgbClr val="000000"/>
-                </a:solidFill>
-                <a:effectLst/>
-                <a:uFillTx/>
-                <a:latin typeface="+mn-lt"/>
-                <a:ea typeface="+mn-ea"/>
-                <a:cs typeface="+mn-cs"/>
-                <a:sym typeface="Helvetica Light"/>
-              </a:rPr>
-              <a:t>5.</a:t>
-            </a:r>
-            <a:endParaRPr kumimoji="0" lang="en-US" altLang="zh-CN" sz="5000" b="0" i="0" u="none" strike="noStrike" cap="none" spc="0" normalizeH="0" baseline="0" dirty="0" smtClean="0">
-              <a:ln>
-                <a:noFill/>
-              </a:ln>
-              <a:solidFill>
-                <a:srgbClr val="000000"/>
-              </a:solidFill>
-              <a:effectLst/>
-              <a:uFillTx/>
-              <a:latin typeface="+mn-lt"/>
-              <a:ea typeface="+mn-ea"/>
-              <a:cs typeface="+mn-cs"/>
-              <a:sym typeface="Helvetica Light"/>
-            </a:endParaRPr>
-          </a:p>
-          <a:p>
-            <a:pPr marL="0" marR="0" indent="0" algn="l" defTabSz="825500" rtl="0" fontAlgn="auto" latinLnBrk="1" hangingPunct="0">
-              <a:lnSpc>
-                <a:spcPct val="100000"/>
-              </a:lnSpc>
-              <a:spcBef>
-                <a:spcPts val="0"/>
-              </a:spcBef>
-              <a:spcAft>
-                <a:spcPts val="0"/>
-              </a:spcAft>
-              <a:buClrTx/>
-              <a:buSzTx/>
-              <a:buFontTx/>
-              <a:buNone/>
-            </a:pPr>
-            <a:r>
-              <a:rPr kumimoji="0" lang="en-US" altLang="zh-CN" sz="5000" b="0" i="0" u="none" strike="noStrike" cap="none" spc="0" normalizeH="0" baseline="0" dirty="0" smtClean="0">
-                <a:ln>
-                  <a:noFill/>
-                </a:ln>
-                <a:solidFill>
-                  <a:srgbClr val="000000"/>
-                </a:solidFill>
-                <a:effectLst/>
-                <a:uFillTx/>
-                <a:latin typeface="+mn-lt"/>
-                <a:ea typeface="+mn-ea"/>
-                <a:cs typeface="+mn-cs"/>
-                <a:sym typeface="Helvetica Light"/>
-              </a:rPr>
-              <a:t>1.IDA</a:t>
-            </a:r>
-            <a:r>
-              <a:rPr kumimoji="0" lang="zh-CN" altLang="en-US" sz="5000" b="0" i="0" u="none" strike="noStrike" cap="none" spc="0" normalizeH="0" dirty="0" smtClean="0">
-                <a:ln>
-                  <a:noFill/>
-                </a:ln>
-                <a:solidFill>
-                  <a:srgbClr val="000000"/>
-                </a:solidFill>
-                <a:effectLst/>
-                <a:uFillTx/>
-                <a:latin typeface="+mn-lt"/>
-                <a:ea typeface="+mn-ea"/>
-                <a:cs typeface="+mn-cs"/>
-                <a:sym typeface="Helvetica Light"/>
-              </a:rPr>
-              <a:t> </a:t>
-            </a:r>
-            <a:r>
-              <a:rPr kumimoji="0" lang="en-US" altLang="zh-CN" sz="5000" b="0" i="0" u="none" strike="noStrike" cap="none" spc="0" normalizeH="0" dirty="0" smtClean="0">
-                <a:ln>
-                  <a:noFill/>
-                </a:ln>
-                <a:solidFill>
-                  <a:srgbClr val="000000"/>
-                </a:solidFill>
-                <a:effectLst/>
-                <a:uFillTx/>
-                <a:latin typeface="+mn-lt"/>
-                <a:ea typeface="+mn-ea"/>
-                <a:cs typeface="+mn-cs"/>
-                <a:sym typeface="Helvetica Light"/>
-              </a:rPr>
-              <a:t>pro</a:t>
-            </a:r>
-            <a:r>
-              <a:rPr kumimoji="0" lang="zh-CN" altLang="en-US" sz="5000" b="0" i="0" u="none" strike="noStrike" cap="none" spc="0" normalizeH="0" dirty="0" smtClean="0">
-                <a:ln>
-                  <a:noFill/>
-                </a:ln>
-                <a:solidFill>
-                  <a:srgbClr val="000000"/>
-                </a:solidFill>
-                <a:effectLst/>
-                <a:uFillTx/>
-                <a:latin typeface="+mn-lt"/>
-                <a:ea typeface="+mn-ea"/>
-                <a:cs typeface="+mn-cs"/>
-                <a:sym typeface="Helvetica Light"/>
-              </a:rPr>
-              <a:t> </a:t>
-            </a:r>
-            <a:r>
-              <a:rPr kumimoji="0" lang="en-US" altLang="zh-CN" sz="5000" b="0" i="0" u="none" strike="noStrike" cap="none" spc="0" normalizeH="0" dirty="0" smtClean="0">
-                <a:ln>
-                  <a:noFill/>
-                </a:ln>
-                <a:solidFill>
-                  <a:srgbClr val="000000"/>
-                </a:solidFill>
-                <a:effectLst/>
-                <a:uFillTx/>
-                <a:latin typeface="+mn-lt"/>
-                <a:ea typeface="+mn-ea"/>
-                <a:cs typeface="+mn-cs"/>
-                <a:sym typeface="Helvetica Light"/>
-              </a:rPr>
-              <a:t>7.0</a:t>
-            </a:r>
-            <a:endParaRPr kumimoji="0" lang="zh-CN" altLang="en-US" sz="5000" b="0" i="0" u="none" strike="noStrike" cap="none" spc="0" normalizeH="0" dirty="0" smtClean="0">
-              <a:ln>
-                <a:noFill/>
-              </a:ln>
-              <a:solidFill>
-                <a:srgbClr val="000000"/>
-              </a:solidFill>
-              <a:effectLst/>
-              <a:uFillTx/>
-              <a:latin typeface="+mn-lt"/>
-              <a:ea typeface="+mn-ea"/>
-              <a:cs typeface="+mn-cs"/>
-              <a:sym typeface="Helvetica Light"/>
-            </a:endParaRPr>
-          </a:p>
-          <a:p>
-            <a:pPr algn="l" rtl="0" latinLnBrk="1" hangingPunct="0"/>
-            <a:r>
-              <a:rPr lang="en-US" dirty="0">
-                <a:solidFill>
-                  <a:srgbClr val="000000"/>
-                </a:solidFill>
-              </a:rPr>
-              <a:t>https://</a:t>
-            </a:r>
-            <a:r>
-              <a:rPr lang="en-US" dirty="0" err="1">
-                <a:solidFill>
-                  <a:srgbClr val="000000"/>
-                </a:solidFill>
-              </a:rPr>
-              <a:t>blog.csdn.net</a:t>
-            </a:r>
-            <a:r>
-              <a:rPr lang="en-US" dirty="0">
-                <a:solidFill>
-                  <a:srgbClr val="000000"/>
-                </a:solidFill>
-              </a:rPr>
-              <a:t>/hp910315/article/details/78060273</a:t>
-            </a:r>
-            <a:endParaRPr lang="en-US" dirty="0">
-              <a:solidFill>
-                <a:srgbClr val="000000"/>
-              </a:solidFill>
-            </a:endParaRPr>
-          </a:p>
-          <a:p>
-            <a:pPr algn="l" rtl="0" latinLnBrk="1" hangingPunct="0"/>
-            <a:r>
-              <a:rPr lang="en-US" dirty="0">
-                <a:solidFill>
-                  <a:srgbClr val="000000"/>
-                </a:solidFill>
-              </a:rPr>
-              <a:t>2.最简单的Hopper Disassembler玩转Mac逆向</a:t>
-            </a:r>
-            <a:endParaRPr lang="en-US" dirty="0">
-              <a:solidFill>
-                <a:srgbClr val="000000"/>
-              </a:solidFill>
-            </a:endParaRPr>
-          </a:p>
-          <a:p>
-            <a:pPr algn="l" rtl="0" latinLnBrk="1" hangingPunct="0"/>
-            <a:r>
-              <a:rPr lang="en-US" dirty="0">
-                <a:solidFill>
-                  <a:srgbClr val="000000"/>
-                </a:solidFill>
-              </a:rPr>
-              <a:t>https://www.jianshu.com/p/c04ac36c6641</a:t>
-            </a:r>
-            <a:endParaRPr lang="en-US" dirty="0">
-              <a:solidFill>
-                <a:srgbClr val="000000"/>
-              </a:solidFill>
-            </a:endParaRPr>
-          </a:p>
-          <a:p>
-            <a:pPr algn="l" rtl="0" latinLnBrk="1" hangingPunct="0"/>
-            <a:r>
-              <a:rPr lang="en-US" dirty="0">
-                <a:solidFill>
-                  <a:srgbClr val="000000"/>
-                </a:solidFill>
-              </a:rPr>
-              <a:t>3.class-dump</a:t>
-            </a:r>
-            <a:endParaRPr lang="en-US" dirty="0">
-              <a:solidFill>
-                <a:srgbClr val="000000"/>
-              </a:solidFill>
-            </a:endParaRPr>
-          </a:p>
-          <a:p>
-            <a:pPr algn="l" rtl="0" latinLnBrk="1" hangingPunct="0"/>
-            <a:r>
-              <a:rPr lang="en-US" dirty="0">
-                <a:solidFill>
-                  <a:srgbClr val="000000"/>
-                </a:solidFill>
-              </a:rPr>
-              <a:t>http://stevenygard.com/projects/class-dump/</a:t>
-            </a:r>
-            <a:endParaRPr lang="en-US" dirty="0">
-              <a:solidFill>
-                <a:srgbClr val="000000"/>
-              </a:solidFill>
-            </a:endParaRPr>
-          </a:p>
-          <a:p>
-            <a:pPr algn="l" rtl="0" latinLnBrk="1" hangingPunct="0"/>
-            <a:r>
-              <a:rPr lang="en-US" dirty="0">
-                <a:solidFill>
-                  <a:srgbClr val="000000"/>
-                </a:solidFill>
-              </a:rPr>
-              <a:t> </a:t>
-            </a:r>
             <a:endParaRPr kumimoji="0" lang="en-US" sz="5000" b="0" i="0" u="none" strike="noStrike" cap="none" spc="0" normalizeH="0" baseline="0" dirty="0">
               <a:ln>
                 <a:noFill/>
@@ -5823,356 +5959,6 @@
 </file>
 
 <file path=ppt/slides/slide8.xml><?xml version="1.0" encoding="utf-8"?>
-<p:sld xmlns:a="http://schemas.openxmlformats.org/drawingml/2006/main" xmlns:r="http://schemas.openxmlformats.org/officeDocument/2006/relationships" xmlns:p="http://schemas.openxmlformats.org/presentationml/2006/main">
-  <p:cSld>
-    <p:spTree>
-      <p:nvGrpSpPr>
-        <p:cNvPr id="1" name=""/>
-        <p:cNvGrpSpPr/>
-        <p:nvPr/>
-      </p:nvGrpSpPr>
-      <p:grpSpPr>
-        <a:xfrm>
-          <a:off x="0" y="0"/>
-          <a:ext cx="0" cy="0"/>
-          <a:chOff x="0" y="0"/>
-          <a:chExt cx="0" cy="0"/>
-        </a:xfrm>
-      </p:grpSpPr>
-      <p:sp>
-        <p:nvSpPr>
-          <p:cNvPr id="2" name="标题 1"/>
-          <p:cNvSpPr>
-            <a:spLocks noGrp="1"/>
-          </p:cNvSpPr>
-          <p:nvPr>
-            <p:ph type="title"/>
-          </p:nvPr>
-        </p:nvSpPr>
-        <p:spPr/>
-        <p:txBody>
-          <a:bodyPr/>
-          <a:lstStyle/>
-          <a:p>
-            <a:r>
-              <a:rPr kumimoji="1" lang="en-US" altLang="zh-CN" dirty="0" smtClean="0"/>
-              <a:t>PPT</a:t>
-            </a:r>
-            <a:r>
-              <a:rPr kumimoji="1" lang="zh-CN" altLang="en-US" dirty="0" smtClean="0"/>
-              <a:t>要求</a:t>
-            </a:r>
-            <a:endParaRPr kumimoji="1" lang="zh-CN" altLang="en-US" dirty="0"/>
-          </a:p>
-        </p:txBody>
-      </p:sp>
-      <p:sp>
-        <p:nvSpPr>
-          <p:cNvPr id="3" name="文本占位符 2"/>
-          <p:cNvSpPr>
-            <a:spLocks noGrp="1"/>
-          </p:cNvSpPr>
-          <p:nvPr>
-            <p:ph type="body" sz="quarter" idx="10"/>
-          </p:nvPr>
-        </p:nvSpPr>
-        <p:spPr/>
-        <p:txBody>
-          <a:bodyPr/>
-          <a:lstStyle/>
-          <a:p>
-            <a:endParaRPr kumimoji="1" lang="zh-CN" altLang="en-US" dirty="0"/>
-          </a:p>
-        </p:txBody>
-      </p:sp>
-      <p:sp>
-        <p:nvSpPr>
-          <p:cNvPr id="4" name="文本占位符 3"/>
-          <p:cNvSpPr>
-            <a:spLocks noGrp="1"/>
-          </p:cNvSpPr>
-          <p:nvPr>
-            <p:ph type="body" sz="quarter" idx="11"/>
-          </p:nvPr>
-        </p:nvSpPr>
-        <p:spPr/>
-        <p:txBody>
-          <a:bodyPr/>
-          <a:lstStyle/>
-          <a:p>
-            <a:endParaRPr kumimoji="1" lang="zh-CN" altLang="en-US"/>
-          </a:p>
-        </p:txBody>
-      </p:sp>
-      <p:sp>
-        <p:nvSpPr>
-          <p:cNvPr id="5" name="文本框 4"/>
-          <p:cNvSpPr txBox="1"/>
-          <p:nvPr/>
-        </p:nvSpPr>
-        <p:spPr>
-          <a:xfrm>
-            <a:off x="2756806" y="3487640"/>
-            <a:ext cx="19307908" cy="5873403"/>
-          </a:xfrm>
-          <a:prstGeom prst="rect">
-            <a:avLst/>
-          </a:prstGeom>
-          <a:noFill/>
-          <a:ln w="12700" cap="flat">
-            <a:noFill/>
-            <a:miter lim="400000"/>
-          </a:ln>
-          <a:effectLst/>
-        </p:spPr>
-        <p:style>
-          <a:lnRef idx="0">
-            <a:scrgbClr r="0" g="0" b="0"/>
-          </a:lnRef>
-          <a:fillRef idx="0">
-            <a:scrgbClr r="0" g="0" b="0"/>
-          </a:fillRef>
-          <a:effectRef idx="0">
-            <a:scrgbClr r="0" g="0" b="0"/>
-          </a:effectRef>
-          <a:fontRef idx="none"/>
-        </p:style>
-        <p:txBody>
-          <a:bodyPr rot="0" spcFirstLastPara="1" vertOverflow="overflow" horzOverflow="overflow" vert="horz" wrap="square" lIns="50800" tIns="50800" rIns="50800" bIns="50800" numCol="1" spcCol="38100" rtlCol="0" anchor="ctr">
-            <a:spAutoFit/>
-          </a:bodyPr>
-          <a:lstStyle/>
-          <a:p>
-            <a:pPr marL="685800" indent="-685800" algn="l" rtl="0" latinLnBrk="1" hangingPunct="0">
-              <a:lnSpc>
-                <a:spcPct val="150000"/>
-              </a:lnSpc>
-              <a:buFont typeface="Arial" panose="020B0604020202090204" pitchFamily="34" charset="0"/>
-              <a:buChar char="•"/>
-            </a:pPr>
-            <a:r>
-              <a:rPr kumimoji="0" lang="en-US" altLang="zh-CN" sz="5000" b="0" i="0" u="none" strike="noStrike" cap="none" spc="0" normalizeH="0" baseline="0" dirty="0" smtClean="0">
-                <a:ln>
-                  <a:noFill/>
-                </a:ln>
-                <a:solidFill>
-                  <a:srgbClr val="000000"/>
-                </a:solidFill>
-                <a:effectLst/>
-                <a:uFillTx/>
-                <a:latin typeface="微软雅黑" panose="020B0503020204020204" pitchFamily="34" charset="-122"/>
-                <a:ea typeface="微软雅黑" panose="020B0503020204020204" pitchFamily="34" charset="-122"/>
-                <a:sym typeface="Helvetica Light"/>
-              </a:rPr>
-              <a:t>PPT</a:t>
-            </a:r>
-            <a:r>
-              <a:rPr kumimoji="0" lang="zh-CN" altLang="en-US" sz="5000" b="0" i="0" u="none" strike="noStrike" cap="none" spc="0" normalizeH="0" baseline="0" dirty="0" smtClean="0">
-                <a:ln>
-                  <a:noFill/>
-                </a:ln>
-                <a:solidFill>
-                  <a:srgbClr val="000000"/>
-                </a:solidFill>
-                <a:effectLst/>
-                <a:uFillTx/>
-                <a:latin typeface="微软雅黑" panose="020B0503020204020204" pitchFamily="34" charset="-122"/>
-                <a:ea typeface="微软雅黑" panose="020B0503020204020204" pitchFamily="34" charset="-122"/>
-                <a:sym typeface="Helvetica Light"/>
-              </a:rPr>
-              <a:t>中使用字体默认为微软雅</a:t>
-            </a:r>
-            <a:r>
-              <a:rPr lang="zh-CN" altLang="en-US" dirty="0" smtClean="0">
-                <a:solidFill>
-                  <a:srgbClr val="000000"/>
-                </a:solidFill>
-                <a:latin typeface="微软雅黑" panose="020B0503020204020204" pitchFamily="34" charset="-122"/>
-                <a:ea typeface="微软雅黑" panose="020B0503020204020204" pitchFamily="34" charset="-122"/>
-              </a:rPr>
-              <a:t>黑，字号的大小及颜色根据排版可以进行微调，使得当前页面显示合理、得体</a:t>
-            </a:r>
-            <a:endParaRPr lang="en-US" altLang="zh-CN" dirty="0" smtClean="0">
-              <a:solidFill>
-                <a:srgbClr val="000000"/>
-              </a:solidFill>
-              <a:latin typeface="微软雅黑" panose="020B0503020204020204" pitchFamily="34" charset="-122"/>
-              <a:ea typeface="微软雅黑" panose="020B0503020204020204" pitchFamily="34" charset="-122"/>
-            </a:endParaRPr>
-          </a:p>
-          <a:p>
-            <a:pPr marL="685800" indent="-685800" algn="l" rtl="0" latinLnBrk="1" hangingPunct="0">
-              <a:lnSpc>
-                <a:spcPct val="150000"/>
-              </a:lnSpc>
-              <a:buFont typeface="Arial" panose="020B0604020202090204" pitchFamily="34" charset="0"/>
-              <a:buChar char="•"/>
-            </a:pPr>
-            <a:r>
-              <a:rPr lang="zh-CN" altLang="en-US" dirty="0" smtClean="0">
-                <a:solidFill>
-                  <a:srgbClr val="000000"/>
-                </a:solidFill>
-                <a:latin typeface="微软雅黑" panose="020B0503020204020204" pitchFamily="34" charset="-122"/>
-                <a:ea typeface="微软雅黑" panose="020B0503020204020204" pitchFamily="34" charset="-122"/>
-              </a:rPr>
-              <a:t>图文并茂，</a:t>
-            </a:r>
-            <a:r>
-              <a:rPr kumimoji="0" lang="zh-CN" altLang="en-US" sz="5000" b="0" i="0" u="none" strike="noStrike" cap="none" spc="0" normalizeH="0" baseline="0" dirty="0" smtClean="0">
-                <a:ln>
-                  <a:noFill/>
-                </a:ln>
-                <a:solidFill>
-                  <a:srgbClr val="000000"/>
-                </a:solidFill>
-                <a:effectLst/>
-                <a:uFillTx/>
-                <a:latin typeface="微软雅黑" panose="020B0503020204020204" pitchFamily="34" charset="-122"/>
-                <a:ea typeface="微软雅黑" panose="020B0503020204020204" pitchFamily="34" charset="-122"/>
-                <a:sym typeface="Helvetica Light"/>
-              </a:rPr>
-              <a:t>排版尽量整洁、美观，每页色彩不宜过多</a:t>
-            </a:r>
-            <a:endParaRPr kumimoji="0" lang="en-US" altLang="zh-CN" sz="5000" b="0" i="0" u="none" strike="noStrike" cap="none" spc="0" normalizeH="0" baseline="0" dirty="0" smtClean="0">
-              <a:ln>
-                <a:noFill/>
-              </a:ln>
-              <a:solidFill>
-                <a:srgbClr val="000000"/>
-              </a:solidFill>
-              <a:effectLst/>
-              <a:uFillTx/>
-              <a:latin typeface="微软雅黑" panose="020B0503020204020204" pitchFamily="34" charset="-122"/>
-              <a:ea typeface="微软雅黑" panose="020B0503020204020204" pitchFamily="34" charset="-122"/>
-              <a:sym typeface="Helvetica Light"/>
-            </a:endParaRPr>
-          </a:p>
-          <a:p>
-            <a:pPr marL="685800" marR="0" indent="-685800" algn="l" defTabSz="825500" rtl="0" fontAlgn="auto" latinLnBrk="1" hangingPunct="0">
-              <a:lnSpc>
-                <a:spcPct val="150000"/>
-              </a:lnSpc>
-              <a:spcBef>
-                <a:spcPts val="0"/>
-              </a:spcBef>
-              <a:spcAft>
-                <a:spcPts val="0"/>
-              </a:spcAft>
-              <a:buClrTx/>
-              <a:buSzTx/>
-              <a:buFont typeface="Arial" panose="020B0604020202090204" pitchFamily="34" charset="0"/>
-              <a:buChar char="•"/>
-            </a:pPr>
-            <a:r>
-              <a:rPr lang="zh-CN" altLang="en-US" dirty="0" smtClean="0">
-                <a:solidFill>
-                  <a:srgbClr val="000000"/>
-                </a:solidFill>
-                <a:latin typeface="微软雅黑" panose="020B0503020204020204" pitchFamily="34" charset="-122"/>
-                <a:ea typeface="微软雅黑" panose="020B0503020204020204" pitchFamily="34" charset="-122"/>
-              </a:rPr>
-              <a:t>语言条理清晰、层次分明、重点突出、详略得当</a:t>
-            </a:r>
-            <a:endParaRPr lang="en-US" altLang="zh-CN" dirty="0" smtClean="0">
-              <a:solidFill>
-                <a:srgbClr val="000000"/>
-              </a:solidFill>
-              <a:latin typeface="微软雅黑" panose="020B0503020204020204" pitchFamily="34" charset="-122"/>
-              <a:ea typeface="微软雅黑" panose="020B0503020204020204" pitchFamily="34" charset="-122"/>
-            </a:endParaRPr>
-          </a:p>
-          <a:p>
-            <a:pPr marL="685800" marR="0" indent="-685800" algn="l" defTabSz="825500" rtl="0" fontAlgn="auto" latinLnBrk="1" hangingPunct="0">
-              <a:lnSpc>
-                <a:spcPct val="150000"/>
-              </a:lnSpc>
-              <a:spcBef>
-                <a:spcPts val="0"/>
-              </a:spcBef>
-              <a:spcAft>
-                <a:spcPts val="0"/>
-              </a:spcAft>
-              <a:buClrTx/>
-              <a:buSzTx/>
-              <a:buFont typeface="Arial" panose="020B0604020202090204" pitchFamily="34" charset="0"/>
-              <a:buChar char="•"/>
-            </a:pPr>
-            <a:r>
-              <a:rPr kumimoji="0" lang="zh-CN" altLang="en-US" sz="5000" b="0" i="0" u="none" strike="noStrike" cap="none" spc="0" normalizeH="0" baseline="0" dirty="0" smtClean="0">
-                <a:ln>
-                  <a:noFill/>
-                </a:ln>
-                <a:solidFill>
-                  <a:srgbClr val="000000"/>
-                </a:solidFill>
-                <a:effectLst/>
-                <a:uFillTx/>
-                <a:latin typeface="微软雅黑" panose="020B0503020204020204" pitchFamily="34" charset="-122"/>
-                <a:ea typeface="微软雅黑" panose="020B0503020204020204" pitchFamily="34" charset="-122"/>
-                <a:sym typeface="Helvetica Light"/>
-              </a:rPr>
-              <a:t>建议页面不超过</a:t>
-            </a:r>
-            <a:r>
-              <a:rPr kumimoji="0" lang="en-US" altLang="zh-CN" sz="5000" b="0" i="0" u="none" strike="noStrike" cap="none" spc="0" normalizeH="0" baseline="0" dirty="0" smtClean="0">
-                <a:ln>
-                  <a:noFill/>
-                </a:ln>
-                <a:solidFill>
-                  <a:srgbClr val="000000"/>
-                </a:solidFill>
-                <a:effectLst/>
-                <a:uFillTx/>
-                <a:latin typeface="微软雅黑" panose="020B0503020204020204" pitchFamily="34" charset="-122"/>
-                <a:ea typeface="微软雅黑" panose="020B0503020204020204" pitchFamily="34" charset="-122"/>
-                <a:sym typeface="Helvetica Light"/>
-              </a:rPr>
-              <a:t>30</a:t>
-            </a:r>
-            <a:r>
-              <a:rPr lang="zh-CN" altLang="en-US" dirty="0">
-                <a:solidFill>
-                  <a:srgbClr val="000000"/>
-                </a:solidFill>
-                <a:latin typeface="微软雅黑" panose="020B0503020204020204" pitchFamily="34" charset="-122"/>
-                <a:ea typeface="微软雅黑" panose="020B0503020204020204" pitchFamily="34" charset="-122"/>
-              </a:rPr>
-              <a:t>页</a:t>
-            </a:r>
-            <a:endParaRPr kumimoji="0" lang="zh-CN" altLang="en-US" sz="5000" b="0" i="0" u="none" strike="noStrike" cap="none" spc="0" normalizeH="0" baseline="0" dirty="0">
-              <a:ln>
-                <a:noFill/>
-              </a:ln>
-              <a:solidFill>
-                <a:srgbClr val="000000"/>
-              </a:solidFill>
-              <a:effectLst/>
-              <a:uFillTx/>
-              <a:latin typeface="微软雅黑" panose="020B0503020204020204" pitchFamily="34" charset="-122"/>
-              <a:ea typeface="微软雅黑" panose="020B0503020204020204" pitchFamily="34" charset="-122"/>
-              <a:sym typeface="Helvetica Light"/>
-            </a:endParaRPr>
-          </a:p>
-        </p:txBody>
-      </p:sp>
-    </p:spTree>
-  </p:cSld>
-  <p:clrMapOvr>
-    <a:masterClrMapping/>
-  </p:clrMapOvr>
-  <p:transition spd="med"/>
-  <p:timing>
-    <p:tnLst>
-      <p:par>
-        <p:cTn id="1" dur="indefinite" restart="never" nodeType="tmRoot"/>
-      </p:par>
-    </p:tnLst>
-  </p:timing>
-</p:sld>
-</file>
-
-<file path=ppt/slides/slide9.xml><?xml version="1.0" encoding="utf-8"?>
 <p:sld xmlns:a="http://schemas.openxmlformats.org/drawingml/2006/main" xmlns:r="http://schemas.openxmlformats.org/officeDocument/2006/relationships" xmlns:p="http://schemas.openxmlformats.org/presentationml/2006/main">
   <p:cSld>
     <p:spTree>

--- a/IPA.pptx
+++ b/IPA.pptx
@@ -11,9 +11,9 @@
     <p:sldId id="263" r:id="rId3"/>
     <p:sldId id="266" r:id="rId5"/>
     <p:sldId id="274" r:id="rId6"/>
-    <p:sldId id="275" r:id="rId7"/>
-    <p:sldId id="279" r:id="rId8"/>
-    <p:sldId id="280" r:id="rId9"/>
+    <p:sldId id="279" r:id="rId7"/>
+    <p:sldId id="280" r:id="rId8"/>
+    <p:sldId id="283" r:id="rId9"/>
     <p:sldId id="273" r:id="rId10"/>
     <p:sldId id="260" r:id="rId11"/>
   </p:sldIdLst>
@@ -3354,14 +3354,19 @@
             <p:ph type="title"/>
           </p:nvPr>
         </p:nvSpPr>
-        <p:spPr/>
+        <p:spPr>
+          <a:xfrm>
+            <a:off x="2756806" y="577056"/>
+            <a:ext cx="16010584" cy="1506991"/>
+          </a:xfrm>
+        </p:spPr>
         <p:txBody>
           <a:bodyPr/>
           <a:lstStyle/>
           <a:p>
             <a:r>
               <a:rPr kumimoji="1" dirty="0" smtClean="0"/>
-              <a:t>有意思的现象</a:t>
+              <a:t>可执行文件</a:t>
             </a:r>
             <a:endParaRPr kumimoji="1" dirty="0" smtClean="0"/>
           </a:p>
@@ -3417,8 +3422,8 @@
         </p:nvSpPr>
         <p:spPr>
           <a:xfrm>
-            <a:off x="2426970" y="2912745"/>
-            <a:ext cx="7494270" cy="6257290"/>
+            <a:off x="1277620" y="2991485"/>
+            <a:ext cx="21977350" cy="7026275"/>
           </a:xfrm>
           <a:prstGeom prst="rect">
             <a:avLst/>
@@ -3462,20 +3467,48 @@
               <a:buNone/>
             </a:pPr>
             <a:r>
-              <a:rPr>
-                <a:ln>
-                  <a:noFill/>
-                </a:ln>
-                <a:solidFill>
-                  <a:srgbClr val="000000"/>
-                </a:solidFill>
-                <a:effectLst/>
-                <a:uFillTx/>
-                <a:sym typeface="Helvetica Light"/>
-              </a:rPr>
-              <a:t>AppIcon29x29@2x.png</a:t>
-            </a:r>
-            <a:endParaRPr>
+              <a:rPr lang="en-US">
+                <a:ln>
+                  <a:noFill/>
+                </a:ln>
+                <a:solidFill>
+                  <a:srgbClr val="000000"/>
+                </a:solidFill>
+                <a:effectLst/>
+                <a:uFillTx/>
+                <a:sym typeface="Helvetica Light"/>
+              </a:rPr>
+              <a:t>1.</a:t>
+            </a:r>
+            <a:r>
+              <a:rPr lang="zh-CN" altLang="en-US">
+                <a:ln>
+                  <a:noFill/>
+                </a:ln>
+                <a:solidFill>
+                  <a:srgbClr val="000000"/>
+                </a:solidFill>
+                <a:effectLst/>
+                <a:uFillTx/>
+                <a:sym typeface="Helvetica Light"/>
+              </a:rPr>
+              <a:t>探测可执行文件类型</a:t>
+            </a:r>
+            <a:r>
+              <a:rPr lang="en-US" altLang="zh-CN">
+                <a:ln>
+                  <a:noFill/>
+                </a:ln>
+                <a:solidFill>
+                  <a:srgbClr val="000000"/>
+                </a:solidFill>
+                <a:effectLst/>
+                <a:uFillTx/>
+                <a:sym typeface="Helvetica Light"/>
+              </a:rPr>
+              <a:t>(file xxx)</a:t>
+            </a:r>
+            <a:endParaRPr lang="zh-CN" altLang="en-US">
               <a:ln>
                 <a:noFill/>
               </a:ln>
@@ -3504,20 +3537,34 @@
               <a:buNone/>
             </a:pPr>
             <a:r>
-              <a:rPr>
-                <a:ln>
-                  <a:noFill/>
-                </a:ln>
-                <a:solidFill>
-                  <a:srgbClr val="000000"/>
-                </a:solidFill>
-                <a:effectLst/>
-                <a:uFillTx/>
-                <a:sym typeface="Helvetica Light"/>
-              </a:rPr>
-              <a:t>AppIcon29x29@3x.png</a:t>
-            </a:r>
-            <a:endParaRPr>
+              <a:rPr lang="en-US" altLang="zh-CN">
+                <a:ln>
+                  <a:noFill/>
+                </a:ln>
+                <a:solidFill>
+                  <a:srgbClr val="000000"/>
+                </a:solidFill>
+                <a:effectLst/>
+                <a:uFillTx/>
+                <a:sym typeface="Helvetica Light"/>
+              </a:rPr>
+              <a:t>	file </a:t>
+            </a:r>
+            <a:r>
+              <a:rPr lang="zh-CN" altLang="en-US">
+                <a:ln>
+                  <a:noFill/>
+                </a:ln>
+                <a:solidFill>
+                  <a:srgbClr val="000000"/>
+                </a:solidFill>
+                <a:effectLst/>
+                <a:uFillTx/>
+                <a:sym typeface="Helvetica Light"/>
+              </a:rPr>
+              <a:t>Payload/SmartCommunityForShushu.app/SmartCommunityForShushu</a:t>
+            </a:r>
+            <a:endParaRPr lang="en-US">
               <a:ln>
                 <a:noFill/>
               </a:ln>
@@ -3545,21 +3592,7 @@
               <a:buFontTx/>
               <a:buNone/>
             </a:pPr>
-            <a:r>
-              <a:rPr>
-                <a:ln>
-                  <a:noFill/>
-                </a:ln>
-                <a:solidFill>
-                  <a:srgbClr val="000000"/>
-                </a:solidFill>
-                <a:effectLst/>
-                <a:uFillTx/>
-                <a:sym typeface="Helvetica Light"/>
-              </a:rPr>
-              <a:t>AppIcon40x40@2x.png</a:t>
-            </a:r>
-            <a:endParaRPr>
+            <a:endParaRPr lang="en-US" altLang="en-US">
               <a:ln>
                 <a:noFill/>
               </a:ln>
@@ -3588,20 +3621,48 @@
               <a:buNone/>
             </a:pPr>
             <a:r>
-              <a:rPr>
-                <a:ln>
-                  <a:noFill/>
-                </a:ln>
-                <a:solidFill>
-                  <a:srgbClr val="000000"/>
-                </a:solidFill>
-                <a:effectLst/>
-                <a:uFillTx/>
-                <a:sym typeface="Helvetica Light"/>
-              </a:rPr>
-              <a:t>AppIcon40x40@3x.png</a:t>
-            </a:r>
-            <a:endParaRPr>
+              <a:rPr lang="en-US">
+                <a:ln>
+                  <a:noFill/>
+                </a:ln>
+                <a:solidFill>
+                  <a:srgbClr val="000000"/>
+                </a:solidFill>
+                <a:effectLst/>
+                <a:uFillTx/>
+                <a:sym typeface="Helvetica Light"/>
+              </a:rPr>
+              <a:t>2.</a:t>
+            </a:r>
+            <a:r>
+              <a:rPr lang="zh-CN" altLang="en-US">
+                <a:ln>
+                  <a:noFill/>
+                </a:ln>
+                <a:solidFill>
+                  <a:srgbClr val="000000"/>
+                </a:solidFill>
+                <a:effectLst/>
+                <a:uFillTx/>
+                <a:sym typeface="Helvetica Light"/>
+              </a:rPr>
+              <a:t>列出所有头文件 </a:t>
+            </a:r>
+            <a:r>
+              <a:rPr lang="en-US" altLang="zh-CN">
+                <a:ln>
+                  <a:noFill/>
+                </a:ln>
+                <a:solidFill>
+                  <a:srgbClr val="000000"/>
+                </a:solidFill>
+                <a:effectLst/>
+                <a:uFillTx/>
+                <a:sym typeface="Helvetica Light"/>
+              </a:rPr>
+              <a:t>(class-dump -H executefile -o outputdirectory)</a:t>
+            </a:r>
+            <a:endParaRPr lang="zh-CN" altLang="en-US">
               <a:ln>
                 <a:noFill/>
               </a:ln>
@@ -3630,20 +3691,34 @@
               <a:buNone/>
             </a:pPr>
             <a:r>
-              <a:rPr>
-                <a:ln>
-                  <a:noFill/>
-                </a:ln>
-                <a:solidFill>
-                  <a:srgbClr val="000000"/>
-                </a:solidFill>
-                <a:effectLst/>
-                <a:uFillTx/>
-                <a:sym typeface="Helvetica Light"/>
-              </a:rPr>
-              <a:t>AppIcon60x60@2x.png</a:t>
-            </a:r>
-            <a:endParaRPr>
+              <a:rPr lang="en-US" altLang="zh-CN">
+                <a:ln>
+                  <a:noFill/>
+                </a:ln>
+                <a:solidFill>
+                  <a:srgbClr val="000000"/>
+                </a:solidFill>
+                <a:effectLst/>
+                <a:uFillTx/>
+                <a:sym typeface="Helvetica Light"/>
+              </a:rPr>
+              <a:t>	</a:t>
+            </a:r>
+            <a:r>
+              <a:rPr lang="zh-CN" altLang="en-US">
+                <a:ln>
+                  <a:noFill/>
+                </a:ln>
+                <a:solidFill>
+                  <a:srgbClr val="000000"/>
+                </a:solidFill>
+                <a:effectLst/>
+                <a:uFillTx/>
+                <a:sym typeface="Helvetica Light"/>
+              </a:rPr>
+              <a:t>./class-dump -H Payload/SmartCommunityForShushu.app/SmartCommunityForShushu -o SmartCommunityForShushuResult</a:t>
+            </a:r>
+            <a:endParaRPr lang="zh-CN" altLang="en-US">
               <a:ln>
                 <a:noFill/>
               </a:ln>
@@ -3671,21 +3746,7 @@
               <a:buFontTx/>
               <a:buNone/>
             </a:pPr>
-            <a:r>
-              <a:rPr>
-                <a:ln>
-                  <a:noFill/>
-                </a:ln>
-                <a:solidFill>
-                  <a:srgbClr val="000000"/>
-                </a:solidFill>
-                <a:effectLst/>
-                <a:uFillTx/>
-                <a:sym typeface="Helvetica Light"/>
-              </a:rPr>
-              <a:t>AppIcon60x60@3x.png</a:t>
-            </a:r>
-            <a:endParaRPr>
+            <a:endParaRPr lang="zh-CN" altLang="en-US">
               <a:ln>
                 <a:noFill/>
               </a:ln>
@@ -3713,7 +3774,49 @@
               <a:buFontTx/>
               <a:buNone/>
             </a:pPr>
-            <a:endParaRPr>
+            <a:r>
+              <a:rPr lang="en-US" altLang="zh-CN">
+                <a:ln>
+                  <a:noFill/>
+                </a:ln>
+                <a:solidFill>
+                  <a:srgbClr val="000000"/>
+                </a:solidFill>
+                <a:effectLst/>
+                <a:uFillTx/>
+                <a:sym typeface="Helvetica Light"/>
+              </a:rPr>
+              <a:t>3.</a:t>
+            </a:r>
+            <a:r>
+              <a:rPr lang="en-US" altLang="zh-CN" dirty="0" smtClean="0">
+                <a:ln>
+                  <a:noFill/>
+                </a:ln>
+                <a:solidFill>
+                  <a:srgbClr val="000000"/>
+                </a:solidFill>
+                <a:effectLst/>
+                <a:uFillTx/>
+                <a:sym typeface="Helvetica Light"/>
+              </a:rPr>
+              <a:t>Hopper-Disassembler</a:t>
+            </a:r>
+            <a:r>
+              <a:rPr lang="zh-CN" altLang="en-US" dirty="0" smtClean="0">
+                <a:ln>
+                  <a:noFill/>
+                </a:ln>
+                <a:solidFill>
+                  <a:srgbClr val="000000"/>
+                </a:solidFill>
+                <a:effectLst/>
+                <a:uFillTx/>
+                <a:sym typeface="Helvetica Light"/>
+              </a:rPr>
+              <a:t>分析二进制文件</a:t>
+            </a:r>
+            <a:endParaRPr lang="zh-CN" altLang="en-US" dirty="0" smtClean="0">
               <a:ln>
                 <a:noFill/>
               </a:ln>
@@ -3725,403 +3828,8 @@
               <a:sym typeface="Helvetica Light"/>
             </a:endParaRPr>
           </a:p>
-          <a:p>
-            <a:pPr marL="0" marR="0" indent="0" algn="l" defTabSz="825500" rtl="0" fontAlgn="auto" latinLnBrk="1" hangingPunct="0">
-              <a:lnSpc>
-                <a:spcPct val="100000"/>
-              </a:lnSpc>
-              <a:spcBef>
-                <a:spcPts val="0"/>
-              </a:spcBef>
-              <a:spcAft>
-                <a:spcPts val="0"/>
-              </a:spcAft>
-              <a:buClrTx/>
-              <a:buSzTx/>
-              <a:buFontTx/>
-              <a:buNone/>
-            </a:pPr>
-            <a:endParaRPr>
-              <a:ln>
-                <a:noFill/>
-              </a:ln>
-              <a:solidFill>
-                <a:srgbClr val="000000"/>
-              </a:solidFill>
-              <a:effectLst/>
-              <a:uFillTx/>
-              <a:sym typeface="Helvetica Light"/>
-            </a:endParaRPr>
-          </a:p>
         </p:txBody>
       </p:sp>
-      <p:sp>
-        <p:nvSpPr>
-          <p:cNvPr id="5" name="Text Box 4"/>
-          <p:cNvSpPr txBox="1"/>
-          <p:nvPr/>
-        </p:nvSpPr>
-        <p:spPr>
-          <a:xfrm>
-            <a:off x="10363200" y="2912745"/>
-            <a:ext cx="15024735" cy="5487670"/>
-          </a:xfrm>
-          <a:prstGeom prst="rect">
-            <a:avLst/>
-          </a:prstGeom>
-          <a:noFill/>
-          <a:ln w="12700" cap="flat">
-            <a:noFill/>
-            <a:miter lim="400000"/>
-          </a:ln>
-        </p:spPr>
-        <p:style>
-          <a:lnRef idx="0">
-            <a:scrgbClr r="0" g="0" b="0"/>
-          </a:lnRef>
-          <a:fillRef idx="0">
-            <a:scrgbClr r="0" g="0" b="0"/>
-          </a:fillRef>
-          <a:effectRef idx="0">
-            <a:scrgbClr r="0" g="0" b="0"/>
-          </a:effectRef>
-          <a:fontRef idx="none"/>
-        </p:style>
-        <p:txBody>
-          <a:bodyPr rot="0" vertOverflow="overflow" horzOverflow="overflow" vert="horz" wrap="square" lIns="50800" tIns="50800" rIns="50800" bIns="50800" numCol="1" spcCol="38100" rtlCol="0" anchor="t" anchorCtr="0" forceAA="0">
-            <a:spAutoFit/>
-          </a:bodyPr>
-          <a:p>
-            <a:pPr marL="0" marR="0" indent="0" algn="l" defTabSz="825500" rtl="0" fontAlgn="auto" latinLnBrk="1" hangingPunct="0">
-              <a:lnSpc>
-                <a:spcPct val="100000"/>
-              </a:lnSpc>
-              <a:spcBef>
-                <a:spcPts val="0"/>
-              </a:spcBef>
-              <a:spcAft>
-                <a:spcPts val="0"/>
-              </a:spcAft>
-              <a:buClrTx/>
-              <a:buSzTx/>
-              <a:buFontTx/>
-              <a:buNone/>
-            </a:pPr>
-            <a:r>
-              <a:rPr>
-                <a:ln>
-                  <a:noFill/>
-                </a:ln>
-                <a:solidFill>
-                  <a:srgbClr val="000000"/>
-                </a:solidFill>
-                <a:effectLst/>
-                <a:uFillTx/>
-                <a:sym typeface="Helvetica Light"/>
-              </a:rPr>
-              <a:t>LaunchImage-700-568h@2x.png</a:t>
-            </a:r>
-            <a:endParaRPr>
-              <a:ln>
-                <a:noFill/>
-              </a:ln>
-              <a:solidFill>
-                <a:srgbClr val="000000"/>
-              </a:solidFill>
-              <a:effectLst/>
-              <a:uFillTx/>
-              <a:sym typeface="Helvetica Light"/>
-            </a:endParaRPr>
-          </a:p>
-          <a:p>
-            <a:pPr marL="0" marR="0" indent="0" algn="l" defTabSz="825500" rtl="0" fontAlgn="auto" latinLnBrk="1" hangingPunct="0">
-              <a:lnSpc>
-                <a:spcPct val="100000"/>
-              </a:lnSpc>
-              <a:spcBef>
-                <a:spcPts val="0"/>
-              </a:spcBef>
-              <a:spcAft>
-                <a:spcPts val="0"/>
-              </a:spcAft>
-              <a:buClrTx/>
-              <a:buSzTx/>
-              <a:buFontTx/>
-              <a:buNone/>
-            </a:pPr>
-            <a:r>
-              <a:rPr>
-                <a:ln>
-                  <a:noFill/>
-                </a:ln>
-                <a:solidFill>
-                  <a:srgbClr val="000000"/>
-                </a:solidFill>
-                <a:effectLst/>
-                <a:uFillTx/>
-                <a:sym typeface="Helvetica Light"/>
-              </a:rPr>
-              <a:t>LaunchImage-700@2x.png</a:t>
-            </a:r>
-            <a:endParaRPr>
-              <a:ln>
-                <a:noFill/>
-              </a:ln>
-              <a:solidFill>
-                <a:srgbClr val="000000"/>
-              </a:solidFill>
-              <a:effectLst/>
-              <a:uFillTx/>
-              <a:sym typeface="Helvetica Light"/>
-            </a:endParaRPr>
-          </a:p>
-          <a:p>
-            <a:pPr marL="0" marR="0" indent="0" algn="l" defTabSz="825500" rtl="0" fontAlgn="auto" latinLnBrk="1" hangingPunct="0">
-              <a:lnSpc>
-                <a:spcPct val="100000"/>
-              </a:lnSpc>
-              <a:spcBef>
-                <a:spcPts val="0"/>
-              </a:spcBef>
-              <a:spcAft>
-                <a:spcPts val="0"/>
-              </a:spcAft>
-              <a:buClrTx/>
-              <a:buSzTx/>
-              <a:buFontTx/>
-              <a:buNone/>
-            </a:pPr>
-            <a:r>
-              <a:rPr>
-                <a:ln>
-                  <a:noFill/>
-                </a:ln>
-                <a:solidFill>
-                  <a:srgbClr val="000000"/>
-                </a:solidFill>
-                <a:effectLst/>
-                <a:uFillTx/>
-                <a:sym typeface="Helvetica Light"/>
-              </a:rPr>
-              <a:t>LaunchImage-800-667h@2x.png</a:t>
-            </a:r>
-            <a:endParaRPr>
-              <a:ln>
-                <a:noFill/>
-              </a:ln>
-              <a:solidFill>
-                <a:srgbClr val="000000"/>
-              </a:solidFill>
-              <a:effectLst/>
-              <a:uFillTx/>
-              <a:sym typeface="Helvetica Light"/>
-            </a:endParaRPr>
-          </a:p>
-          <a:p>
-            <a:pPr marL="0" marR="0" indent="0" algn="l" defTabSz="825500" rtl="0" fontAlgn="auto" latinLnBrk="1" hangingPunct="0">
-              <a:lnSpc>
-                <a:spcPct val="100000"/>
-              </a:lnSpc>
-              <a:spcBef>
-                <a:spcPts val="0"/>
-              </a:spcBef>
-              <a:spcAft>
-                <a:spcPts val="0"/>
-              </a:spcAft>
-              <a:buClrTx/>
-              <a:buSzTx/>
-              <a:buFontTx/>
-              <a:buNone/>
-            </a:pPr>
-            <a:r>
-              <a:rPr>
-                <a:ln>
-                  <a:noFill/>
-                </a:ln>
-                <a:solidFill>
-                  <a:srgbClr val="000000"/>
-                </a:solidFill>
-                <a:effectLst/>
-                <a:uFillTx/>
-                <a:sym typeface="Helvetica Light"/>
-              </a:rPr>
-              <a:t>LaunchImage-800-Portrait-736h@3x.png</a:t>
-            </a:r>
-            <a:endParaRPr>
-              <a:ln>
-                <a:noFill/>
-              </a:ln>
-              <a:solidFill>
-                <a:srgbClr val="000000"/>
-              </a:solidFill>
-              <a:effectLst/>
-              <a:uFillTx/>
-              <a:sym typeface="Helvetica Light"/>
-            </a:endParaRPr>
-          </a:p>
-          <a:p>
-            <a:pPr marL="0" marR="0" indent="0" algn="l" defTabSz="825500" rtl="0" fontAlgn="auto" latinLnBrk="1" hangingPunct="0">
-              <a:lnSpc>
-                <a:spcPct val="100000"/>
-              </a:lnSpc>
-              <a:spcBef>
-                <a:spcPts val="0"/>
-              </a:spcBef>
-              <a:spcAft>
-                <a:spcPts val="0"/>
-              </a:spcAft>
-              <a:buClrTx/>
-              <a:buSzTx/>
-              <a:buFontTx/>
-              <a:buNone/>
-            </a:pPr>
-            <a:r>
-              <a:rPr>
-                <a:ln>
-                  <a:noFill/>
-                </a:ln>
-                <a:solidFill>
-                  <a:srgbClr val="000000"/>
-                </a:solidFill>
-                <a:effectLst/>
-                <a:uFillTx/>
-                <a:sym typeface="Helvetica Light"/>
-              </a:rPr>
-              <a:t>LaunchImage-1100-Portrait-2436h@3x.png</a:t>
-            </a:r>
-            <a:endParaRPr>
-              <a:ln>
-                <a:noFill/>
-              </a:ln>
-              <a:solidFill>
-                <a:srgbClr val="000000"/>
-              </a:solidFill>
-              <a:effectLst/>
-              <a:uFillTx/>
-              <a:sym typeface="Helvetica Light"/>
-            </a:endParaRPr>
-          </a:p>
-          <a:p>
-            <a:pPr marL="0" marR="0" indent="0" algn="l" defTabSz="825500" rtl="0" fontAlgn="auto" latinLnBrk="1" hangingPunct="0">
-              <a:lnSpc>
-                <a:spcPct val="100000"/>
-              </a:lnSpc>
-              <a:spcBef>
-                <a:spcPts val="0"/>
-              </a:spcBef>
-              <a:spcAft>
-                <a:spcPts val="0"/>
-              </a:spcAft>
-              <a:buClrTx/>
-              <a:buSzTx/>
-              <a:buFontTx/>
-              <a:buNone/>
-            </a:pPr>
-            <a:r>
-              <a:rPr>
-                <a:ln>
-                  <a:noFill/>
-                </a:ln>
-                <a:solidFill>
-                  <a:srgbClr val="000000"/>
-                </a:solidFill>
-                <a:effectLst/>
-                <a:uFillTx/>
-                <a:sym typeface="Helvetica Light"/>
-              </a:rPr>
-              <a:t>LaunchImage-1200-Portrait-1792h@2x.png</a:t>
-            </a:r>
-            <a:endParaRPr>
-              <a:ln>
-                <a:noFill/>
-              </a:ln>
-              <a:solidFill>
-                <a:srgbClr val="000000"/>
-              </a:solidFill>
-              <a:effectLst/>
-              <a:uFillTx/>
-              <a:sym typeface="Helvetica Light"/>
-            </a:endParaRPr>
-          </a:p>
-          <a:p>
-            <a:pPr marL="0" marR="0" indent="0" algn="l" defTabSz="825500" rtl="0" fontAlgn="auto" latinLnBrk="1" hangingPunct="0">
-              <a:lnSpc>
-                <a:spcPct val="100000"/>
-              </a:lnSpc>
-              <a:spcBef>
-                <a:spcPts val="0"/>
-              </a:spcBef>
-              <a:spcAft>
-                <a:spcPts val="0"/>
-              </a:spcAft>
-              <a:buClrTx/>
-              <a:buSzTx/>
-              <a:buFontTx/>
-              <a:buNone/>
-            </a:pPr>
-            <a:r>
-              <a:rPr>
-                <a:ln>
-                  <a:noFill/>
-                </a:ln>
-                <a:solidFill>
-                  <a:srgbClr val="000000"/>
-                </a:solidFill>
-                <a:effectLst/>
-                <a:uFillTx/>
-                <a:sym typeface="Helvetica Light"/>
-              </a:rPr>
-              <a:t>LaunchImage-1200-Portrait-2688h@3x.png</a:t>
-            </a:r>
-            <a:endParaRPr>
-              <a:ln>
-                <a:noFill/>
-              </a:ln>
-              <a:solidFill>
-                <a:srgbClr val="000000"/>
-              </a:solidFill>
-              <a:effectLst/>
-              <a:uFillTx/>
-              <a:sym typeface="Helvetica Light"/>
-            </a:endParaRPr>
-          </a:p>
-        </p:txBody>
-      </p:sp>
-      <p:cxnSp>
-        <p:nvCxnSpPr>
-          <p:cNvPr id="6" name="Straight Connector 5"/>
-          <p:cNvCxnSpPr/>
-          <p:nvPr/>
-        </p:nvCxnSpPr>
-        <p:spPr>
-          <a:xfrm>
-            <a:off x="9921240" y="2388870"/>
-            <a:ext cx="0" cy="7305675"/>
-          </a:xfrm>
-          <a:prstGeom prst="line">
-            <a:avLst/>
-          </a:prstGeom>
-          <a:ln w="92075">
-            <a:solidFill>
-              <a:schemeClr val="accent1"/>
-            </a:solidFill>
-          </a:ln>
-        </p:spPr>
-        <p:style>
-          <a:lnRef idx="1">
-            <a:schemeClr val="accent3"/>
-          </a:lnRef>
-          <a:fillRef idx="0">
-            <a:schemeClr val="accent3"/>
-          </a:fillRef>
-          <a:effectRef idx="0">
-            <a:schemeClr val="accent3"/>
-          </a:effectRef>
-          <a:fontRef idx="minor">
-            <a:schemeClr val="tx1"/>
-          </a:fontRef>
-        </p:style>
-      </p:cxnSp>
     </p:spTree>
   </p:cSld>
   <p:clrMapOvr>
@@ -4165,19 +3873,14 @@
             <p:ph type="title"/>
           </p:nvPr>
         </p:nvSpPr>
-        <p:spPr>
-          <a:xfrm>
-            <a:off x="2756806" y="577056"/>
-            <a:ext cx="16010584" cy="1506991"/>
-          </a:xfrm>
-        </p:spPr>
+        <p:spPr/>
         <p:txBody>
           <a:bodyPr/>
           <a:lstStyle/>
           <a:p>
             <a:r>
               <a:rPr kumimoji="1" dirty="0" smtClean="0"/>
-              <a:t>可执行文件</a:t>
+              <a:t>重签名</a:t>
             </a:r>
             <a:endParaRPr kumimoji="1" dirty="0" smtClean="0"/>
           </a:p>
@@ -4200,7 +3903,7 @@
           <a:p>
             <a:r>
               <a:rPr kumimoji="1" lang="en-US" altLang="zh-CN" dirty="0"/>
-              <a:t> </a:t>
+              <a:t>02</a:t>
             </a:r>
             <a:endParaRPr kumimoji="1" lang="en-US" altLang="zh-CN" dirty="0"/>
           </a:p>
@@ -4233,8 +3936,8 @@
         </p:nvSpPr>
         <p:spPr>
           <a:xfrm>
-            <a:off x="1277620" y="2991485"/>
-            <a:ext cx="21977350" cy="7026275"/>
+            <a:off x="1791335" y="2759710"/>
+            <a:ext cx="20801330" cy="10104120"/>
           </a:xfrm>
           <a:prstGeom prst="rect">
             <a:avLst/>
@@ -4278,6 +3981,34 @@
               <a:buNone/>
             </a:pPr>
             <a:r>
+              <a:rPr lang="en-US" altLang="zh-CN">
+                <a:ln>
+                  <a:noFill/>
+                </a:ln>
+                <a:solidFill>
+                  <a:srgbClr val="000000"/>
+                </a:solidFill>
+                <a:effectLst/>
+                <a:uFillTx/>
+                <a:sym typeface="Helvetica Light"/>
+              </a:rPr>
+              <a:t>1.</a:t>
+            </a:r>
+            <a:r>
+              <a:rPr lang="zh-CN" altLang="en-US">
+                <a:ln>
+                  <a:noFill/>
+                </a:ln>
+                <a:solidFill>
+                  <a:srgbClr val="000000"/>
+                </a:solidFill>
+                <a:effectLst/>
+                <a:uFillTx/>
+                <a:sym typeface="Helvetica Light"/>
+              </a:rPr>
+              <a:t>重签名工具</a:t>
+            </a:r>
+            <a:r>
               <a:rPr lang="en-US">
                 <a:ln>
                   <a:noFill/>
@@ -4289,7 +4020,49 @@
                 <a:uFillTx/>
                 <a:sym typeface="Helvetica Light"/>
               </a:rPr>
-              <a:t>1.</a:t>
+              <a:t>resignTool</a:t>
+            </a:r>
+            <a:endParaRPr lang="en-US">
+              <a:ln>
+                <a:noFill/>
+              </a:ln>
+              <a:solidFill>
+                <a:srgbClr val="000000"/>
+              </a:solidFill>
+              <a:effectLst/>
+              <a:uFillTx/>
+              <a:sym typeface="Helvetica Light"/>
+            </a:endParaRPr>
+          </a:p>
+          <a:p>
+            <a:pPr marL="0" marR="0" indent="0" algn="l" defTabSz="825500" rtl="0" fontAlgn="auto" latinLnBrk="1" hangingPunct="0">
+              <a:lnSpc>
+                <a:spcPct val="100000"/>
+              </a:lnSpc>
+              <a:spcBef>
+                <a:spcPts val="0"/>
+              </a:spcBef>
+              <a:spcAft>
+                <a:spcPts val="0"/>
+              </a:spcAft>
+              <a:buClrTx/>
+              <a:buSzTx/>
+              <a:buFontTx/>
+              <a:buNone/>
+            </a:pPr>
+            <a:r>
+              <a:rPr lang="en-US" altLang="zh-CN">
+                <a:ln>
+                  <a:noFill/>
+                </a:ln>
+                <a:solidFill>
+                  <a:srgbClr val="000000"/>
+                </a:solidFill>
+                <a:effectLst/>
+                <a:uFillTx/>
+                <a:sym typeface="Helvetica Light"/>
+              </a:rPr>
+              <a:t>	</a:t>
             </a:r>
             <a:r>
               <a:rPr lang="zh-CN" altLang="en-US">
@@ -4303,21 +4076,7 @@
                 <a:uFillTx/>
                 <a:sym typeface="Helvetica Light"/>
               </a:rPr>
-              <a:t>探测可执行文件类型</a:t>
-            </a:r>
-            <a:r>
-              <a:rPr lang="en-US" altLang="zh-CN">
-                <a:ln>
-                  <a:noFill/>
-                </a:ln>
-                <a:solidFill>
-                  <a:srgbClr val="000000"/>
-                </a:solidFill>
-                <a:effectLst/>
-                <a:uFillTx/>
-                <a:sym typeface="Helvetica Light"/>
-              </a:rPr>
-              <a:t>(file xxx)</a:t>
+              <a:t>用来更新证书、版本号等</a:t>
             </a:r>
             <a:endParaRPr lang="zh-CN" altLang="en-US">
               <a:ln>
@@ -4347,35 +4106,7 @@
               <a:buFontTx/>
               <a:buNone/>
             </a:pPr>
-            <a:r>
-              <a:rPr lang="en-US" altLang="zh-CN">
-                <a:ln>
-                  <a:noFill/>
-                </a:ln>
-                <a:solidFill>
-                  <a:srgbClr val="000000"/>
-                </a:solidFill>
-                <a:effectLst/>
-                <a:uFillTx/>
-                <a:sym typeface="Helvetica Light"/>
-              </a:rPr>
-              <a:t>	file </a:t>
-            </a:r>
-            <a:r>
-              <a:rPr lang="zh-CN" altLang="en-US">
-                <a:ln>
-                  <a:noFill/>
-                </a:ln>
-                <a:solidFill>
-                  <a:srgbClr val="000000"/>
-                </a:solidFill>
-                <a:effectLst/>
-                <a:uFillTx/>
-                <a:sym typeface="Helvetica Light"/>
-              </a:rPr>
-              <a:t>Payload/SmartCommunityForShushu.app/SmartCommunityForShushu</a:t>
-            </a:r>
-            <a:endParaRPr lang="en-US">
+            <a:endParaRPr kumimoji="0" lang="en-US" sz="5000" b="0" i="0" u="none" strike="noStrike" cap="none" spc="0" normalizeH="0" baseline="0">
               <a:ln>
                 <a:noFill/>
               </a:ln>
@@ -4384,6 +4115,9 @@
               </a:solidFill>
               <a:effectLst/>
               <a:uFillTx/>
+              <a:latin typeface="+mn-lt"/>
+              <a:ea typeface="+mn-ea"/>
+              <a:cs typeface="+mn-cs"/>
               <a:sym typeface="Helvetica Light"/>
             </a:endParaRPr>
           </a:p>
@@ -4403,7 +4137,41 @@
               <a:buFontTx/>
               <a:buNone/>
             </a:pPr>
-            <a:endParaRPr lang="en-US" altLang="en-US">
+            <a:r>
+              <a:rPr kumimoji="0" lang="en-US" sz="5000" b="0" i="0" u="none" strike="noStrike" cap="none" spc="0" normalizeH="0" baseline="0">
+                <a:ln>
+                  <a:noFill/>
+                </a:ln>
+                <a:solidFill>
+                  <a:srgbClr val="000000"/>
+                </a:solidFill>
+                <a:effectLst/>
+                <a:uFillTx/>
+                <a:latin typeface="+mn-lt"/>
+                <a:ea typeface="+mn-ea"/>
+                <a:cs typeface="+mn-cs"/>
+                <a:sym typeface="Helvetica Light"/>
+              </a:rPr>
+              <a:t>2.</a:t>
+            </a:r>
+            <a:r>
+              <a:rPr kumimoji="0" lang="zh-CN" altLang="en-US" sz="5000" b="0" i="0" u="none" strike="noStrike" cap="none" spc="0" normalizeH="0" baseline="0">
+                <a:ln>
+                  <a:noFill/>
+                </a:ln>
+                <a:solidFill>
+                  <a:srgbClr val="000000"/>
+                </a:solidFill>
+                <a:effectLst/>
+                <a:uFillTx/>
+                <a:latin typeface="+mn-lt"/>
+                <a:ea typeface="+mn-ea"/>
+                <a:cs typeface="+mn-cs"/>
+                <a:sym typeface="Helvetica Light"/>
+              </a:rPr>
+              <a:t>重签名步骤</a:t>
+            </a:r>
+            <a:endParaRPr kumimoji="0" lang="zh-CN" altLang="en-US" sz="5000" b="0" i="0" u="none" strike="noStrike" cap="none" spc="0" normalizeH="0" baseline="0">
               <a:ln>
                 <a:noFill/>
               </a:ln>
@@ -4412,6 +4180,9 @@
               </a:solidFill>
               <a:effectLst/>
               <a:uFillTx/>
+              <a:latin typeface="+mn-lt"/>
+              <a:ea typeface="+mn-ea"/>
+              <a:cs typeface="+mn-cs"/>
               <a:sym typeface="Helvetica Light"/>
             </a:endParaRPr>
           </a:p>
@@ -4432,48 +4203,40 @@
               <a:buNone/>
             </a:pPr>
             <a:r>
-              <a:rPr lang="en-US">
-                <a:ln>
-                  <a:noFill/>
-                </a:ln>
-                <a:solidFill>
-                  <a:srgbClr val="000000"/>
-                </a:solidFill>
-                <a:effectLst/>
-                <a:uFillTx/>
-                <a:sym typeface="Helvetica Light"/>
-              </a:rPr>
-              <a:t>2.</a:t>
-            </a:r>
-            <a:r>
-              <a:rPr lang="zh-CN" altLang="en-US">
-                <a:ln>
-                  <a:noFill/>
-                </a:ln>
-                <a:solidFill>
-                  <a:srgbClr val="000000"/>
-                </a:solidFill>
-                <a:effectLst/>
-                <a:uFillTx/>
-                <a:sym typeface="Helvetica Light"/>
-              </a:rPr>
-              <a:t>列出所有头文件 </a:t>
-            </a:r>
-            <a:r>
-              <a:rPr lang="en-US" altLang="zh-CN">
-                <a:ln>
-                  <a:noFill/>
-                </a:ln>
-                <a:solidFill>
-                  <a:srgbClr val="000000"/>
-                </a:solidFill>
-                <a:effectLst/>
-                <a:uFillTx/>
-                <a:sym typeface="Helvetica Light"/>
-              </a:rPr>
-              <a:t>(class-dump -H executefile -o outputdirectory)</a:t>
-            </a:r>
-            <a:endParaRPr lang="zh-CN" altLang="en-US">
+              <a:rPr kumimoji="0" lang="en-US" altLang="zh-CN" sz="5000" b="0" i="0" u="none" strike="noStrike" cap="none" spc="0" normalizeH="0" baseline="0">
+                <a:ln>
+                  <a:noFill/>
+                </a:ln>
+                <a:solidFill>
+                  <a:srgbClr val="000000"/>
+                </a:solidFill>
+                <a:effectLst/>
+                <a:uFillTx/>
+                <a:latin typeface="+mn-lt"/>
+                <a:ea typeface="+mn-ea"/>
+                <a:cs typeface="+mn-cs"/>
+                <a:sym typeface="Helvetica Light"/>
+              </a:rPr>
+              <a:t>	- I.</a:t>
+            </a:r>
+            <a:r>
+              <a:rPr kumimoji="0" lang="zh-CN" altLang="en-US" sz="5000" b="0" i="0" u="none" strike="noStrike" cap="none" spc="0" normalizeH="0" baseline="0">
+                <a:ln>
+                  <a:noFill/>
+                </a:ln>
+                <a:solidFill>
+                  <a:srgbClr val="000000"/>
+                </a:solidFill>
+                <a:effectLst/>
+                <a:uFillTx/>
+                <a:latin typeface="+mn-lt"/>
+                <a:ea typeface="+mn-ea"/>
+                <a:cs typeface="+mn-cs"/>
+                <a:sym typeface="Helvetica Light"/>
+              </a:rPr>
+              <a:t>提取权限信息</a:t>
+            </a:r>
+            <a:endParaRPr kumimoji="0" lang="zh-CN" altLang="en-US" sz="5000" b="0" i="0" u="none" strike="noStrike" cap="none" spc="0" normalizeH="0" baseline="0">
               <a:ln>
                 <a:noFill/>
               </a:ln>
@@ -4482,6 +4245,9 @@
               </a:solidFill>
               <a:effectLst/>
               <a:uFillTx/>
+              <a:latin typeface="+mn-lt"/>
+              <a:ea typeface="+mn-ea"/>
+              <a:cs typeface="+mn-cs"/>
               <a:sym typeface="Helvetica Light"/>
             </a:endParaRPr>
           </a:p>
@@ -4502,34 +4268,23 @@
               <a:buNone/>
             </a:pPr>
             <a:r>
-              <a:rPr lang="en-US" altLang="zh-CN">
-                <a:ln>
-                  <a:noFill/>
-                </a:ln>
-                <a:solidFill>
-                  <a:srgbClr val="000000"/>
-                </a:solidFill>
-                <a:effectLst/>
-                <a:uFillTx/>
-                <a:sym typeface="Helvetica Light"/>
-              </a:rPr>
-              <a:t>	</a:t>
-            </a:r>
-            <a:r>
-              <a:rPr lang="zh-CN" altLang="en-US">
-                <a:ln>
-                  <a:noFill/>
-                </a:ln>
-                <a:solidFill>
-                  <a:srgbClr val="000000"/>
-                </a:solidFill>
-                <a:effectLst/>
-                <a:uFillTx/>
-                <a:sym typeface="Helvetica Light"/>
-              </a:rPr>
-              <a:t>./class-dump -H Payload/SmartCommunityForShushu.app/SmartCommunityForShushu -o SmartCommunityForShushuResult</a:t>
-            </a:r>
-            <a:endParaRPr lang="zh-CN" altLang="en-US">
+              <a:rPr kumimoji="0" lang="en-US" altLang="zh-CN" sz="5000" b="0" i="0" u="none" strike="noStrike" cap="none" spc="0" normalizeH="0" baseline="0">
+                <a:ln>
+                  <a:noFill/>
+                </a:ln>
+                <a:solidFill>
+                  <a:srgbClr val="000000"/>
+                </a:solidFill>
+                <a:effectLst/>
+                <a:uFillTx/>
+                <a:latin typeface="+mn-lt"/>
+                <a:ea typeface="+mn-ea"/>
+                <a:cs typeface="+mn-cs"/>
+                <a:sym typeface="Helvetica Light"/>
+              </a:rPr>
+              <a:t>		codesign -d --entitlements - SmartCommunityForShushu.app</a:t>
+            </a:r>
+            <a:endParaRPr kumimoji="0" lang="en-US" altLang="zh-CN" sz="5000" b="0" i="0" u="none" strike="noStrike" cap="none" spc="0" normalizeH="0" baseline="0">
               <a:ln>
                 <a:noFill/>
               </a:ln>
@@ -4538,6 +4293,9 @@
               </a:solidFill>
               <a:effectLst/>
               <a:uFillTx/>
+              <a:latin typeface="+mn-lt"/>
+              <a:ea typeface="+mn-ea"/>
+              <a:cs typeface="+mn-cs"/>
               <a:sym typeface="Helvetica Light"/>
             </a:endParaRPr>
           </a:p>
@@ -4557,7 +4315,41 @@
               <a:buFontTx/>
               <a:buNone/>
             </a:pPr>
-            <a:endParaRPr lang="zh-CN" altLang="en-US">
+            <a:r>
+              <a:rPr kumimoji="0" lang="en-US" altLang="zh-CN" sz="5000" b="0" i="0" u="none" strike="noStrike" cap="none" spc="0" normalizeH="0" baseline="0">
+                <a:ln>
+                  <a:noFill/>
+                </a:ln>
+                <a:solidFill>
+                  <a:srgbClr val="000000"/>
+                </a:solidFill>
+                <a:effectLst/>
+                <a:uFillTx/>
+                <a:latin typeface="+mn-lt"/>
+                <a:ea typeface="+mn-ea"/>
+                <a:cs typeface="+mn-cs"/>
+                <a:sym typeface="Helvetica Light"/>
+              </a:rPr>
+              <a:t>	- II.</a:t>
+            </a:r>
+            <a:r>
+              <a:rPr kumimoji="0" lang="zh-CN" altLang="en-US" sz="5000" b="0" i="0" u="none" strike="noStrike" cap="none" spc="0" normalizeH="0" baseline="0">
+                <a:ln>
+                  <a:noFill/>
+                </a:ln>
+                <a:solidFill>
+                  <a:srgbClr val="000000"/>
+                </a:solidFill>
+                <a:effectLst/>
+                <a:uFillTx/>
+                <a:latin typeface="+mn-lt"/>
+                <a:ea typeface="+mn-ea"/>
+                <a:cs typeface="+mn-cs"/>
+                <a:sym typeface="Helvetica Light"/>
+              </a:rPr>
+              <a:t>替换资源文件、签名文件等</a:t>
+            </a:r>
+            <a:endParaRPr kumimoji="0" lang="zh-CN" altLang="en-US" sz="5000" b="0" i="0" u="none" strike="noStrike" cap="none" spc="0" normalizeH="0" baseline="0">
               <a:ln>
                 <a:noFill/>
               </a:ln>
@@ -4566,6 +4358,9 @@
               </a:solidFill>
               <a:effectLst/>
               <a:uFillTx/>
+              <a:latin typeface="+mn-lt"/>
+              <a:ea typeface="+mn-ea"/>
+              <a:cs typeface="+mn-cs"/>
               <a:sym typeface="Helvetica Light"/>
             </a:endParaRPr>
           </a:p>
@@ -4586,48 +4381,40 @@
               <a:buNone/>
             </a:pPr>
             <a:r>
-              <a:rPr lang="en-US" altLang="zh-CN">
-                <a:ln>
-                  <a:noFill/>
-                </a:ln>
-                <a:solidFill>
-                  <a:srgbClr val="000000"/>
-                </a:solidFill>
-                <a:effectLst/>
-                <a:uFillTx/>
-                <a:sym typeface="Helvetica Light"/>
-              </a:rPr>
-              <a:t>3.</a:t>
-            </a:r>
-            <a:r>
-              <a:rPr lang="en-US" altLang="zh-CN" dirty="0" smtClean="0">
-                <a:ln>
-                  <a:noFill/>
-                </a:ln>
-                <a:solidFill>
-                  <a:srgbClr val="000000"/>
-                </a:solidFill>
-                <a:effectLst/>
-                <a:uFillTx/>
-                <a:sym typeface="Helvetica Light"/>
-              </a:rPr>
-              <a:t>Hopper-Disassembler</a:t>
-            </a:r>
-            <a:r>
-              <a:rPr lang="zh-CN" altLang="en-US" dirty="0" smtClean="0">
-                <a:ln>
-                  <a:noFill/>
-                </a:ln>
-                <a:solidFill>
-                  <a:srgbClr val="000000"/>
-                </a:solidFill>
-                <a:effectLst/>
-                <a:uFillTx/>
-                <a:sym typeface="Helvetica Light"/>
-              </a:rPr>
-              <a:t>分析二进制文件</a:t>
-            </a:r>
-            <a:endParaRPr lang="zh-CN" altLang="en-US" dirty="0" smtClean="0">
+              <a:rPr kumimoji="0" lang="en-US" altLang="zh-CN" sz="5000" b="0" i="0" u="none" strike="noStrike" cap="none" spc="0" normalizeH="0" baseline="0">
+                <a:ln>
+                  <a:noFill/>
+                </a:ln>
+                <a:solidFill>
+                  <a:srgbClr val="000000"/>
+                </a:solidFill>
+                <a:effectLst/>
+                <a:uFillTx/>
+                <a:latin typeface="+mn-lt"/>
+                <a:ea typeface="+mn-ea"/>
+                <a:cs typeface="+mn-cs"/>
+                <a:sym typeface="Helvetica Light"/>
+              </a:rPr>
+              <a:t>	- III.</a:t>
+            </a:r>
+            <a:r>
+              <a:rPr kumimoji="0" lang="zh-CN" altLang="en-US" sz="5000" b="0" i="0" u="none" strike="noStrike" cap="none" spc="0" normalizeH="0" baseline="0">
+                <a:ln>
+                  <a:noFill/>
+                </a:ln>
+                <a:solidFill>
+                  <a:srgbClr val="000000"/>
+                </a:solidFill>
+                <a:effectLst/>
+                <a:uFillTx/>
+                <a:latin typeface="+mn-lt"/>
+                <a:ea typeface="+mn-ea"/>
+                <a:cs typeface="+mn-cs"/>
+                <a:sym typeface="Helvetica Light"/>
+              </a:rPr>
+              <a:t>重签名</a:t>
+            </a:r>
+            <a:endParaRPr kumimoji="0" lang="zh-CN" altLang="en-US" sz="5000" b="0" i="0" u="none" strike="noStrike" cap="none" spc="0" normalizeH="0" baseline="0">
               <a:ln>
                 <a:noFill/>
               </a:ln>
@@ -4636,6 +4423,170 @@
               </a:solidFill>
               <a:effectLst/>
               <a:uFillTx/>
+              <a:latin typeface="+mn-lt"/>
+              <a:ea typeface="+mn-ea"/>
+              <a:cs typeface="+mn-cs"/>
+              <a:sym typeface="Helvetica Light"/>
+            </a:endParaRPr>
+          </a:p>
+          <a:p>
+            <a:pPr marL="0" marR="0" indent="0" algn="l" defTabSz="825500" rtl="0" fontAlgn="auto" latinLnBrk="1" hangingPunct="0">
+              <a:lnSpc>
+                <a:spcPct val="100000"/>
+              </a:lnSpc>
+              <a:spcBef>
+                <a:spcPts val="0"/>
+              </a:spcBef>
+              <a:spcAft>
+                <a:spcPts val="0"/>
+              </a:spcAft>
+              <a:buClrTx/>
+              <a:buSzTx/>
+              <a:buFontTx/>
+              <a:buNone/>
+            </a:pPr>
+            <a:r>
+              <a:rPr kumimoji="0" lang="en-US" altLang="zh-CN" sz="5000" b="0" i="0" u="none" strike="noStrike" cap="none" spc="0" normalizeH="0" baseline="0">
+                <a:ln>
+                  <a:noFill/>
+                </a:ln>
+                <a:solidFill>
+                  <a:srgbClr val="000000"/>
+                </a:solidFill>
+                <a:effectLst/>
+                <a:uFillTx/>
+                <a:latin typeface="+mn-lt"/>
+                <a:ea typeface="+mn-ea"/>
+                <a:cs typeface="+mn-cs"/>
+                <a:sym typeface="Helvetica Light"/>
+              </a:rPr>
+              <a:t>		codesign -fs 'iPhone Distribution: Hangzhou Greentown &amp; Uama Technology Co., Ltd.' --entitlements SmartCommunityForShushu_entitlements.plist Payload/SmartCommunityForShushu.app</a:t>
+            </a:r>
+            <a:endParaRPr kumimoji="0" lang="en-US" altLang="zh-CN" sz="5000" b="0" i="0" u="none" strike="noStrike" cap="none" spc="0" normalizeH="0" baseline="0">
+              <a:ln>
+                <a:noFill/>
+              </a:ln>
+              <a:solidFill>
+                <a:srgbClr val="000000"/>
+              </a:solidFill>
+              <a:effectLst/>
+              <a:uFillTx/>
+              <a:latin typeface="+mn-lt"/>
+              <a:ea typeface="+mn-ea"/>
+              <a:cs typeface="+mn-cs"/>
+              <a:sym typeface="Helvetica Light"/>
+            </a:endParaRPr>
+          </a:p>
+          <a:p>
+            <a:pPr marL="0" marR="0" indent="0" algn="l" defTabSz="825500" rtl="0" fontAlgn="auto" latinLnBrk="1" hangingPunct="0">
+              <a:lnSpc>
+                <a:spcPct val="100000"/>
+              </a:lnSpc>
+              <a:spcBef>
+                <a:spcPts val="0"/>
+              </a:spcBef>
+              <a:spcAft>
+                <a:spcPts val="0"/>
+              </a:spcAft>
+              <a:buClrTx/>
+              <a:buSzTx/>
+              <a:buFontTx/>
+              <a:buNone/>
+            </a:pPr>
+            <a:r>
+              <a:rPr kumimoji="0" lang="en-US" altLang="zh-CN" sz="5000" b="0" i="0" u="none" strike="noStrike" cap="none" spc="0" normalizeH="0" baseline="0">
+                <a:ln>
+                  <a:noFill/>
+                </a:ln>
+                <a:solidFill>
+                  <a:srgbClr val="000000"/>
+                </a:solidFill>
+                <a:effectLst/>
+                <a:uFillTx/>
+                <a:latin typeface="+mn-lt"/>
+                <a:ea typeface="+mn-ea"/>
+                <a:cs typeface="+mn-cs"/>
+                <a:sym typeface="Helvetica Light"/>
+              </a:rPr>
+              <a:t>	- IV.</a:t>
+            </a:r>
+            <a:r>
+              <a:rPr kumimoji="0" lang="zh-CN" altLang="en-US" sz="5000" b="0" i="0" u="none" strike="noStrike" cap="none" spc="0" normalizeH="0" baseline="0">
+                <a:ln>
+                  <a:noFill/>
+                </a:ln>
+                <a:solidFill>
+                  <a:srgbClr val="000000"/>
+                </a:solidFill>
+                <a:effectLst/>
+                <a:uFillTx/>
+                <a:latin typeface="+mn-lt"/>
+                <a:ea typeface="+mn-ea"/>
+                <a:cs typeface="+mn-cs"/>
+                <a:sym typeface="Helvetica Light"/>
+              </a:rPr>
+              <a:t>重新打包 zip -r NewApp.ipa Payload</a:t>
+            </a:r>
+            <a:endParaRPr kumimoji="0" lang="zh-CN" altLang="en-US" sz="5000" b="0" i="0" u="none" strike="noStrike" cap="none" spc="0" normalizeH="0" baseline="0">
+              <a:ln>
+                <a:noFill/>
+              </a:ln>
+              <a:solidFill>
+                <a:srgbClr val="000000"/>
+              </a:solidFill>
+              <a:effectLst/>
+              <a:uFillTx/>
+              <a:latin typeface="+mn-lt"/>
+              <a:ea typeface="+mn-ea"/>
+              <a:cs typeface="+mn-cs"/>
+              <a:sym typeface="Helvetica Light"/>
+            </a:endParaRPr>
+          </a:p>
+          <a:p>
+            <a:pPr marL="0" marR="0" indent="0" algn="l" defTabSz="825500" rtl="0" fontAlgn="auto" latinLnBrk="1" hangingPunct="0">
+              <a:lnSpc>
+                <a:spcPct val="100000"/>
+              </a:lnSpc>
+              <a:spcBef>
+                <a:spcPts val="0"/>
+              </a:spcBef>
+              <a:spcAft>
+                <a:spcPts val="0"/>
+              </a:spcAft>
+              <a:buClrTx/>
+              <a:buSzTx/>
+              <a:buFontTx/>
+              <a:buNone/>
+            </a:pPr>
+            <a:r>
+              <a:rPr kumimoji="0" lang="en-US" altLang="zh-CN" sz="5000" b="0" i="0" u="none" strike="noStrike" cap="none" spc="0" normalizeH="0" baseline="0">
+                <a:ln>
+                  <a:noFill/>
+                </a:ln>
+                <a:solidFill>
+                  <a:srgbClr val="000000"/>
+                </a:solidFill>
+                <a:effectLst/>
+                <a:uFillTx/>
+                <a:latin typeface="+mn-lt"/>
+                <a:ea typeface="+mn-ea"/>
+                <a:cs typeface="+mn-cs"/>
+                <a:sym typeface="Helvetica Light"/>
+              </a:rPr>
+              <a:t>		</a:t>
+            </a:r>
+            <a:endParaRPr kumimoji="0" lang="en-US" altLang="zh-CN" sz="5000" b="0" i="0" u="none" strike="noStrike" cap="none" spc="0" normalizeH="0" baseline="0">
+              <a:ln>
+                <a:noFill/>
+              </a:ln>
+              <a:solidFill>
+                <a:srgbClr val="000000"/>
+              </a:solidFill>
+              <a:effectLst/>
+              <a:uFillTx/>
+              <a:latin typeface="+mn-lt"/>
+              <a:ea typeface="+mn-ea"/>
+              <a:cs typeface="+mn-cs"/>
               <a:sym typeface="Helvetica Light"/>
             </a:endParaRPr>
           </a:p>
@@ -4690,8 +4641,12 @@
           <a:lstStyle/>
           <a:p>
             <a:r>
+              <a:rPr kumimoji="1" lang="en-US" altLang="zh-CN" dirty="0" smtClean="0"/>
+              <a:t>ipa</a:t>
+            </a:r>
+            <a:r>
               <a:rPr kumimoji="1" dirty="0" smtClean="0"/>
-              <a:t>重签名</a:t>
+              <a:t>安全</a:t>
             </a:r>
             <a:endParaRPr kumimoji="1" dirty="0" smtClean="0"/>
           </a:p>
@@ -4714,7 +4669,7 @@
           <a:p>
             <a:r>
               <a:rPr kumimoji="1" lang="en-US" altLang="zh-CN" dirty="0"/>
-              <a:t>02</a:t>
+              <a:t>03</a:t>
             </a:r>
             <a:endParaRPr kumimoji="1" lang="en-US" altLang="zh-CN" dirty="0"/>
           </a:p>
@@ -4748,7 +4703,7 @@
         <p:spPr>
           <a:xfrm>
             <a:off x="1791335" y="2759710"/>
-            <a:ext cx="20801330" cy="10104120"/>
+            <a:ext cx="20801330" cy="4718050"/>
           </a:xfrm>
           <a:prstGeom prst="rect">
             <a:avLst/>
@@ -4806,90 +4761,20 @@
               <a:t>1.</a:t>
             </a:r>
             <a:r>
-              <a:rPr lang="zh-CN" altLang="en-US">
-                <a:ln>
-                  <a:noFill/>
-                </a:ln>
-                <a:solidFill>
-                  <a:srgbClr val="000000"/>
-                </a:solidFill>
-                <a:effectLst/>
-                <a:uFillTx/>
-                <a:sym typeface="Helvetica Light"/>
-              </a:rPr>
-              <a:t>重签名工具</a:t>
-            </a:r>
-            <a:r>
-              <a:rPr lang="en-US">
-                <a:ln>
-                  <a:noFill/>
-                </a:ln>
-                <a:solidFill>
-                  <a:srgbClr val="000000"/>
-                </a:solidFill>
-                <a:effectLst/>
-                <a:uFillTx/>
-                <a:sym typeface="Helvetica Light"/>
-              </a:rPr>
-              <a:t>resignTool</a:t>
-            </a:r>
-            <a:endParaRPr lang="en-US">
-              <a:ln>
-                <a:noFill/>
-              </a:ln>
-              <a:solidFill>
-                <a:srgbClr val="000000"/>
-              </a:solidFill>
-              <a:effectLst/>
-              <a:uFillTx/>
-              <a:sym typeface="Helvetica Light"/>
-            </a:endParaRPr>
-          </a:p>
-          <a:p>
-            <a:pPr marL="0" marR="0" indent="0" algn="l" defTabSz="825500" rtl="0" fontAlgn="auto" latinLnBrk="1" hangingPunct="0">
-              <a:lnSpc>
-                <a:spcPct val="100000"/>
-              </a:lnSpc>
-              <a:spcBef>
-                <a:spcPts val="0"/>
-              </a:spcBef>
-              <a:spcAft>
-                <a:spcPts val="0"/>
-              </a:spcAft>
-              <a:buClrTx/>
-              <a:buSzTx/>
-              <a:buFontTx/>
-              <a:buNone/>
-            </a:pPr>
-            <a:r>
-              <a:rPr lang="en-US" altLang="zh-CN">
-                <a:ln>
-                  <a:noFill/>
-                </a:ln>
-                <a:solidFill>
-                  <a:srgbClr val="000000"/>
-                </a:solidFill>
-                <a:effectLst/>
-                <a:uFillTx/>
-                <a:sym typeface="Helvetica Light"/>
-              </a:rPr>
-              <a:t>	</a:t>
-            </a:r>
-            <a:r>
-              <a:rPr lang="zh-CN" altLang="en-US">
-                <a:ln>
-                  <a:noFill/>
-                </a:ln>
-                <a:solidFill>
-                  <a:srgbClr val="000000"/>
-                </a:solidFill>
-                <a:effectLst/>
-                <a:uFillTx/>
-                <a:sym typeface="Helvetica Light"/>
-              </a:rPr>
-              <a:t>用来更新证书、版本号等</a:t>
-            </a:r>
-            <a:endParaRPr lang="zh-CN" altLang="en-US">
+              <a:rPr>
+                <a:ln>
+                  <a:noFill/>
+                </a:ln>
+                <a:solidFill>
+                  <a:srgbClr val="000000"/>
+                </a:solidFill>
+                <a:effectLst/>
+                <a:uFillTx/>
+                <a:sym typeface="Helvetica Light"/>
+              </a:rPr>
+              <a:t>不要在plist文件、项目中的静态文件中 存储关键的信息</a:t>
+            </a:r>
+            <a:endParaRPr>
               <a:ln>
                 <a:noFill/>
               </a:ln>
@@ -4963,15 +4848,15 @@
                 <a:cs typeface="+mn-cs"/>
                 <a:sym typeface="Helvetica Light"/>
               </a:rPr>
-              <a:t>2.</a:t>
-            </a:r>
-            <a:r>
-              <a:rPr kumimoji="0" lang="zh-CN" altLang="en-US" sz="5000" b="0" i="0" u="none" strike="noStrike" cap="none" spc="0" normalizeH="0" baseline="0">
-                <a:ln>
-                  <a:noFill/>
-                </a:ln>
-                <a:solidFill>
-                  <a:srgbClr val="000000"/>
+              <a:t>2.进行</a:t>
+            </a:r>
+            <a:r>
+              <a:rPr kumimoji="0" lang="en-US" sz="5000" b="1" i="1" u="none" strike="noStrike" cap="none" spc="0" normalizeH="0" baseline="0">
+                <a:ln>
+                  <a:noFill/>
+                </a:ln>
+                <a:solidFill>
+                  <a:srgbClr val="FF0000"/>
                 </a:solidFill>
                 <a:effectLst/>
                 <a:uFillTx/>
@@ -4980,7 +4865,120 @@
                 <a:cs typeface="+mn-cs"/>
                 <a:sym typeface="Helvetica Light"/>
               </a:rPr>
-              <a:t>重签名步骤</a:t>
+              <a:t>代码混淆</a:t>
+            </a:r>
+            <a:r>
+              <a:rPr kumimoji="0" lang="en-US" sz="5000" b="0" i="0" u="none" strike="noStrike" cap="none" spc="0" normalizeH="0" baseline="0">
+                <a:ln>
+                  <a:noFill/>
+                </a:ln>
+                <a:solidFill>
+                  <a:srgbClr val="000000"/>
+                </a:solidFill>
+                <a:effectLst/>
+                <a:uFillTx/>
+                <a:latin typeface="+mn-lt"/>
+                <a:ea typeface="+mn-ea"/>
+                <a:cs typeface="+mn-cs"/>
+                <a:sym typeface="Helvetica Light"/>
+              </a:rPr>
+              <a:t>，增加反编译的难度</a:t>
+            </a:r>
+            <a:endParaRPr kumimoji="0" lang="en-US" sz="5000" b="0" i="0" u="none" strike="noStrike" cap="none" spc="0" normalizeH="0" baseline="0">
+              <a:ln>
+                <a:noFill/>
+              </a:ln>
+              <a:solidFill>
+                <a:srgbClr val="000000"/>
+              </a:solidFill>
+              <a:effectLst/>
+              <a:uFillTx/>
+              <a:latin typeface="+mn-lt"/>
+              <a:ea typeface="+mn-ea"/>
+              <a:cs typeface="+mn-cs"/>
+              <a:sym typeface="Helvetica Light"/>
+            </a:endParaRPr>
+          </a:p>
+          <a:p>
+            <a:pPr marL="0" marR="0" indent="0" algn="l" defTabSz="825500" rtl="0" fontAlgn="auto" latinLnBrk="1" hangingPunct="0">
+              <a:lnSpc>
+                <a:spcPct val="100000"/>
+              </a:lnSpc>
+              <a:spcBef>
+                <a:spcPts val="0"/>
+              </a:spcBef>
+              <a:spcAft>
+                <a:spcPts val="0"/>
+              </a:spcAft>
+              <a:buClrTx/>
+              <a:buSzTx/>
+              <a:buFontTx/>
+              <a:buNone/>
+            </a:pPr>
+            <a:endParaRPr kumimoji="0" lang="en-US" altLang="zh-CN" sz="5000" b="0" i="0" u="none" strike="noStrike" cap="none" spc="0" normalizeH="0" baseline="0">
+              <a:ln>
+                <a:noFill/>
+              </a:ln>
+              <a:solidFill>
+                <a:srgbClr val="000000"/>
+              </a:solidFill>
+              <a:effectLst/>
+              <a:uFillTx/>
+              <a:latin typeface="+mn-lt"/>
+              <a:ea typeface="+mn-ea"/>
+              <a:cs typeface="+mn-cs"/>
+              <a:sym typeface="Helvetica Light"/>
+            </a:endParaRPr>
+          </a:p>
+          <a:p>
+            <a:pPr marL="0" marR="0" indent="0" algn="l" defTabSz="825500" rtl="0" fontAlgn="auto" latinLnBrk="1" hangingPunct="0">
+              <a:lnSpc>
+                <a:spcPct val="100000"/>
+              </a:lnSpc>
+              <a:spcBef>
+                <a:spcPts val="0"/>
+              </a:spcBef>
+              <a:spcAft>
+                <a:spcPts val="0"/>
+              </a:spcAft>
+              <a:buClrTx/>
+              <a:buSzTx/>
+              <a:buFontTx/>
+              <a:buNone/>
+            </a:pPr>
+            <a:r>
+              <a:rPr kumimoji="0" lang="en-US" altLang="zh-CN" sz="5000" b="0" i="0" u="none" strike="noStrike" cap="none" spc="0" normalizeH="0" baseline="0">
+                <a:ln>
+                  <a:noFill/>
+                </a:ln>
+                <a:solidFill>
+                  <a:srgbClr val="000000"/>
+                </a:solidFill>
+                <a:effectLst/>
+                <a:uFillTx/>
+                <a:latin typeface="+mn-lt"/>
+                <a:ea typeface="+mn-ea"/>
+                <a:cs typeface="+mn-cs"/>
+                <a:sym typeface="Helvetica Light"/>
+              </a:rPr>
+              <a:t>3.</a:t>
+            </a:r>
+            <a:r>
+              <a:rPr kumimoji="0" lang="zh-CN" altLang="en-US" sz="5000" b="0" i="0" u="none" strike="noStrike" cap="none" spc="0" normalizeH="0" baseline="0">
+                <a:ln>
+                  <a:noFill/>
+                </a:ln>
+                <a:solidFill>
+                  <a:srgbClr val="000000"/>
+                </a:solidFill>
+                <a:effectLst/>
+                <a:uFillTx/>
+                <a:latin typeface="+mn-lt"/>
+                <a:ea typeface="+mn-ea"/>
+                <a:cs typeface="+mn-cs"/>
+                <a:sym typeface="Helvetica Light"/>
+              </a:rPr>
+              <a:t>对接口返回的数据进行加密</a:t>
             </a:r>
             <a:endParaRPr kumimoji="0" lang="zh-CN" altLang="en-US" sz="5000" b="0" i="0" u="none" strike="noStrike" cap="none" spc="0" normalizeH="0" baseline="0">
               <a:ln>
@@ -5013,379 +5011,6 @@
               <a:buFontTx/>
               <a:buNone/>
             </a:pPr>
-            <a:r>
-              <a:rPr kumimoji="0" lang="en-US" altLang="zh-CN" sz="5000" b="0" i="0" u="none" strike="noStrike" cap="none" spc="0" normalizeH="0" baseline="0">
-                <a:ln>
-                  <a:noFill/>
-                </a:ln>
-                <a:solidFill>
-                  <a:srgbClr val="000000"/>
-                </a:solidFill>
-                <a:effectLst/>
-                <a:uFillTx/>
-                <a:latin typeface="+mn-lt"/>
-                <a:ea typeface="+mn-ea"/>
-                <a:cs typeface="+mn-cs"/>
-                <a:sym typeface="Helvetica Light"/>
-              </a:rPr>
-              <a:t>	- I.</a:t>
-            </a:r>
-            <a:r>
-              <a:rPr kumimoji="0" lang="zh-CN" altLang="en-US" sz="5000" b="0" i="0" u="none" strike="noStrike" cap="none" spc="0" normalizeH="0" baseline="0">
-                <a:ln>
-                  <a:noFill/>
-                </a:ln>
-                <a:solidFill>
-                  <a:srgbClr val="000000"/>
-                </a:solidFill>
-                <a:effectLst/>
-                <a:uFillTx/>
-                <a:latin typeface="+mn-lt"/>
-                <a:ea typeface="+mn-ea"/>
-                <a:cs typeface="+mn-cs"/>
-                <a:sym typeface="Helvetica Light"/>
-              </a:rPr>
-              <a:t>提取权限信息</a:t>
-            </a:r>
-            <a:endParaRPr kumimoji="0" lang="zh-CN" altLang="en-US" sz="5000" b="0" i="0" u="none" strike="noStrike" cap="none" spc="0" normalizeH="0" baseline="0">
-              <a:ln>
-                <a:noFill/>
-              </a:ln>
-              <a:solidFill>
-                <a:srgbClr val="000000"/>
-              </a:solidFill>
-              <a:effectLst/>
-              <a:uFillTx/>
-              <a:latin typeface="+mn-lt"/>
-              <a:ea typeface="+mn-ea"/>
-              <a:cs typeface="+mn-cs"/>
-              <a:sym typeface="Helvetica Light"/>
-            </a:endParaRPr>
-          </a:p>
-          <a:p>
-            <a:pPr marL="0" marR="0" indent="0" algn="l" defTabSz="825500" rtl="0" fontAlgn="auto" latinLnBrk="1" hangingPunct="0">
-              <a:lnSpc>
-                <a:spcPct val="100000"/>
-              </a:lnSpc>
-              <a:spcBef>
-                <a:spcPts val="0"/>
-              </a:spcBef>
-              <a:spcAft>
-                <a:spcPts val="0"/>
-              </a:spcAft>
-              <a:buClrTx/>
-              <a:buSzTx/>
-              <a:buFontTx/>
-              <a:buNone/>
-            </a:pPr>
-            <a:r>
-              <a:rPr kumimoji="0" lang="en-US" altLang="zh-CN" sz="5000" b="0" i="0" u="none" strike="noStrike" cap="none" spc="0" normalizeH="0" baseline="0">
-                <a:ln>
-                  <a:noFill/>
-                </a:ln>
-                <a:solidFill>
-                  <a:srgbClr val="000000"/>
-                </a:solidFill>
-                <a:effectLst/>
-                <a:uFillTx/>
-                <a:latin typeface="+mn-lt"/>
-                <a:ea typeface="+mn-ea"/>
-                <a:cs typeface="+mn-cs"/>
-                <a:sym typeface="Helvetica Light"/>
-              </a:rPr>
-              <a:t>		codesign -d --entitlements - SmartCommunityForShushu.app</a:t>
-            </a:r>
-            <a:endParaRPr kumimoji="0" lang="en-US" altLang="zh-CN" sz="5000" b="0" i="0" u="none" strike="noStrike" cap="none" spc="0" normalizeH="0" baseline="0">
-              <a:ln>
-                <a:noFill/>
-              </a:ln>
-              <a:solidFill>
-                <a:srgbClr val="000000"/>
-              </a:solidFill>
-              <a:effectLst/>
-              <a:uFillTx/>
-              <a:latin typeface="+mn-lt"/>
-              <a:ea typeface="+mn-ea"/>
-              <a:cs typeface="+mn-cs"/>
-              <a:sym typeface="Helvetica Light"/>
-            </a:endParaRPr>
-          </a:p>
-          <a:p>
-            <a:pPr marL="0" marR="0" indent="0" algn="l" defTabSz="825500" rtl="0" fontAlgn="auto" latinLnBrk="1" hangingPunct="0">
-              <a:lnSpc>
-                <a:spcPct val="100000"/>
-              </a:lnSpc>
-              <a:spcBef>
-                <a:spcPts val="0"/>
-              </a:spcBef>
-              <a:spcAft>
-                <a:spcPts val="0"/>
-              </a:spcAft>
-              <a:buClrTx/>
-              <a:buSzTx/>
-              <a:buFontTx/>
-              <a:buNone/>
-            </a:pPr>
-            <a:r>
-              <a:rPr kumimoji="0" lang="en-US" altLang="zh-CN" sz="5000" b="0" i="0" u="none" strike="noStrike" cap="none" spc="0" normalizeH="0" baseline="0">
-                <a:ln>
-                  <a:noFill/>
-                </a:ln>
-                <a:solidFill>
-                  <a:srgbClr val="000000"/>
-                </a:solidFill>
-                <a:effectLst/>
-                <a:uFillTx/>
-                <a:latin typeface="+mn-lt"/>
-                <a:ea typeface="+mn-ea"/>
-                <a:cs typeface="+mn-cs"/>
-                <a:sym typeface="Helvetica Light"/>
-              </a:rPr>
-              <a:t>	- II.</a:t>
-            </a:r>
-            <a:r>
-              <a:rPr kumimoji="0" lang="zh-CN" altLang="en-US" sz="5000" b="0" i="0" u="none" strike="noStrike" cap="none" spc="0" normalizeH="0" baseline="0">
-                <a:ln>
-                  <a:noFill/>
-                </a:ln>
-                <a:solidFill>
-                  <a:srgbClr val="000000"/>
-                </a:solidFill>
-                <a:effectLst/>
-                <a:uFillTx/>
-                <a:latin typeface="+mn-lt"/>
-                <a:ea typeface="+mn-ea"/>
-                <a:cs typeface="+mn-cs"/>
-                <a:sym typeface="Helvetica Light"/>
-              </a:rPr>
-              <a:t>替换资源文件、签名文件等</a:t>
-            </a:r>
-            <a:endParaRPr kumimoji="0" lang="zh-CN" altLang="en-US" sz="5000" b="0" i="0" u="none" strike="noStrike" cap="none" spc="0" normalizeH="0" baseline="0">
-              <a:ln>
-                <a:noFill/>
-              </a:ln>
-              <a:solidFill>
-                <a:srgbClr val="000000"/>
-              </a:solidFill>
-              <a:effectLst/>
-              <a:uFillTx/>
-              <a:latin typeface="+mn-lt"/>
-              <a:ea typeface="+mn-ea"/>
-              <a:cs typeface="+mn-cs"/>
-              <a:sym typeface="Helvetica Light"/>
-            </a:endParaRPr>
-          </a:p>
-          <a:p>
-            <a:pPr marL="0" marR="0" indent="0" algn="l" defTabSz="825500" rtl="0" fontAlgn="auto" latinLnBrk="1" hangingPunct="0">
-              <a:lnSpc>
-                <a:spcPct val="100000"/>
-              </a:lnSpc>
-              <a:spcBef>
-                <a:spcPts val="0"/>
-              </a:spcBef>
-              <a:spcAft>
-                <a:spcPts val="0"/>
-              </a:spcAft>
-              <a:buClrTx/>
-              <a:buSzTx/>
-              <a:buFontTx/>
-              <a:buNone/>
-            </a:pPr>
-            <a:r>
-              <a:rPr kumimoji="0" lang="en-US" altLang="zh-CN" sz="5000" b="0" i="0" u="none" strike="noStrike" cap="none" spc="0" normalizeH="0" baseline="0">
-                <a:ln>
-                  <a:noFill/>
-                </a:ln>
-                <a:solidFill>
-                  <a:srgbClr val="000000"/>
-                </a:solidFill>
-                <a:effectLst/>
-                <a:uFillTx/>
-                <a:latin typeface="+mn-lt"/>
-                <a:ea typeface="+mn-ea"/>
-                <a:cs typeface="+mn-cs"/>
-                <a:sym typeface="Helvetica Light"/>
-              </a:rPr>
-              <a:t>	- III.</a:t>
-            </a:r>
-            <a:r>
-              <a:rPr kumimoji="0" lang="zh-CN" altLang="en-US" sz="5000" b="0" i="0" u="none" strike="noStrike" cap="none" spc="0" normalizeH="0" baseline="0">
-                <a:ln>
-                  <a:noFill/>
-                </a:ln>
-                <a:solidFill>
-                  <a:srgbClr val="000000"/>
-                </a:solidFill>
-                <a:effectLst/>
-                <a:uFillTx/>
-                <a:latin typeface="+mn-lt"/>
-                <a:ea typeface="+mn-ea"/>
-                <a:cs typeface="+mn-cs"/>
-                <a:sym typeface="Helvetica Light"/>
-              </a:rPr>
-              <a:t>重签名</a:t>
-            </a:r>
-            <a:endParaRPr kumimoji="0" lang="zh-CN" altLang="en-US" sz="5000" b="0" i="0" u="none" strike="noStrike" cap="none" spc="0" normalizeH="0" baseline="0">
-              <a:ln>
-                <a:noFill/>
-              </a:ln>
-              <a:solidFill>
-                <a:srgbClr val="000000"/>
-              </a:solidFill>
-              <a:effectLst/>
-              <a:uFillTx/>
-              <a:latin typeface="+mn-lt"/>
-              <a:ea typeface="+mn-ea"/>
-              <a:cs typeface="+mn-cs"/>
-              <a:sym typeface="Helvetica Light"/>
-            </a:endParaRPr>
-          </a:p>
-          <a:p>
-            <a:pPr marL="0" marR="0" indent="0" algn="l" defTabSz="825500" rtl="0" fontAlgn="auto" latinLnBrk="1" hangingPunct="0">
-              <a:lnSpc>
-                <a:spcPct val="100000"/>
-              </a:lnSpc>
-              <a:spcBef>
-                <a:spcPts val="0"/>
-              </a:spcBef>
-              <a:spcAft>
-                <a:spcPts val="0"/>
-              </a:spcAft>
-              <a:buClrTx/>
-              <a:buSzTx/>
-              <a:buFontTx/>
-              <a:buNone/>
-            </a:pPr>
-            <a:r>
-              <a:rPr kumimoji="0" lang="en-US" altLang="zh-CN" sz="5000" b="0" i="0" u="none" strike="noStrike" cap="none" spc="0" normalizeH="0" baseline="0">
-                <a:ln>
-                  <a:noFill/>
-                </a:ln>
-                <a:solidFill>
-                  <a:srgbClr val="000000"/>
-                </a:solidFill>
-                <a:effectLst/>
-                <a:uFillTx/>
-                <a:latin typeface="+mn-lt"/>
-                <a:ea typeface="+mn-ea"/>
-                <a:cs typeface="+mn-cs"/>
-                <a:sym typeface="Helvetica Light"/>
-              </a:rPr>
-              <a:t>		codesign -fs 'iPhone Distribution: Hangzhou Greentown &amp; Uama Technology Co., Ltd.' --entitlements SmartCommunityForShushu_entitlements.plist Payload/SmartCommunityForShushu.app</a:t>
-            </a:r>
-            <a:endParaRPr kumimoji="0" lang="en-US" altLang="zh-CN" sz="5000" b="0" i="0" u="none" strike="noStrike" cap="none" spc="0" normalizeH="0" baseline="0">
-              <a:ln>
-                <a:noFill/>
-              </a:ln>
-              <a:solidFill>
-                <a:srgbClr val="000000"/>
-              </a:solidFill>
-              <a:effectLst/>
-              <a:uFillTx/>
-              <a:latin typeface="+mn-lt"/>
-              <a:ea typeface="+mn-ea"/>
-              <a:cs typeface="+mn-cs"/>
-              <a:sym typeface="Helvetica Light"/>
-            </a:endParaRPr>
-          </a:p>
-          <a:p>
-            <a:pPr marL="0" marR="0" indent="0" algn="l" defTabSz="825500" rtl="0" fontAlgn="auto" latinLnBrk="1" hangingPunct="0">
-              <a:lnSpc>
-                <a:spcPct val="100000"/>
-              </a:lnSpc>
-              <a:spcBef>
-                <a:spcPts val="0"/>
-              </a:spcBef>
-              <a:spcAft>
-                <a:spcPts val="0"/>
-              </a:spcAft>
-              <a:buClrTx/>
-              <a:buSzTx/>
-              <a:buFontTx/>
-              <a:buNone/>
-            </a:pPr>
-            <a:r>
-              <a:rPr kumimoji="0" lang="en-US" altLang="zh-CN" sz="5000" b="0" i="0" u="none" strike="noStrike" cap="none" spc="0" normalizeH="0" baseline="0">
-                <a:ln>
-                  <a:noFill/>
-                </a:ln>
-                <a:solidFill>
-                  <a:srgbClr val="000000"/>
-                </a:solidFill>
-                <a:effectLst/>
-                <a:uFillTx/>
-                <a:latin typeface="+mn-lt"/>
-                <a:ea typeface="+mn-ea"/>
-                <a:cs typeface="+mn-cs"/>
-                <a:sym typeface="Helvetica Light"/>
-              </a:rPr>
-              <a:t>	- IV.</a:t>
-            </a:r>
-            <a:r>
-              <a:rPr kumimoji="0" lang="zh-CN" altLang="en-US" sz="5000" b="0" i="0" u="none" strike="noStrike" cap="none" spc="0" normalizeH="0" baseline="0">
-                <a:ln>
-                  <a:noFill/>
-                </a:ln>
-                <a:solidFill>
-                  <a:srgbClr val="000000"/>
-                </a:solidFill>
-                <a:effectLst/>
-                <a:uFillTx/>
-                <a:latin typeface="+mn-lt"/>
-                <a:ea typeface="+mn-ea"/>
-                <a:cs typeface="+mn-cs"/>
-                <a:sym typeface="Helvetica Light"/>
-              </a:rPr>
-              <a:t>重新打包 zip -r NewApp.ipa Payload</a:t>
-            </a:r>
-            <a:endParaRPr kumimoji="0" lang="zh-CN" altLang="en-US" sz="5000" b="0" i="0" u="none" strike="noStrike" cap="none" spc="0" normalizeH="0" baseline="0">
-              <a:ln>
-                <a:noFill/>
-              </a:ln>
-              <a:solidFill>
-                <a:srgbClr val="000000"/>
-              </a:solidFill>
-              <a:effectLst/>
-              <a:uFillTx/>
-              <a:latin typeface="+mn-lt"/>
-              <a:ea typeface="+mn-ea"/>
-              <a:cs typeface="+mn-cs"/>
-              <a:sym typeface="Helvetica Light"/>
-            </a:endParaRPr>
-          </a:p>
-          <a:p>
-            <a:pPr marL="0" marR="0" indent="0" algn="l" defTabSz="825500" rtl="0" fontAlgn="auto" latinLnBrk="1" hangingPunct="0">
-              <a:lnSpc>
-                <a:spcPct val="100000"/>
-              </a:lnSpc>
-              <a:spcBef>
-                <a:spcPts val="0"/>
-              </a:spcBef>
-              <a:spcAft>
-                <a:spcPts val="0"/>
-              </a:spcAft>
-              <a:buClrTx/>
-              <a:buSzTx/>
-              <a:buFontTx/>
-              <a:buNone/>
-            </a:pPr>
-            <a:r>
-              <a:rPr kumimoji="0" lang="en-US" altLang="zh-CN" sz="5000" b="0" i="0" u="none" strike="noStrike" cap="none" spc="0" normalizeH="0" baseline="0">
-                <a:ln>
-                  <a:noFill/>
-                </a:ln>
-                <a:solidFill>
-                  <a:srgbClr val="000000"/>
-                </a:solidFill>
-                <a:effectLst/>
-                <a:uFillTx/>
-                <a:latin typeface="+mn-lt"/>
-                <a:ea typeface="+mn-ea"/>
-                <a:cs typeface="+mn-cs"/>
-                <a:sym typeface="Helvetica Light"/>
-              </a:rPr>
-              <a:t>		</a:t>
-            </a:r>
             <a:endParaRPr kumimoji="0" lang="en-US" altLang="zh-CN" sz="5000" b="0" i="0" u="none" strike="noStrike" cap="none" spc="0" normalizeH="0" baseline="0">
               <a:ln>
                 <a:noFill/>
